--- a/pic/模型图.pptx
+++ b/pic/模型图.pptx
@@ -13,6 +13,9 @@
     <p:sldId id="262" r:id="rId8"/>
     <p:sldId id="265" r:id="rId9"/>
     <p:sldId id="266" r:id="rId10"/>
+    <p:sldId id="267" r:id="rId11"/>
+    <p:sldId id="268" r:id="rId12"/>
+    <p:sldId id="269" r:id="rId13"/>
   </p:sldIdLst>
   <p:sldSz cx="12192000" cy="6858000"/>
   <p:notesSz cx="7103745" cy="10234295"/>
@@ -8376,6 +8379,2089 @@
 </p:sld>
 </file>
 
+<file path=ppt/slides/slide10.xml><?xml version="1.0" encoding="utf-8"?>
+<p:sld xmlns:a="http://schemas.openxmlformats.org/drawingml/2006/main" xmlns:r="http://schemas.openxmlformats.org/officeDocument/2006/relationships" xmlns:p="http://schemas.openxmlformats.org/presentationml/2006/main">
+  <p:cSld>
+    <p:spTree>
+      <p:nvGrpSpPr>
+        <p:cNvPr id="1" name=""/>
+        <p:cNvGrpSpPr/>
+        <p:nvPr/>
+      </p:nvGrpSpPr>
+      <p:grpSpPr/>
+      <p:sp>
+        <p:nvSpPr>
+          <p:cNvPr id="4" name="立方体 3"/>
+          <p:cNvSpPr/>
+          <p:nvPr/>
+        </p:nvSpPr>
+        <p:spPr>
+          <a:xfrm>
+            <a:off x="3842385" y="913130"/>
+            <a:ext cx="885825" cy="899160"/>
+          </a:xfrm>
+          <a:prstGeom prst="cube">
+            <a:avLst>
+              <a:gd name="adj" fmla="val 78444"/>
+            </a:avLst>
+          </a:prstGeom>
+          <a:noFill/>
+          <a:ln>
+            <a:solidFill>
+              <a:srgbClr val="00B050"/>
+            </a:solidFill>
+          </a:ln>
+        </p:spPr>
+        <p:style>
+          <a:lnRef idx="2">
+            <a:schemeClr val="accent1">
+              <a:shade val="50000"/>
+            </a:schemeClr>
+          </a:lnRef>
+          <a:fillRef idx="1">
+            <a:schemeClr val="accent1"/>
+          </a:fillRef>
+          <a:effectRef idx="0">
+            <a:schemeClr val="accent1"/>
+          </a:effectRef>
+          <a:fontRef idx="minor">
+            <a:schemeClr val="lt1"/>
+          </a:fontRef>
+        </p:style>
+        <p:txBody>
+          <a:bodyPr rtlCol="0" anchor="ctr"/>
+          <a:p>
+            <a:pPr algn="ctr"/>
+            <a:endParaRPr lang="zh-CN" altLang="en-US"/>
+          </a:p>
+        </p:txBody>
+      </p:sp>
+      <p:sp>
+        <p:nvSpPr>
+          <p:cNvPr id="6" name="立方体 5"/>
+          <p:cNvSpPr/>
+          <p:nvPr/>
+        </p:nvSpPr>
+        <p:spPr>
+          <a:xfrm>
+            <a:off x="3842385" y="1875790"/>
+            <a:ext cx="885825" cy="899160"/>
+          </a:xfrm>
+          <a:prstGeom prst="cube">
+            <a:avLst>
+              <a:gd name="adj" fmla="val 78444"/>
+            </a:avLst>
+          </a:prstGeom>
+          <a:noFill/>
+          <a:ln>
+            <a:solidFill>
+              <a:srgbClr val="00B050"/>
+            </a:solidFill>
+          </a:ln>
+        </p:spPr>
+        <p:style>
+          <a:lnRef idx="2">
+            <a:schemeClr val="accent1">
+              <a:shade val="50000"/>
+            </a:schemeClr>
+          </a:lnRef>
+          <a:fillRef idx="1">
+            <a:schemeClr val="accent1"/>
+          </a:fillRef>
+          <a:effectRef idx="0">
+            <a:schemeClr val="accent1"/>
+          </a:effectRef>
+          <a:fontRef idx="minor">
+            <a:schemeClr val="lt1"/>
+          </a:fontRef>
+        </p:style>
+        <p:txBody>
+          <a:bodyPr rtlCol="0" anchor="ctr"/>
+          <a:p>
+            <a:pPr algn="ctr"/>
+            <a:endParaRPr lang="zh-CN" altLang="en-US"/>
+          </a:p>
+        </p:txBody>
+      </p:sp>
+      <p:grpSp>
+        <p:nvGrpSpPr>
+          <p:cNvPr id="16" name="组合 15"/>
+          <p:cNvGrpSpPr/>
+          <p:nvPr/>
+        </p:nvGrpSpPr>
+        <p:grpSpPr>
+          <a:xfrm>
+            <a:off x="1470660" y="1107440"/>
+            <a:ext cx="1933575" cy="1985010"/>
+            <a:chOff x="959" y="2725"/>
+            <a:chExt cx="3045" cy="3126"/>
+          </a:xfrm>
+        </p:grpSpPr>
+        <p:sp>
+          <p:nvSpPr>
+            <p:cNvPr id="3" name="立方体 2"/>
+            <p:cNvSpPr/>
+            <p:nvPr/>
+          </p:nvSpPr>
+          <p:spPr>
+            <a:xfrm>
+              <a:off x="1460" y="2725"/>
+              <a:ext cx="2545" cy="2546"/>
+            </a:xfrm>
+            <a:prstGeom prst="cube">
+              <a:avLst>
+                <a:gd name="adj" fmla="val 48212"/>
+              </a:avLst>
+            </a:prstGeom>
+            <a:noFill/>
+          </p:spPr>
+          <p:style>
+            <a:lnRef idx="2">
+              <a:schemeClr val="accent1">
+                <a:shade val="50000"/>
+              </a:schemeClr>
+            </a:lnRef>
+            <a:fillRef idx="1">
+              <a:schemeClr val="accent1"/>
+            </a:fillRef>
+            <a:effectRef idx="0">
+              <a:schemeClr val="accent1"/>
+            </a:effectRef>
+            <a:fontRef idx="minor">
+              <a:schemeClr val="lt1"/>
+            </a:fontRef>
+          </p:style>
+          <p:txBody>
+            <a:bodyPr rtlCol="0" anchor="ctr"/>
+            <a:p>
+              <a:pPr algn="ctr"/>
+              <a:endParaRPr lang="zh-CN" altLang="en-US"/>
+            </a:p>
+          </p:txBody>
+        </p:sp>
+        <p:sp>
+          <p:nvSpPr>
+            <p:cNvPr id="8" name="文本框 7"/>
+            <p:cNvSpPr txBox="1"/>
+            <p:nvPr/>
+          </p:nvSpPr>
+          <p:spPr>
+            <a:xfrm>
+              <a:off x="1565" y="5271"/>
+              <a:ext cx="1148" cy="580"/>
+            </a:xfrm>
+            <a:prstGeom prst="rect">
+              <a:avLst/>
+            </a:prstGeom>
+            <a:noFill/>
+          </p:spPr>
+          <p:txBody>
+            <a:bodyPr wrap="square" rtlCol="0">
+              <a:spAutoFit/>
+            </a:bodyPr>
+            <a:p>
+              <a:pPr algn="ctr"/>
+              <a:r>
+                <a:rPr lang="en-US" altLang="zh-CN"/>
+                <a:t>W</a:t>
+              </a:r>
+              <a:endParaRPr lang="en-US" altLang="zh-CN"/>
+            </a:p>
+          </p:txBody>
+        </p:sp>
+        <p:sp>
+          <p:nvSpPr>
+            <p:cNvPr id="9" name="文本框 8"/>
+            <p:cNvSpPr txBox="1"/>
+            <p:nvPr/>
+          </p:nvSpPr>
+          <p:spPr>
+            <a:xfrm>
+              <a:off x="959" y="4273"/>
+              <a:ext cx="501" cy="580"/>
+            </a:xfrm>
+            <a:prstGeom prst="rect">
+              <a:avLst/>
+            </a:prstGeom>
+            <a:noFill/>
+          </p:spPr>
+          <p:txBody>
+            <a:bodyPr wrap="square" rtlCol="0">
+              <a:spAutoFit/>
+            </a:bodyPr>
+            <a:p>
+              <a:r>
+                <a:rPr lang="en-US" altLang="zh-CN"/>
+                <a:t>H</a:t>
+              </a:r>
+              <a:endParaRPr lang="en-US" altLang="zh-CN"/>
+            </a:p>
+          </p:txBody>
+        </p:sp>
+        <p:sp>
+          <p:nvSpPr>
+            <p:cNvPr id="10" name="文本框 9"/>
+            <p:cNvSpPr txBox="1"/>
+            <p:nvPr/>
+          </p:nvSpPr>
+          <p:spPr>
+            <a:xfrm>
+              <a:off x="1565" y="2777"/>
+              <a:ext cx="533" cy="580"/>
+            </a:xfrm>
+            <a:prstGeom prst="rect">
+              <a:avLst/>
+            </a:prstGeom>
+            <a:noFill/>
+          </p:spPr>
+          <p:txBody>
+            <a:bodyPr wrap="none" rtlCol="0">
+              <a:spAutoFit/>
+            </a:bodyPr>
+            <a:p>
+              <a:r>
+                <a:rPr lang="en-US" altLang="zh-CN"/>
+                <a:t>c</a:t>
+              </a:r>
+              <a:r>
+                <a:rPr lang="en-US" altLang="zh-CN" baseline="-25000"/>
+                <a:t>i</a:t>
+              </a:r>
+              <a:endParaRPr lang="en-US" altLang="zh-CN" baseline="-25000"/>
+            </a:p>
+          </p:txBody>
+        </p:sp>
+      </p:grpSp>
+      <p:sp>
+        <p:nvSpPr>
+          <p:cNvPr id="11" name="文本框 10"/>
+          <p:cNvSpPr txBox="1"/>
+          <p:nvPr/>
+        </p:nvSpPr>
+        <p:spPr>
+          <a:xfrm>
+            <a:off x="3284855" y="506730"/>
+            <a:ext cx="2001520" cy="368300"/>
+          </a:xfrm>
+          <a:prstGeom prst="rect">
+            <a:avLst/>
+          </a:prstGeom>
+          <a:noFill/>
+        </p:spPr>
+        <p:txBody>
+          <a:bodyPr wrap="square" rtlCol="0">
+            <a:spAutoFit/>
+          </a:bodyPr>
+          <a:p>
+            <a:pPr algn="ctr"/>
+            <a:r>
+              <a:rPr lang="en-US" altLang="zh-CN"/>
+              <a:t>c</a:t>
+            </a:r>
+            <a:r>
+              <a:rPr lang="en-US" altLang="zh-CN" baseline="-25000"/>
+              <a:t>o</a:t>
+            </a:r>
+            <a:r>
+              <a:rPr lang="en-US" altLang="zh-CN"/>
+              <a:t> filters</a:t>
+            </a:r>
+            <a:endParaRPr lang="en-US" altLang="zh-CN"/>
+          </a:p>
+        </p:txBody>
+      </p:sp>
+      <p:grpSp>
+        <p:nvGrpSpPr>
+          <p:cNvPr id="17" name="组合 16"/>
+          <p:cNvGrpSpPr/>
+          <p:nvPr/>
+        </p:nvGrpSpPr>
+        <p:grpSpPr>
+          <a:xfrm>
+            <a:off x="5197475" y="1094740"/>
+            <a:ext cx="1615440" cy="1985010"/>
+            <a:chOff x="6357" y="2725"/>
+            <a:chExt cx="2544" cy="3126"/>
+          </a:xfrm>
+        </p:grpSpPr>
+        <p:sp>
+          <p:nvSpPr>
+            <p:cNvPr id="7" name="立方体 6"/>
+            <p:cNvSpPr/>
+            <p:nvPr/>
+          </p:nvSpPr>
+          <p:spPr>
+            <a:xfrm>
+              <a:off x="6357" y="2725"/>
+              <a:ext cx="2545" cy="2546"/>
+            </a:xfrm>
+            <a:prstGeom prst="cube">
+              <a:avLst>
+                <a:gd name="adj" fmla="val 48212"/>
+              </a:avLst>
+            </a:prstGeom>
+            <a:noFill/>
+          </p:spPr>
+          <p:style>
+            <a:lnRef idx="2">
+              <a:schemeClr val="accent1">
+                <a:shade val="50000"/>
+              </a:schemeClr>
+            </a:lnRef>
+            <a:fillRef idx="1">
+              <a:schemeClr val="accent1"/>
+            </a:fillRef>
+            <a:effectRef idx="0">
+              <a:schemeClr val="accent1"/>
+            </a:effectRef>
+            <a:fontRef idx="minor">
+              <a:schemeClr val="lt1"/>
+            </a:fontRef>
+          </p:style>
+          <p:txBody>
+            <a:bodyPr rtlCol="0" anchor="ctr"/>
+            <a:p>
+              <a:pPr algn="ctr"/>
+              <a:endParaRPr lang="zh-CN" altLang="en-US"/>
+            </a:p>
+          </p:txBody>
+        </p:sp>
+        <p:sp>
+          <p:nvSpPr>
+            <p:cNvPr id="12" name="文本框 11"/>
+            <p:cNvSpPr txBox="1"/>
+            <p:nvPr/>
+          </p:nvSpPr>
+          <p:spPr>
+            <a:xfrm>
+              <a:off x="6357" y="5271"/>
+              <a:ext cx="1148" cy="580"/>
+            </a:xfrm>
+            <a:prstGeom prst="rect">
+              <a:avLst/>
+            </a:prstGeom>
+            <a:noFill/>
+          </p:spPr>
+          <p:txBody>
+            <a:bodyPr wrap="square" rtlCol="0">
+              <a:spAutoFit/>
+            </a:bodyPr>
+            <a:p>
+              <a:pPr algn="ctr"/>
+              <a:r>
+                <a:rPr lang="en-US" altLang="zh-CN"/>
+                <a:t>W</a:t>
+              </a:r>
+              <a:endParaRPr lang="en-US" altLang="zh-CN"/>
+            </a:p>
+          </p:txBody>
+        </p:sp>
+        <p:sp>
+          <p:nvSpPr>
+            <p:cNvPr id="13" name="文本框 12"/>
+            <p:cNvSpPr txBox="1"/>
+            <p:nvPr/>
+          </p:nvSpPr>
+          <p:spPr>
+            <a:xfrm>
+              <a:off x="7671" y="4273"/>
+              <a:ext cx="501" cy="580"/>
+            </a:xfrm>
+            <a:prstGeom prst="rect">
+              <a:avLst/>
+            </a:prstGeom>
+            <a:noFill/>
+          </p:spPr>
+          <p:txBody>
+            <a:bodyPr wrap="square" rtlCol="0">
+              <a:spAutoFit/>
+            </a:bodyPr>
+            <a:p>
+              <a:r>
+                <a:rPr lang="en-US" altLang="zh-CN"/>
+                <a:t>H</a:t>
+              </a:r>
+              <a:endParaRPr lang="en-US" altLang="zh-CN"/>
+            </a:p>
+          </p:txBody>
+        </p:sp>
+        <p:sp>
+          <p:nvSpPr>
+            <p:cNvPr id="14" name="文本框 13"/>
+            <p:cNvSpPr txBox="1"/>
+            <p:nvPr/>
+          </p:nvSpPr>
+          <p:spPr>
+            <a:xfrm>
+              <a:off x="8287" y="3115"/>
+              <a:ext cx="615" cy="580"/>
+            </a:xfrm>
+            <a:prstGeom prst="rect">
+              <a:avLst/>
+            </a:prstGeom>
+            <a:noFill/>
+          </p:spPr>
+          <p:txBody>
+            <a:bodyPr wrap="none" rtlCol="0">
+              <a:spAutoFit/>
+            </a:bodyPr>
+            <a:p>
+              <a:r>
+                <a:rPr lang="en-US" altLang="zh-CN"/>
+                <a:t>c</a:t>
+              </a:r>
+              <a:r>
+                <a:rPr lang="en-US" altLang="zh-CN" baseline="-25000"/>
+                <a:t>o</a:t>
+              </a:r>
+              <a:endParaRPr lang="en-US" altLang="zh-CN" baseline="-25000"/>
+            </a:p>
+          </p:txBody>
+        </p:sp>
+      </p:grpSp>
+      <p:sp>
+        <p:nvSpPr>
+          <p:cNvPr id="18" name="文本框 17"/>
+          <p:cNvSpPr txBox="1"/>
+          <p:nvPr/>
+        </p:nvSpPr>
+        <p:spPr>
+          <a:xfrm>
+            <a:off x="3404870" y="1723390"/>
+            <a:ext cx="251460" cy="706755"/>
+          </a:xfrm>
+          <a:prstGeom prst="rect">
+            <a:avLst/>
+          </a:prstGeom>
+          <a:noFill/>
+        </p:spPr>
+        <p:txBody>
+          <a:bodyPr wrap="square" rtlCol="0">
+            <a:spAutoFit/>
+          </a:bodyPr>
+          <a:p>
+            <a:r>
+              <a:rPr lang="en-US" altLang="zh-CN" sz="4000"/>
+              <a:t>*</a:t>
+            </a:r>
+            <a:endParaRPr lang="en-US" altLang="zh-CN" sz="4000"/>
+          </a:p>
+        </p:txBody>
+      </p:sp>
+      <p:grpSp>
+        <p:nvGrpSpPr>
+          <p:cNvPr id="44" name="组合 43"/>
+          <p:cNvGrpSpPr/>
+          <p:nvPr/>
+        </p:nvGrpSpPr>
+        <p:grpSpPr>
+          <a:xfrm>
+            <a:off x="1403985" y="3884930"/>
+            <a:ext cx="1934210" cy="1985010"/>
+            <a:chOff x="2211" y="6118"/>
+            <a:chExt cx="3046" cy="3126"/>
+          </a:xfrm>
+        </p:grpSpPr>
+        <p:grpSp>
+          <p:nvGrpSpPr>
+            <p:cNvPr id="19" name="组合 18"/>
+            <p:cNvGrpSpPr/>
+            <p:nvPr/>
+          </p:nvGrpSpPr>
+          <p:grpSpPr>
+            <a:xfrm>
+              <a:off x="2211" y="6118"/>
+              <a:ext cx="3046" cy="3126"/>
+              <a:chOff x="959" y="2725"/>
+              <a:chExt cx="3046" cy="3126"/>
+            </a:xfrm>
+          </p:grpSpPr>
+          <p:sp>
+            <p:nvSpPr>
+              <p:cNvPr id="20" name="立方体 19"/>
+              <p:cNvSpPr/>
+              <p:nvPr/>
+            </p:nvSpPr>
+            <p:spPr>
+              <a:xfrm>
+                <a:off x="1460" y="2725"/>
+                <a:ext cx="2545" cy="2546"/>
+              </a:xfrm>
+              <a:prstGeom prst="cube">
+                <a:avLst>
+                  <a:gd name="adj" fmla="val 48212"/>
+                </a:avLst>
+              </a:prstGeom>
+              <a:noFill/>
+            </p:spPr>
+            <p:style>
+              <a:lnRef idx="2">
+                <a:schemeClr val="accent1">
+                  <a:shade val="50000"/>
+                </a:schemeClr>
+              </a:lnRef>
+              <a:fillRef idx="1">
+                <a:schemeClr val="accent1"/>
+              </a:fillRef>
+              <a:effectRef idx="0">
+                <a:schemeClr val="accent1"/>
+              </a:effectRef>
+              <a:fontRef idx="minor">
+                <a:schemeClr val="lt1"/>
+              </a:fontRef>
+            </p:style>
+            <p:txBody>
+              <a:bodyPr rtlCol="0" anchor="ctr"/>
+              <a:p>
+                <a:pPr algn="ctr"/>
+                <a:endParaRPr lang="zh-CN" altLang="en-US"/>
+              </a:p>
+            </p:txBody>
+          </p:sp>
+          <p:sp>
+            <p:nvSpPr>
+              <p:cNvPr id="21" name="文本框 20"/>
+              <p:cNvSpPr txBox="1"/>
+              <p:nvPr/>
+            </p:nvSpPr>
+            <p:spPr>
+              <a:xfrm>
+                <a:off x="1565" y="5271"/>
+                <a:ext cx="1148" cy="580"/>
+              </a:xfrm>
+              <a:prstGeom prst="rect">
+                <a:avLst/>
+              </a:prstGeom>
+              <a:noFill/>
+            </p:spPr>
+            <p:txBody>
+              <a:bodyPr wrap="square" rtlCol="0">
+                <a:spAutoFit/>
+              </a:bodyPr>
+              <a:p>
+                <a:pPr algn="ctr"/>
+                <a:r>
+                  <a:rPr lang="en-US" altLang="zh-CN"/>
+                  <a:t>W</a:t>
+                </a:r>
+                <a:endParaRPr lang="en-US" altLang="zh-CN"/>
+              </a:p>
+            </p:txBody>
+          </p:sp>
+          <p:sp>
+            <p:nvSpPr>
+              <p:cNvPr id="22" name="文本框 21"/>
+              <p:cNvSpPr txBox="1"/>
+              <p:nvPr/>
+            </p:nvSpPr>
+            <p:spPr>
+              <a:xfrm>
+                <a:off x="959" y="4273"/>
+                <a:ext cx="501" cy="580"/>
+              </a:xfrm>
+              <a:prstGeom prst="rect">
+                <a:avLst/>
+              </a:prstGeom>
+              <a:noFill/>
+            </p:spPr>
+            <p:txBody>
+              <a:bodyPr wrap="square" rtlCol="0">
+                <a:spAutoFit/>
+              </a:bodyPr>
+              <a:p>
+                <a:r>
+                  <a:rPr lang="en-US" altLang="zh-CN"/>
+                  <a:t>H</a:t>
+                </a:r>
+                <a:endParaRPr lang="en-US" altLang="zh-CN"/>
+              </a:p>
+            </p:txBody>
+          </p:sp>
+          <p:sp>
+            <p:nvSpPr>
+              <p:cNvPr id="23" name="文本框 22"/>
+              <p:cNvSpPr txBox="1"/>
+              <p:nvPr/>
+            </p:nvSpPr>
+            <p:spPr>
+              <a:xfrm>
+                <a:off x="1262" y="2882"/>
+                <a:ext cx="533" cy="580"/>
+              </a:xfrm>
+              <a:prstGeom prst="rect">
+                <a:avLst/>
+              </a:prstGeom>
+              <a:noFill/>
+            </p:spPr>
+            <p:txBody>
+              <a:bodyPr wrap="none" rtlCol="0">
+                <a:spAutoFit/>
+              </a:bodyPr>
+              <a:p>
+                <a:r>
+                  <a:rPr lang="en-US" altLang="zh-CN"/>
+                  <a:t>c</a:t>
+                </a:r>
+                <a:r>
+                  <a:rPr lang="en-US" altLang="zh-CN" baseline="-25000"/>
+                  <a:t>i</a:t>
+                </a:r>
+                <a:endParaRPr lang="en-US" altLang="zh-CN" baseline="-25000"/>
+              </a:p>
+            </p:txBody>
+          </p:sp>
+        </p:grpSp>
+        <p:cxnSp>
+          <p:nvCxnSpPr>
+            <p:cNvPr id="25" name="直接连接符 24"/>
+            <p:cNvCxnSpPr/>
+            <p:nvPr/>
+          </p:nvCxnSpPr>
+          <p:spPr>
+            <a:xfrm>
+              <a:off x="3360" y="6714"/>
+              <a:ext cx="1294" cy="0"/>
+            </a:xfrm>
+            <a:prstGeom prst="line">
+              <a:avLst/>
+            </a:prstGeom>
+            <a:ln w="28575">
+              <a:prstDash val="sysDash"/>
+            </a:ln>
+          </p:spPr>
+          <p:style>
+            <a:lnRef idx="1">
+              <a:schemeClr val="accent1"/>
+            </a:lnRef>
+            <a:fillRef idx="0">
+              <a:schemeClr val="accent1"/>
+            </a:fillRef>
+            <a:effectRef idx="0">
+              <a:schemeClr val="accent1"/>
+            </a:effectRef>
+            <a:fontRef idx="minor">
+              <a:schemeClr val="tx1"/>
+            </a:fontRef>
+          </p:style>
+        </p:cxnSp>
+      </p:grpSp>
+      <p:sp>
+        <p:nvSpPr>
+          <p:cNvPr id="27" name="文本框 26"/>
+          <p:cNvSpPr txBox="1"/>
+          <p:nvPr/>
+        </p:nvSpPr>
+        <p:spPr>
+          <a:xfrm rot="5400000">
+            <a:off x="4119245" y="1641475"/>
+            <a:ext cx="487680" cy="460375"/>
+          </a:xfrm>
+          <a:prstGeom prst="rect">
+            <a:avLst/>
+          </a:prstGeom>
+          <a:noFill/>
+        </p:spPr>
+        <p:txBody>
+          <a:bodyPr wrap="none" rtlCol="0" anchor="t">
+            <a:spAutoFit/>
+          </a:bodyPr>
+          <a:p>
+            <a:r>
+              <a:rPr lang="zh-CN" altLang="en-US" sz="2400" b="1">
+                <a:latin typeface="Arial" panose="020B0604020202090204" pitchFamily="34" charset="0"/>
+                <a:cs typeface="Arial" panose="020B0604020202090204" pitchFamily="34" charset="0"/>
+              </a:rPr>
+              <a:t>…</a:t>
+            </a:r>
+            <a:endParaRPr lang="zh-CN" altLang="en-US" sz="2400" b="1">
+              <a:latin typeface="Arial" panose="020B0604020202090204" pitchFamily="34" charset="0"/>
+              <a:cs typeface="Arial" panose="020B0604020202090204" pitchFamily="34" charset="0"/>
+            </a:endParaRPr>
+          </a:p>
+        </p:txBody>
+      </p:sp>
+      <p:grpSp>
+        <p:nvGrpSpPr>
+          <p:cNvPr id="30" name="组合 29"/>
+          <p:cNvGrpSpPr/>
+          <p:nvPr/>
+        </p:nvGrpSpPr>
+        <p:grpSpPr>
+          <a:xfrm>
+            <a:off x="3842310" y="3731260"/>
+            <a:ext cx="897330" cy="885258"/>
+            <a:chOff x="6815" y="4870"/>
+            <a:chExt cx="2318" cy="2349"/>
+          </a:xfrm>
+        </p:grpSpPr>
+        <p:sp>
+          <p:nvSpPr>
+            <p:cNvPr id="28" name="立方体 27"/>
+            <p:cNvSpPr/>
+            <p:nvPr/>
+          </p:nvSpPr>
+          <p:spPr>
+            <a:xfrm>
+              <a:off x="7738" y="4870"/>
+              <a:ext cx="1395" cy="1416"/>
+            </a:xfrm>
+            <a:prstGeom prst="cube">
+              <a:avLst>
+                <a:gd name="adj" fmla="val 66041"/>
+              </a:avLst>
+            </a:prstGeom>
+            <a:noFill/>
+            <a:ln>
+              <a:solidFill>
+                <a:srgbClr val="00B050"/>
+              </a:solidFill>
+            </a:ln>
+          </p:spPr>
+          <p:style>
+            <a:lnRef idx="2">
+              <a:schemeClr val="accent1">
+                <a:shade val="50000"/>
+              </a:schemeClr>
+            </a:lnRef>
+            <a:fillRef idx="1">
+              <a:schemeClr val="accent1"/>
+            </a:fillRef>
+            <a:effectRef idx="0">
+              <a:schemeClr val="accent1"/>
+            </a:effectRef>
+            <a:fontRef idx="minor">
+              <a:schemeClr val="lt1"/>
+            </a:fontRef>
+          </p:style>
+          <p:txBody>
+            <a:bodyPr rtlCol="0" anchor="ctr"/>
+            <a:p>
+              <a:pPr algn="ctr"/>
+              <a:endParaRPr lang="zh-CN" altLang="en-US"/>
+            </a:p>
+          </p:txBody>
+        </p:sp>
+        <p:sp>
+          <p:nvSpPr>
+            <p:cNvPr id="29" name="立方体 28"/>
+            <p:cNvSpPr/>
+            <p:nvPr/>
+          </p:nvSpPr>
+          <p:spPr>
+            <a:xfrm>
+              <a:off x="6815" y="5803"/>
+              <a:ext cx="1395" cy="1416"/>
+            </a:xfrm>
+            <a:prstGeom prst="cube">
+              <a:avLst>
+                <a:gd name="adj" fmla="val 68551"/>
+              </a:avLst>
+            </a:prstGeom>
+            <a:noFill/>
+            <a:ln w="12700" cmpd="sng">
+              <a:solidFill>
+                <a:schemeClr val="accent1">
+                  <a:shade val="50000"/>
+                </a:schemeClr>
+              </a:solidFill>
+              <a:prstDash val="sysDash"/>
+            </a:ln>
+          </p:spPr>
+          <p:style>
+            <a:lnRef idx="2">
+              <a:schemeClr val="accent1">
+                <a:shade val="50000"/>
+              </a:schemeClr>
+            </a:lnRef>
+            <a:fillRef idx="1">
+              <a:schemeClr val="accent1"/>
+            </a:fillRef>
+            <a:effectRef idx="0">
+              <a:schemeClr val="accent1"/>
+            </a:effectRef>
+            <a:fontRef idx="minor">
+              <a:schemeClr val="lt1"/>
+            </a:fontRef>
+          </p:style>
+          <p:txBody>
+            <a:bodyPr rtlCol="0" anchor="ctr"/>
+            <a:p>
+              <a:pPr algn="ctr"/>
+              <a:endParaRPr lang="zh-CN" altLang="en-US"/>
+            </a:p>
+          </p:txBody>
+        </p:sp>
+      </p:grpSp>
+      <p:grpSp>
+        <p:nvGrpSpPr>
+          <p:cNvPr id="31" name="组合 30"/>
+          <p:cNvGrpSpPr/>
+          <p:nvPr/>
+        </p:nvGrpSpPr>
+        <p:grpSpPr>
+          <a:xfrm>
+            <a:off x="3842310" y="4616450"/>
+            <a:ext cx="897330" cy="885258"/>
+            <a:chOff x="6815" y="4870"/>
+            <a:chExt cx="2318" cy="2349"/>
+          </a:xfrm>
+        </p:grpSpPr>
+        <p:sp>
+          <p:nvSpPr>
+            <p:cNvPr id="32" name="立方体 31"/>
+            <p:cNvSpPr/>
+            <p:nvPr/>
+          </p:nvSpPr>
+          <p:spPr>
+            <a:xfrm>
+              <a:off x="7738" y="4870"/>
+              <a:ext cx="1395" cy="1416"/>
+            </a:xfrm>
+            <a:prstGeom prst="cube">
+              <a:avLst>
+                <a:gd name="adj" fmla="val 66041"/>
+              </a:avLst>
+            </a:prstGeom>
+            <a:noFill/>
+            <a:ln w="12700" cmpd="sng">
+              <a:solidFill>
+                <a:schemeClr val="accent1">
+                  <a:shade val="50000"/>
+                </a:schemeClr>
+              </a:solidFill>
+              <a:prstDash val="sysDash"/>
+            </a:ln>
+          </p:spPr>
+          <p:style>
+            <a:lnRef idx="2">
+              <a:schemeClr val="accent1">
+                <a:shade val="50000"/>
+              </a:schemeClr>
+            </a:lnRef>
+            <a:fillRef idx="1">
+              <a:schemeClr val="accent1"/>
+            </a:fillRef>
+            <a:effectRef idx="0">
+              <a:schemeClr val="accent1"/>
+            </a:effectRef>
+            <a:fontRef idx="minor">
+              <a:schemeClr val="lt1"/>
+            </a:fontRef>
+          </p:style>
+          <p:txBody>
+            <a:bodyPr rtlCol="0" anchor="ctr"/>
+            <a:p>
+              <a:pPr algn="ctr"/>
+              <a:endParaRPr lang="zh-CN" altLang="en-US"/>
+            </a:p>
+          </p:txBody>
+        </p:sp>
+        <p:sp>
+          <p:nvSpPr>
+            <p:cNvPr id="33" name="立方体 32"/>
+            <p:cNvSpPr/>
+            <p:nvPr/>
+          </p:nvSpPr>
+          <p:spPr>
+            <a:xfrm>
+              <a:off x="6815" y="5803"/>
+              <a:ext cx="1395" cy="1416"/>
+            </a:xfrm>
+            <a:prstGeom prst="cube">
+              <a:avLst>
+                <a:gd name="adj" fmla="val 68551"/>
+              </a:avLst>
+            </a:prstGeom>
+            <a:noFill/>
+            <a:ln w="12700" cmpd="sng">
+              <a:solidFill>
+                <a:srgbClr val="00B050"/>
+              </a:solidFill>
+              <a:prstDash val="solid"/>
+            </a:ln>
+          </p:spPr>
+          <p:style>
+            <a:lnRef idx="2">
+              <a:schemeClr val="accent1">
+                <a:shade val="50000"/>
+              </a:schemeClr>
+            </a:lnRef>
+            <a:fillRef idx="1">
+              <a:schemeClr val="accent1"/>
+            </a:fillRef>
+            <a:effectRef idx="0">
+              <a:schemeClr val="accent1"/>
+            </a:effectRef>
+            <a:fontRef idx="minor">
+              <a:schemeClr val="lt1"/>
+            </a:fontRef>
+          </p:style>
+          <p:txBody>
+            <a:bodyPr rtlCol="0" anchor="ctr"/>
+            <a:p>
+              <a:pPr algn="ctr"/>
+              <a:endParaRPr lang="zh-CN" altLang="en-US"/>
+            </a:p>
+          </p:txBody>
+        </p:sp>
+      </p:grpSp>
+      <p:sp>
+        <p:nvSpPr>
+          <p:cNvPr id="34" name="文本框 33"/>
+          <p:cNvSpPr txBox="1"/>
+          <p:nvPr/>
+        </p:nvSpPr>
+        <p:spPr>
+          <a:xfrm>
+            <a:off x="3361690" y="3295650"/>
+            <a:ext cx="2517775" cy="368300"/>
+          </a:xfrm>
+          <a:prstGeom prst="rect">
+            <a:avLst/>
+          </a:prstGeom>
+          <a:noFill/>
+        </p:spPr>
+        <p:txBody>
+          <a:bodyPr wrap="square" rtlCol="0">
+            <a:spAutoFit/>
+          </a:bodyPr>
+          <a:p>
+            <a:pPr algn="ctr"/>
+            <a:r>
+              <a:rPr lang="en-US" altLang="zh-CN"/>
+              <a:t>c</a:t>
+            </a:r>
+            <a:r>
+              <a:rPr lang="en-US" altLang="zh-CN" baseline="-25000"/>
+              <a:t>o</a:t>
+            </a:r>
+            <a:r>
+              <a:rPr lang="en-US" altLang="zh-CN"/>
+              <a:t> filters with 2 groups</a:t>
+            </a:r>
+            <a:endParaRPr lang="en-US" altLang="zh-CN"/>
+          </a:p>
+        </p:txBody>
+      </p:sp>
+      <p:grpSp>
+        <p:nvGrpSpPr>
+          <p:cNvPr id="43" name="组合 42"/>
+          <p:cNvGrpSpPr/>
+          <p:nvPr/>
+        </p:nvGrpSpPr>
+        <p:grpSpPr>
+          <a:xfrm>
+            <a:off x="5255895" y="3793490"/>
+            <a:ext cx="1615440" cy="1985010"/>
+            <a:chOff x="8277" y="5974"/>
+            <a:chExt cx="2544" cy="3126"/>
+          </a:xfrm>
+        </p:grpSpPr>
+        <p:grpSp>
+          <p:nvGrpSpPr>
+            <p:cNvPr id="35" name="组合 34"/>
+            <p:cNvGrpSpPr/>
+            <p:nvPr/>
+          </p:nvGrpSpPr>
+          <p:grpSpPr>
+            <a:xfrm>
+              <a:off x="8277" y="5974"/>
+              <a:ext cx="2544" cy="3126"/>
+              <a:chOff x="6357" y="2725"/>
+              <a:chExt cx="2544" cy="3126"/>
+            </a:xfrm>
+          </p:grpSpPr>
+          <p:sp>
+            <p:nvSpPr>
+              <p:cNvPr id="36" name="立方体 35"/>
+              <p:cNvSpPr/>
+              <p:nvPr/>
+            </p:nvSpPr>
+            <p:spPr>
+              <a:xfrm>
+                <a:off x="6357" y="2725"/>
+                <a:ext cx="2545" cy="2546"/>
+              </a:xfrm>
+              <a:prstGeom prst="cube">
+                <a:avLst>
+                  <a:gd name="adj" fmla="val 48212"/>
+                </a:avLst>
+              </a:prstGeom>
+              <a:noFill/>
+            </p:spPr>
+            <p:style>
+              <a:lnRef idx="2">
+                <a:schemeClr val="accent1">
+                  <a:shade val="50000"/>
+                </a:schemeClr>
+              </a:lnRef>
+              <a:fillRef idx="1">
+                <a:schemeClr val="accent1"/>
+              </a:fillRef>
+              <a:effectRef idx="0">
+                <a:schemeClr val="accent1"/>
+              </a:effectRef>
+              <a:fontRef idx="minor">
+                <a:schemeClr val="lt1"/>
+              </a:fontRef>
+            </p:style>
+            <p:txBody>
+              <a:bodyPr rtlCol="0" anchor="ctr"/>
+              <a:p>
+                <a:pPr algn="ctr"/>
+                <a:endParaRPr lang="zh-CN" altLang="en-US"/>
+              </a:p>
+            </p:txBody>
+          </p:sp>
+          <p:sp>
+            <p:nvSpPr>
+              <p:cNvPr id="37" name="文本框 36"/>
+              <p:cNvSpPr txBox="1"/>
+              <p:nvPr/>
+            </p:nvSpPr>
+            <p:spPr>
+              <a:xfrm>
+                <a:off x="6357" y="5271"/>
+                <a:ext cx="1148" cy="580"/>
+              </a:xfrm>
+              <a:prstGeom prst="rect">
+                <a:avLst/>
+              </a:prstGeom>
+              <a:noFill/>
+            </p:spPr>
+            <p:txBody>
+              <a:bodyPr wrap="square" rtlCol="0">
+                <a:spAutoFit/>
+              </a:bodyPr>
+              <a:p>
+                <a:pPr algn="ctr"/>
+                <a:r>
+                  <a:rPr lang="en-US" altLang="zh-CN"/>
+                  <a:t>W</a:t>
+                </a:r>
+                <a:endParaRPr lang="en-US" altLang="zh-CN"/>
+              </a:p>
+            </p:txBody>
+          </p:sp>
+          <p:sp>
+            <p:nvSpPr>
+              <p:cNvPr id="38" name="文本框 37"/>
+              <p:cNvSpPr txBox="1"/>
+              <p:nvPr/>
+            </p:nvSpPr>
+            <p:spPr>
+              <a:xfrm>
+                <a:off x="7671" y="4273"/>
+                <a:ext cx="501" cy="580"/>
+              </a:xfrm>
+              <a:prstGeom prst="rect">
+                <a:avLst/>
+              </a:prstGeom>
+              <a:noFill/>
+            </p:spPr>
+            <p:txBody>
+              <a:bodyPr wrap="square" rtlCol="0">
+                <a:spAutoFit/>
+              </a:bodyPr>
+              <a:p>
+                <a:r>
+                  <a:rPr lang="en-US" altLang="zh-CN"/>
+                  <a:t>H</a:t>
+                </a:r>
+                <a:endParaRPr lang="en-US" altLang="zh-CN"/>
+              </a:p>
+            </p:txBody>
+          </p:sp>
+          <p:sp>
+            <p:nvSpPr>
+              <p:cNvPr id="39" name="文本框 38"/>
+              <p:cNvSpPr txBox="1"/>
+              <p:nvPr/>
+            </p:nvSpPr>
+            <p:spPr>
+              <a:xfrm>
+                <a:off x="8287" y="3115"/>
+                <a:ext cx="615" cy="580"/>
+              </a:xfrm>
+              <a:prstGeom prst="rect">
+                <a:avLst/>
+              </a:prstGeom>
+              <a:noFill/>
+            </p:spPr>
+            <p:txBody>
+              <a:bodyPr wrap="none" rtlCol="0">
+                <a:spAutoFit/>
+              </a:bodyPr>
+              <a:p>
+                <a:r>
+                  <a:rPr lang="en-US" altLang="zh-CN"/>
+                  <a:t>c</a:t>
+                </a:r>
+                <a:r>
+                  <a:rPr lang="en-US" altLang="zh-CN" baseline="-25000"/>
+                  <a:t>o</a:t>
+                </a:r>
+                <a:endParaRPr lang="en-US" altLang="zh-CN" baseline="-25000"/>
+              </a:p>
+            </p:txBody>
+          </p:sp>
+        </p:grpSp>
+        <p:cxnSp>
+          <p:nvCxnSpPr>
+            <p:cNvPr id="40" name="直接连接符 39"/>
+            <p:cNvCxnSpPr/>
+            <p:nvPr/>
+          </p:nvCxnSpPr>
+          <p:spPr>
+            <a:xfrm>
+              <a:off x="8913" y="6605"/>
+              <a:ext cx="1294" cy="0"/>
+            </a:xfrm>
+            <a:prstGeom prst="line">
+              <a:avLst/>
+            </a:prstGeom>
+            <a:ln w="28575">
+              <a:prstDash val="sysDash"/>
+            </a:ln>
+          </p:spPr>
+          <p:style>
+            <a:lnRef idx="1">
+              <a:schemeClr val="accent1"/>
+            </a:lnRef>
+            <a:fillRef idx="0">
+              <a:schemeClr val="accent1"/>
+            </a:fillRef>
+            <a:effectRef idx="0">
+              <a:schemeClr val="accent1"/>
+            </a:effectRef>
+            <a:fontRef idx="minor">
+              <a:schemeClr val="tx1"/>
+            </a:fontRef>
+          </p:style>
+        </p:cxnSp>
+      </p:grpSp>
+      <p:sp>
+        <p:nvSpPr>
+          <p:cNvPr id="41" name="文本框 40"/>
+          <p:cNvSpPr txBox="1"/>
+          <p:nvPr/>
+        </p:nvSpPr>
+        <p:spPr>
+          <a:xfrm>
+            <a:off x="3392170" y="4375150"/>
+            <a:ext cx="251460" cy="706755"/>
+          </a:xfrm>
+          <a:prstGeom prst="rect">
+            <a:avLst/>
+          </a:prstGeom>
+          <a:noFill/>
+        </p:spPr>
+        <p:txBody>
+          <a:bodyPr wrap="square" rtlCol="0">
+            <a:spAutoFit/>
+          </a:bodyPr>
+          <a:p>
+            <a:r>
+              <a:rPr lang="en-US" altLang="zh-CN" sz="4000"/>
+              <a:t>*</a:t>
+            </a:r>
+            <a:endParaRPr lang="en-US" altLang="zh-CN" sz="4000"/>
+          </a:p>
+        </p:txBody>
+      </p:sp>
+      <p:sp>
+        <p:nvSpPr>
+          <p:cNvPr id="42" name="文本框 41"/>
+          <p:cNvSpPr txBox="1"/>
+          <p:nvPr/>
+        </p:nvSpPr>
+        <p:spPr>
+          <a:xfrm rot="5400000">
+            <a:off x="4164965" y="4345940"/>
+            <a:ext cx="487680" cy="460375"/>
+          </a:xfrm>
+          <a:prstGeom prst="rect">
+            <a:avLst/>
+          </a:prstGeom>
+          <a:noFill/>
+        </p:spPr>
+        <p:txBody>
+          <a:bodyPr wrap="none" rtlCol="0" anchor="t">
+            <a:spAutoFit/>
+          </a:bodyPr>
+          <a:p>
+            <a:r>
+              <a:rPr lang="zh-CN" altLang="en-US" sz="2400" b="1">
+                <a:latin typeface="Arial" panose="020B0604020202090204" pitchFamily="34" charset="0"/>
+                <a:cs typeface="Arial" panose="020B0604020202090204" pitchFamily="34" charset="0"/>
+              </a:rPr>
+              <a:t>…</a:t>
+            </a:r>
+            <a:endParaRPr lang="zh-CN" altLang="en-US" sz="2400" b="1">
+              <a:latin typeface="Arial" panose="020B0604020202090204" pitchFamily="34" charset="0"/>
+              <a:cs typeface="Arial" panose="020B0604020202090204" pitchFamily="34" charset="0"/>
+            </a:endParaRPr>
+          </a:p>
+        </p:txBody>
+      </p:sp>
+      <p:sp>
+        <p:nvSpPr>
+          <p:cNvPr id="217" name="右箭头 216"/>
+          <p:cNvSpPr/>
+          <p:nvPr/>
+        </p:nvSpPr>
+        <p:spPr>
+          <a:xfrm>
+            <a:off x="4924425" y="4409440"/>
+            <a:ext cx="146050" cy="281305"/>
+          </a:xfrm>
+          <a:prstGeom prst="rightArrow">
+            <a:avLst>
+              <a:gd name="adj1" fmla="val 50000"/>
+              <a:gd name="adj2" fmla="val 42978"/>
+            </a:avLst>
+          </a:prstGeom>
+          <a:solidFill>
+            <a:schemeClr val="accent3"/>
+          </a:solidFill>
+          <a:ln>
+            <a:noFill/>
+          </a:ln>
+        </p:spPr>
+        <p:style>
+          <a:lnRef idx="2">
+            <a:schemeClr val="accent1">
+              <a:shade val="50000"/>
+            </a:schemeClr>
+          </a:lnRef>
+          <a:fillRef idx="1">
+            <a:schemeClr val="accent1"/>
+          </a:fillRef>
+          <a:effectRef idx="0">
+            <a:schemeClr val="accent1"/>
+          </a:effectRef>
+          <a:fontRef idx="minor">
+            <a:schemeClr val="lt1"/>
+          </a:fontRef>
+        </p:style>
+        <p:txBody>
+          <a:bodyPr rtlCol="0" anchor="ctr"/>
+          <a:p>
+            <a:pPr algn="ctr"/>
+            <a:endParaRPr lang="zh-CN" altLang="en-US"/>
+          </a:p>
+        </p:txBody>
+      </p:sp>
+      <p:sp>
+        <p:nvSpPr>
+          <p:cNvPr id="45" name="右箭头 44"/>
+          <p:cNvSpPr/>
+          <p:nvPr/>
+        </p:nvSpPr>
+        <p:spPr>
+          <a:xfrm>
+            <a:off x="4867275" y="1786890"/>
+            <a:ext cx="146050" cy="281305"/>
+          </a:xfrm>
+          <a:prstGeom prst="rightArrow">
+            <a:avLst>
+              <a:gd name="adj1" fmla="val 50000"/>
+              <a:gd name="adj2" fmla="val 42978"/>
+            </a:avLst>
+          </a:prstGeom>
+          <a:solidFill>
+            <a:schemeClr val="accent3"/>
+          </a:solidFill>
+          <a:ln>
+            <a:noFill/>
+          </a:ln>
+        </p:spPr>
+        <p:style>
+          <a:lnRef idx="2">
+            <a:schemeClr val="accent1">
+              <a:shade val="50000"/>
+            </a:schemeClr>
+          </a:lnRef>
+          <a:fillRef idx="1">
+            <a:schemeClr val="accent1"/>
+          </a:fillRef>
+          <a:effectRef idx="0">
+            <a:schemeClr val="accent1"/>
+          </a:effectRef>
+          <a:fontRef idx="minor">
+            <a:schemeClr val="lt1"/>
+          </a:fontRef>
+        </p:style>
+        <p:txBody>
+          <a:bodyPr rtlCol="0" anchor="ctr"/>
+          <a:p>
+            <a:pPr algn="ctr"/>
+            <a:endParaRPr lang="zh-CN" altLang="en-US"/>
+          </a:p>
+        </p:txBody>
+      </p:sp>
+    </p:spTree>
+  </p:cSld>
+  <p:clrMapOvr>
+    <a:masterClrMapping/>
+  </p:clrMapOvr>
+</p:sld>
+</file>
+
+<file path=ppt/slides/slide11.xml><?xml version="1.0" encoding="utf-8"?>
+<p:sld xmlns:a="http://schemas.openxmlformats.org/drawingml/2006/main" xmlns:r="http://schemas.openxmlformats.org/officeDocument/2006/relationships" xmlns:p="http://schemas.openxmlformats.org/presentationml/2006/main">
+  <p:cSld>
+    <p:spTree>
+      <p:nvGrpSpPr>
+        <p:cNvPr id="1" name=""/>
+        <p:cNvGrpSpPr/>
+        <p:nvPr/>
+      </p:nvGrpSpPr>
+      <p:grpSpPr/>
+      <p:grpSp>
+        <p:nvGrpSpPr>
+          <p:cNvPr id="132" name="组合 131"/>
+          <p:cNvGrpSpPr/>
+          <p:nvPr/>
+        </p:nvGrpSpPr>
+        <p:grpSpPr>
+          <a:xfrm>
+            <a:off x="488315" y="2019300"/>
+            <a:ext cx="1424305" cy="1433830"/>
+            <a:chOff x="1011662" y="2542067"/>
+            <a:chExt cx="3448306" cy="3371616"/>
+          </a:xfrm>
+        </p:grpSpPr>
+        <p:pic>
+          <p:nvPicPr>
+            <p:cNvPr id="90" name="图片 89" descr="LC801_color"/>
+            <p:cNvPicPr>
+              <a:picLocks noChangeAspect="1"/>
+            </p:cNvPicPr>
+            <p:nvPr/>
+          </p:nvPicPr>
+          <p:blipFill>
+            <a:blip r:embed="rId1"/>
+            <a:stretch>
+              <a:fillRect/>
+            </a:stretch>
+          </p:blipFill>
+          <p:spPr>
+            <a:xfrm>
+              <a:off x="1011662" y="2542067"/>
+              <a:ext cx="2877245" cy="2813255"/>
+            </a:xfrm>
+            <a:prstGeom prst="rect">
+              <a:avLst/>
+            </a:prstGeom>
+          </p:spPr>
+        </p:pic>
+        <p:pic>
+          <p:nvPicPr>
+            <p:cNvPr id="91" name="图片 90" descr="LC801_color"/>
+            <p:cNvPicPr>
+              <a:picLocks noChangeAspect="1"/>
+            </p:cNvPicPr>
+            <p:nvPr/>
+          </p:nvPicPr>
+          <p:blipFill>
+            <a:blip r:embed="rId1"/>
+            <a:stretch>
+              <a:fillRect/>
+            </a:stretch>
+          </p:blipFill>
+          <p:spPr>
+            <a:xfrm>
+              <a:off x="1202016" y="2728187"/>
+              <a:ext cx="2877245" cy="2813255"/>
+            </a:xfrm>
+            <a:prstGeom prst="rect">
+              <a:avLst/>
+            </a:prstGeom>
+          </p:spPr>
+        </p:pic>
+        <p:pic>
+          <p:nvPicPr>
+            <p:cNvPr id="92" name="图片 91" descr="LC801_color"/>
+            <p:cNvPicPr>
+              <a:picLocks noChangeAspect="1"/>
+            </p:cNvPicPr>
+            <p:nvPr/>
+          </p:nvPicPr>
+          <p:blipFill>
+            <a:blip r:embed="rId1"/>
+            <a:stretch>
+              <a:fillRect/>
+            </a:stretch>
+          </p:blipFill>
+          <p:spPr>
+            <a:xfrm>
+              <a:off x="1392369" y="2914308"/>
+              <a:ext cx="2877245" cy="2813255"/>
+            </a:xfrm>
+            <a:prstGeom prst="rect">
+              <a:avLst/>
+            </a:prstGeom>
+          </p:spPr>
+        </p:pic>
+        <p:pic>
+          <p:nvPicPr>
+            <p:cNvPr id="93" name="图片 92" descr="LC801_color"/>
+            <p:cNvPicPr>
+              <a:picLocks noChangeAspect="1"/>
+            </p:cNvPicPr>
+            <p:nvPr/>
+          </p:nvPicPr>
+          <p:blipFill>
+            <a:blip r:embed="rId2">
+              <a:extLst>
+                <a:ext uri="{BEBA8EAE-BF5A-486C-A8C5-ECC9F3942E4B}">
+                  <a14:imgProps xmlns:a14="http://schemas.microsoft.com/office/drawing/2010/main">
+                    <a14:imgLayer r:embed="rId3">
+                      <a14:imgEffect>
+                        <a14:saturation sat="97000"/>
+                      </a14:imgEffect>
+                    </a14:imgLayer>
+                  </a14:imgProps>
+                </a:ext>
+              </a:extLst>
+            </a:blip>
+            <a:stretch>
+              <a:fillRect/>
+            </a:stretch>
+          </p:blipFill>
+          <p:spPr>
+            <a:xfrm>
+              <a:off x="1582723" y="3100428"/>
+              <a:ext cx="2877245" cy="2813255"/>
+            </a:xfrm>
+            <a:prstGeom prst="rect">
+              <a:avLst/>
+            </a:prstGeom>
+          </p:spPr>
+        </p:pic>
+      </p:grpSp>
+      <p:sp>
+        <p:nvSpPr>
+          <p:cNvPr id="26" name="右箭头 25"/>
+          <p:cNvSpPr/>
+          <p:nvPr/>
+        </p:nvSpPr>
+        <p:spPr>
+          <a:xfrm>
+            <a:off x="2026920" y="2418715"/>
+            <a:ext cx="817245" cy="363220"/>
+          </a:xfrm>
+          <a:prstGeom prst="rightArrow">
+            <a:avLst>
+              <a:gd name="adj1" fmla="val 50000"/>
+              <a:gd name="adj2" fmla="val 42978"/>
+            </a:avLst>
+          </a:prstGeom>
+          <a:solidFill>
+            <a:schemeClr val="accent1"/>
+          </a:solidFill>
+          <a:ln>
+            <a:noFill/>
+          </a:ln>
+        </p:spPr>
+        <p:style>
+          <a:lnRef idx="2">
+            <a:schemeClr val="accent1">
+              <a:shade val="50000"/>
+            </a:schemeClr>
+          </a:lnRef>
+          <a:fillRef idx="1">
+            <a:schemeClr val="accent1"/>
+          </a:fillRef>
+          <a:effectRef idx="0">
+            <a:schemeClr val="accent1"/>
+          </a:effectRef>
+          <a:fontRef idx="minor">
+            <a:schemeClr val="lt1"/>
+          </a:fontRef>
+        </p:style>
+        <p:txBody>
+          <a:bodyPr rtlCol="0" anchor="ctr"/>
+          <a:p>
+            <a:pPr algn="ctr"/>
+            <a:endParaRPr lang="zh-CN" altLang="en-US"/>
+          </a:p>
+        </p:txBody>
+      </p:sp>
+      <p:grpSp>
+        <p:nvGrpSpPr>
+          <p:cNvPr id="3" name="组合 2"/>
+          <p:cNvGrpSpPr/>
+          <p:nvPr/>
+        </p:nvGrpSpPr>
+        <p:grpSpPr>
+          <a:xfrm>
+            <a:off x="2844165" y="2138680"/>
+            <a:ext cx="2268220" cy="923290"/>
+            <a:chOff x="4415" y="3152"/>
+            <a:chExt cx="3572" cy="1454"/>
+          </a:xfrm>
+        </p:grpSpPr>
+        <p:sp>
+          <p:nvSpPr>
+            <p:cNvPr id="2" name="圆角矩形 1"/>
+            <p:cNvSpPr/>
+            <p:nvPr/>
+          </p:nvSpPr>
+          <p:spPr>
+            <a:xfrm>
+              <a:off x="4834" y="3152"/>
+              <a:ext cx="2734" cy="1454"/>
+            </a:xfrm>
+            <a:prstGeom prst="roundRect">
+              <a:avLst/>
+            </a:prstGeom>
+            <a:solidFill>
+              <a:schemeClr val="accent1">
+                <a:lumMod val="40000"/>
+                <a:lumOff val="60000"/>
+              </a:schemeClr>
+            </a:solidFill>
+          </p:spPr>
+          <p:style>
+            <a:lnRef idx="2">
+              <a:schemeClr val="accent1">
+                <a:shade val="50000"/>
+              </a:schemeClr>
+            </a:lnRef>
+            <a:fillRef idx="1">
+              <a:schemeClr val="accent1"/>
+            </a:fillRef>
+            <a:effectRef idx="0">
+              <a:schemeClr val="accent1"/>
+            </a:effectRef>
+            <a:fontRef idx="minor">
+              <a:schemeClr val="lt1"/>
+            </a:fontRef>
+          </p:style>
+          <p:txBody>
+            <a:bodyPr rtlCol="0" anchor="ctr"/>
+            <a:p>
+              <a:pPr algn="ctr"/>
+              <a:endParaRPr lang="zh-CN" altLang="en-US"/>
+            </a:p>
+          </p:txBody>
+        </p:sp>
+        <p:sp>
+          <p:nvSpPr>
+            <p:cNvPr id="236" name="文本框 235"/>
+            <p:cNvSpPr txBox="1"/>
+            <p:nvPr/>
+          </p:nvSpPr>
+          <p:spPr>
+            <a:xfrm>
+              <a:off x="4415" y="3338"/>
+              <a:ext cx="3573" cy="1016"/>
+            </a:xfrm>
+            <a:prstGeom prst="rect">
+              <a:avLst/>
+            </a:prstGeom>
+            <a:noFill/>
+          </p:spPr>
+          <p:txBody>
+            <a:bodyPr wrap="square" rtlCol="0">
+              <a:spAutoFit/>
+            </a:bodyPr>
+            <a:p>
+              <a:pPr algn="ctr"/>
+              <a:r>
+                <a:rPr lang="en-US" altLang="zh-CN"/>
+                <a:t>Spectral </a:t>
+              </a:r>
+              <a:endParaRPr lang="en-US" altLang="zh-CN"/>
+            </a:p>
+            <a:p>
+              <a:pPr algn="ctr"/>
+              <a:r>
+                <a:rPr lang="en-US" altLang="zh-CN"/>
+                <a:t>extraction</a:t>
+              </a:r>
+              <a:endParaRPr lang="en-US" altLang="zh-CN"/>
+            </a:p>
+          </p:txBody>
+        </p:sp>
+      </p:grpSp>
+      <p:grpSp>
+        <p:nvGrpSpPr>
+          <p:cNvPr id="5" name="组合 4"/>
+          <p:cNvGrpSpPr/>
+          <p:nvPr/>
+        </p:nvGrpSpPr>
+        <p:grpSpPr>
+          <a:xfrm>
+            <a:off x="2844800" y="3670300"/>
+            <a:ext cx="2268855" cy="923290"/>
+            <a:chOff x="4415" y="3152"/>
+            <a:chExt cx="3573" cy="1454"/>
+          </a:xfrm>
+        </p:grpSpPr>
+        <p:sp>
+          <p:nvSpPr>
+            <p:cNvPr id="6" name="圆角矩形 5"/>
+            <p:cNvSpPr/>
+            <p:nvPr/>
+          </p:nvSpPr>
+          <p:spPr>
+            <a:xfrm>
+              <a:off x="4834" y="3152"/>
+              <a:ext cx="2734" cy="1454"/>
+            </a:xfrm>
+            <a:prstGeom prst="roundRect">
+              <a:avLst/>
+            </a:prstGeom>
+            <a:solidFill>
+              <a:schemeClr val="accent1">
+                <a:lumMod val="40000"/>
+                <a:lumOff val="60000"/>
+              </a:schemeClr>
+            </a:solidFill>
+          </p:spPr>
+          <p:style>
+            <a:lnRef idx="2">
+              <a:schemeClr val="accent1">
+                <a:shade val="50000"/>
+              </a:schemeClr>
+            </a:lnRef>
+            <a:fillRef idx="1">
+              <a:schemeClr val="accent1"/>
+            </a:fillRef>
+            <a:effectRef idx="0">
+              <a:schemeClr val="accent1"/>
+            </a:effectRef>
+            <a:fontRef idx="minor">
+              <a:schemeClr val="lt1"/>
+            </a:fontRef>
+          </p:style>
+          <p:txBody>
+            <a:bodyPr rtlCol="0" anchor="ctr"/>
+            <a:p>
+              <a:pPr algn="ctr"/>
+              <a:endParaRPr lang="zh-CN" altLang="en-US"/>
+            </a:p>
+          </p:txBody>
+        </p:sp>
+        <p:sp>
+          <p:nvSpPr>
+            <p:cNvPr id="7" name="文本框 6"/>
+            <p:cNvSpPr txBox="1"/>
+            <p:nvPr/>
+          </p:nvSpPr>
+          <p:spPr>
+            <a:xfrm>
+              <a:off x="4415" y="3338"/>
+              <a:ext cx="3573" cy="1016"/>
+            </a:xfrm>
+            <a:prstGeom prst="rect">
+              <a:avLst/>
+            </a:prstGeom>
+            <a:noFill/>
+          </p:spPr>
+          <p:txBody>
+            <a:bodyPr wrap="square" rtlCol="0">
+              <a:spAutoFit/>
+            </a:bodyPr>
+            <a:p>
+              <a:pPr algn="ctr"/>
+              <a:r>
+                <a:rPr lang="en-US" altLang="zh-CN"/>
+                <a:t>Spatial</a:t>
+              </a:r>
+              <a:endParaRPr lang="en-US" altLang="zh-CN"/>
+            </a:p>
+            <a:p>
+              <a:pPr algn="ctr"/>
+              <a:r>
+                <a:rPr lang="en-US" altLang="zh-CN"/>
+                <a:t>extraction</a:t>
+              </a:r>
+              <a:endParaRPr lang="en-US" altLang="zh-CN"/>
+            </a:p>
+          </p:txBody>
+        </p:sp>
+      </p:grpSp>
+      <p:sp>
+        <p:nvSpPr>
+          <p:cNvPr id="8" name="右箭头 7"/>
+          <p:cNvSpPr/>
+          <p:nvPr/>
+        </p:nvSpPr>
+        <p:spPr>
+          <a:xfrm rot="5400000">
+            <a:off x="3742690" y="3173730"/>
+            <a:ext cx="473075" cy="363220"/>
+          </a:xfrm>
+          <a:prstGeom prst="rightArrow">
+            <a:avLst>
+              <a:gd name="adj1" fmla="val 50000"/>
+              <a:gd name="adj2" fmla="val 42978"/>
+            </a:avLst>
+          </a:prstGeom>
+          <a:solidFill>
+            <a:schemeClr val="accent1"/>
+          </a:solidFill>
+          <a:ln>
+            <a:noFill/>
+          </a:ln>
+        </p:spPr>
+        <p:style>
+          <a:lnRef idx="2">
+            <a:schemeClr val="accent1">
+              <a:shade val="50000"/>
+            </a:schemeClr>
+          </a:lnRef>
+          <a:fillRef idx="1">
+            <a:schemeClr val="accent1"/>
+          </a:fillRef>
+          <a:effectRef idx="0">
+            <a:schemeClr val="accent1"/>
+          </a:effectRef>
+          <a:fontRef idx="minor">
+            <a:schemeClr val="lt1"/>
+          </a:fontRef>
+        </p:style>
+        <p:txBody>
+          <a:bodyPr rtlCol="0" anchor="ctr"/>
+          <a:p>
+            <a:pPr algn="ctr"/>
+            <a:endParaRPr lang="zh-CN" altLang="en-US"/>
+          </a:p>
+        </p:txBody>
+      </p:sp>
+      <p:sp>
+        <p:nvSpPr>
+          <p:cNvPr id="9" name="右箭头 8"/>
+          <p:cNvSpPr/>
+          <p:nvPr/>
+        </p:nvSpPr>
+        <p:spPr>
+          <a:xfrm>
+            <a:off x="4990465" y="2418715"/>
+            <a:ext cx="817245" cy="363220"/>
+          </a:xfrm>
+          <a:prstGeom prst="rightArrow">
+            <a:avLst>
+              <a:gd name="adj1" fmla="val 50000"/>
+              <a:gd name="adj2" fmla="val 42978"/>
+            </a:avLst>
+          </a:prstGeom>
+          <a:solidFill>
+            <a:schemeClr val="accent1"/>
+          </a:solidFill>
+          <a:ln>
+            <a:noFill/>
+          </a:ln>
+        </p:spPr>
+        <p:style>
+          <a:lnRef idx="2">
+            <a:schemeClr val="accent1">
+              <a:shade val="50000"/>
+            </a:schemeClr>
+          </a:lnRef>
+          <a:fillRef idx="1">
+            <a:schemeClr val="accent1"/>
+          </a:fillRef>
+          <a:effectRef idx="0">
+            <a:schemeClr val="accent1"/>
+          </a:effectRef>
+          <a:fontRef idx="minor">
+            <a:schemeClr val="lt1"/>
+          </a:fontRef>
+        </p:style>
+        <p:txBody>
+          <a:bodyPr rtlCol="0" anchor="ctr"/>
+          <a:p>
+            <a:pPr algn="ctr"/>
+            <a:endParaRPr lang="zh-CN" altLang="en-US"/>
+          </a:p>
+        </p:txBody>
+      </p:sp>
+      <p:grpSp>
+        <p:nvGrpSpPr>
+          <p:cNvPr id="10" name="组合 9"/>
+          <p:cNvGrpSpPr/>
+          <p:nvPr/>
+        </p:nvGrpSpPr>
+        <p:grpSpPr>
+          <a:xfrm>
+            <a:off x="5807710" y="2138680"/>
+            <a:ext cx="2268855" cy="923290"/>
+            <a:chOff x="4415" y="3152"/>
+            <a:chExt cx="3573" cy="1454"/>
+          </a:xfrm>
+        </p:grpSpPr>
+        <p:sp>
+          <p:nvSpPr>
+            <p:cNvPr id="11" name="圆角矩形 10"/>
+            <p:cNvSpPr/>
+            <p:nvPr/>
+          </p:nvSpPr>
+          <p:spPr>
+            <a:xfrm>
+              <a:off x="4834" y="3152"/>
+              <a:ext cx="2734" cy="1454"/>
+            </a:xfrm>
+            <a:prstGeom prst="roundRect">
+              <a:avLst/>
+            </a:prstGeom>
+            <a:solidFill>
+              <a:schemeClr val="accent1">
+                <a:lumMod val="40000"/>
+                <a:lumOff val="60000"/>
+              </a:schemeClr>
+            </a:solidFill>
+          </p:spPr>
+          <p:style>
+            <a:lnRef idx="2">
+              <a:schemeClr val="accent1">
+                <a:shade val="50000"/>
+              </a:schemeClr>
+            </a:lnRef>
+            <a:fillRef idx="1">
+              <a:schemeClr val="accent1"/>
+            </a:fillRef>
+            <a:effectRef idx="0">
+              <a:schemeClr val="accent1"/>
+            </a:effectRef>
+            <a:fontRef idx="minor">
+              <a:schemeClr val="lt1"/>
+            </a:fontRef>
+          </p:style>
+          <p:txBody>
+            <a:bodyPr rtlCol="0" anchor="ctr"/>
+            <a:p>
+              <a:pPr algn="ctr"/>
+              <a:endParaRPr lang="zh-CN" altLang="en-US"/>
+            </a:p>
+          </p:txBody>
+        </p:sp>
+        <p:sp>
+          <p:nvSpPr>
+            <p:cNvPr id="12" name="文本框 11"/>
+            <p:cNvSpPr txBox="1"/>
+            <p:nvPr/>
+          </p:nvSpPr>
+          <p:spPr>
+            <a:xfrm>
+              <a:off x="4415" y="3338"/>
+              <a:ext cx="3573" cy="1016"/>
+            </a:xfrm>
+            <a:prstGeom prst="rect">
+              <a:avLst/>
+            </a:prstGeom>
+            <a:noFill/>
+          </p:spPr>
+          <p:txBody>
+            <a:bodyPr wrap="square" rtlCol="0">
+              <a:spAutoFit/>
+            </a:bodyPr>
+            <a:p>
+              <a:pPr algn="ctr"/>
+              <a:r>
+                <a:rPr lang="en-US" altLang="zh-CN"/>
+                <a:t>Auxiliary  classify </a:t>
+              </a:r>
+              <a:endParaRPr lang="en-US" altLang="zh-CN"/>
+            </a:p>
+            <a:p>
+              <a:pPr algn="ctr"/>
+              <a:r>
+                <a:rPr lang="en-US" altLang="zh-CN"/>
+                <a:t>ans loss</a:t>
+              </a:r>
+              <a:endParaRPr lang="en-US" altLang="zh-CN"/>
+            </a:p>
+          </p:txBody>
+        </p:sp>
+      </p:grpSp>
+      <p:grpSp>
+        <p:nvGrpSpPr>
+          <p:cNvPr id="13" name="组合 12"/>
+          <p:cNvGrpSpPr/>
+          <p:nvPr/>
+        </p:nvGrpSpPr>
+        <p:grpSpPr>
+          <a:xfrm>
+            <a:off x="5808345" y="3649345"/>
+            <a:ext cx="2268855" cy="923290"/>
+            <a:chOff x="4415" y="3152"/>
+            <a:chExt cx="3573" cy="1454"/>
+          </a:xfrm>
+        </p:grpSpPr>
+        <p:sp>
+          <p:nvSpPr>
+            <p:cNvPr id="14" name="圆角矩形 13"/>
+            <p:cNvSpPr/>
+            <p:nvPr/>
+          </p:nvSpPr>
+          <p:spPr>
+            <a:xfrm>
+              <a:off x="4834" y="3152"/>
+              <a:ext cx="2734" cy="1454"/>
+            </a:xfrm>
+            <a:prstGeom prst="roundRect">
+              <a:avLst/>
+            </a:prstGeom>
+            <a:solidFill>
+              <a:schemeClr val="accent1">
+                <a:lumMod val="40000"/>
+                <a:lumOff val="60000"/>
+              </a:schemeClr>
+            </a:solidFill>
+          </p:spPr>
+          <p:style>
+            <a:lnRef idx="2">
+              <a:schemeClr val="accent1">
+                <a:shade val="50000"/>
+              </a:schemeClr>
+            </a:lnRef>
+            <a:fillRef idx="1">
+              <a:schemeClr val="accent1"/>
+            </a:fillRef>
+            <a:effectRef idx="0">
+              <a:schemeClr val="accent1"/>
+            </a:effectRef>
+            <a:fontRef idx="minor">
+              <a:schemeClr val="lt1"/>
+            </a:fontRef>
+          </p:style>
+          <p:txBody>
+            <a:bodyPr rtlCol="0" anchor="ctr"/>
+            <a:p>
+              <a:pPr algn="ctr"/>
+              <a:endParaRPr lang="zh-CN" altLang="en-US"/>
+            </a:p>
+          </p:txBody>
+        </p:sp>
+        <p:sp>
+          <p:nvSpPr>
+            <p:cNvPr id="15" name="文本框 14"/>
+            <p:cNvSpPr txBox="1"/>
+            <p:nvPr/>
+          </p:nvSpPr>
+          <p:spPr>
+            <a:xfrm>
+              <a:off x="4415" y="3338"/>
+              <a:ext cx="3573" cy="1016"/>
+            </a:xfrm>
+            <a:prstGeom prst="rect">
+              <a:avLst/>
+            </a:prstGeom>
+            <a:noFill/>
+          </p:spPr>
+          <p:txBody>
+            <a:bodyPr wrap="square" rtlCol="0">
+              <a:spAutoFit/>
+            </a:bodyPr>
+            <a:p>
+              <a:pPr algn="ctr"/>
+              <a:r>
+                <a:rPr lang="en-US" altLang="zh-CN"/>
+                <a:t>Final classify </a:t>
+              </a:r>
+              <a:endParaRPr lang="en-US" altLang="zh-CN"/>
+            </a:p>
+            <a:p>
+              <a:pPr algn="ctr"/>
+              <a:r>
+                <a:rPr lang="en-US" altLang="zh-CN"/>
+                <a:t>ans loss</a:t>
+              </a:r>
+              <a:endParaRPr lang="en-US" altLang="zh-CN"/>
+            </a:p>
+          </p:txBody>
+        </p:sp>
+      </p:grpSp>
+      <p:sp>
+        <p:nvSpPr>
+          <p:cNvPr id="16" name="右箭头 15"/>
+          <p:cNvSpPr/>
+          <p:nvPr/>
+        </p:nvSpPr>
+        <p:spPr>
+          <a:xfrm>
+            <a:off x="4990465" y="3908425"/>
+            <a:ext cx="817245" cy="363220"/>
+          </a:xfrm>
+          <a:prstGeom prst="rightArrow">
+            <a:avLst>
+              <a:gd name="adj1" fmla="val 50000"/>
+              <a:gd name="adj2" fmla="val 42978"/>
+            </a:avLst>
+          </a:prstGeom>
+          <a:solidFill>
+            <a:schemeClr val="accent1"/>
+          </a:solidFill>
+          <a:ln>
+            <a:noFill/>
+          </a:ln>
+        </p:spPr>
+        <p:style>
+          <a:lnRef idx="2">
+            <a:schemeClr val="accent1">
+              <a:shade val="50000"/>
+            </a:schemeClr>
+          </a:lnRef>
+          <a:fillRef idx="1">
+            <a:schemeClr val="accent1"/>
+          </a:fillRef>
+          <a:effectRef idx="0">
+            <a:schemeClr val="accent1"/>
+          </a:effectRef>
+          <a:fontRef idx="minor">
+            <a:schemeClr val="lt1"/>
+          </a:fontRef>
+        </p:style>
+        <p:txBody>
+          <a:bodyPr rtlCol="0" anchor="ctr"/>
+          <a:p>
+            <a:pPr algn="ctr"/>
+            <a:endParaRPr lang="zh-CN" altLang="en-US"/>
+          </a:p>
+        </p:txBody>
+      </p:sp>
+      <p:sp>
+        <p:nvSpPr>
+          <p:cNvPr id="17" name="文本框 16"/>
+          <p:cNvSpPr txBox="1"/>
+          <p:nvPr/>
+        </p:nvSpPr>
+        <p:spPr>
+          <a:xfrm>
+            <a:off x="516255" y="3600450"/>
+            <a:ext cx="1604010" cy="368300"/>
+          </a:xfrm>
+          <a:prstGeom prst="rect">
+            <a:avLst/>
+          </a:prstGeom>
+          <a:noFill/>
+        </p:spPr>
+        <p:txBody>
+          <a:bodyPr wrap="square" rtlCol="0">
+            <a:spAutoFit/>
+          </a:bodyPr>
+          <a:p>
+            <a:r>
+              <a:rPr lang="en-US" altLang="zh-CN"/>
+              <a:t>Input image</a:t>
+            </a:r>
+            <a:endParaRPr lang="en-US" altLang="zh-CN"/>
+          </a:p>
+        </p:txBody>
+      </p:sp>
+    </p:spTree>
+  </p:cSld>
+  <p:clrMapOvr>
+    <a:masterClrMapping/>
+  </p:clrMapOvr>
+</p:sld>
+</file>
+
 <file path=ppt/slides/slide2.xml><?xml version="1.0" encoding="utf-8"?>
 <p:sld xmlns:a="http://schemas.openxmlformats.org/drawingml/2006/main" xmlns:r="http://schemas.openxmlformats.org/officeDocument/2006/relationships" xmlns:p="http://schemas.openxmlformats.org/presentationml/2006/main">
   <p:cSld>
@@ -8409,7 +10495,7 @@
         </p:blipFill>
         <p:spPr>
           <a:xfrm>
-            <a:off x="3766820" y="1803400"/>
+            <a:off x="4123055" y="805180"/>
             <a:ext cx="900000" cy="900000"/>
           </a:xfrm>
           <a:prstGeom prst="rect">
@@ -8433,7 +10519,7 @@
         </p:blipFill>
         <p:spPr>
           <a:xfrm>
-            <a:off x="6758305" y="1803400"/>
+            <a:off x="7114540" y="805180"/>
             <a:ext cx="900000" cy="900000"/>
           </a:xfrm>
           <a:prstGeom prst="rect">
@@ -8449,7 +10535,7 @@
         </p:nvCxnSpPr>
         <p:spPr>
           <a:xfrm>
-            <a:off x="4969510" y="2253615"/>
+            <a:off x="5325745" y="1255395"/>
             <a:ext cx="1486535" cy="0"/>
           </a:xfrm>
           <a:prstGeom prst="straightConnector1">
@@ -8483,7 +10569,7 @@
         </p:nvCxnSpPr>
         <p:spPr>
           <a:xfrm>
-            <a:off x="4733290" y="2373630"/>
+            <a:off x="5089525" y="1375410"/>
             <a:ext cx="969645" cy="982980"/>
           </a:xfrm>
           <a:prstGeom prst="straightConnector1">
@@ -8516,7 +10602,7 @@
         </p:nvCxnSpPr>
         <p:spPr>
           <a:xfrm flipV="1">
-            <a:off x="5769610" y="2373630"/>
+            <a:off x="6125845" y="1375410"/>
             <a:ext cx="988695" cy="960755"/>
           </a:xfrm>
           <a:prstGeom prst="straightConnector1">
@@ -8549,7 +10635,7 @@
         </p:nvSpPr>
         <p:spPr>
           <a:xfrm>
-            <a:off x="4123806" y="3454399"/>
+            <a:off x="4480041" y="2456179"/>
             <a:ext cx="3291607" cy="338554"/>
           </a:xfrm>
           <a:prstGeom prst="rect">
@@ -8604,7 +10690,7 @@
         </p:nvSpPr>
         <p:spPr>
           <a:xfrm>
-            <a:off x="4123806" y="3419233"/>
+            <a:off x="4480041" y="2421013"/>
             <a:ext cx="3269664" cy="427355"/>
           </a:xfrm>
           <a:prstGeom prst="rect">
@@ -8642,6 +10728,571 @@
           </a:p>
         </p:txBody>
       </p:sp>
+      <p:pic>
+        <p:nvPicPr>
+          <p:cNvPr id="10" name="图片 9" descr="LC801_mask"/>
+          <p:cNvPicPr>
+            <a:picLocks noChangeAspect="1"/>
+          </p:cNvPicPr>
+          <p:nvPr/>
+        </p:nvPicPr>
+        <p:blipFill>
+          <a:blip r:embed="rId2"/>
+          <a:stretch>
+            <a:fillRect/>
+          </a:stretch>
+        </p:blipFill>
+        <p:spPr>
+          <a:xfrm>
+            <a:off x="8014335" y="3427095"/>
+            <a:ext cx="900000" cy="900000"/>
+          </a:xfrm>
+          <a:prstGeom prst="rect">
+            <a:avLst/>
+          </a:prstGeom>
+        </p:spPr>
+      </p:pic>
+      <p:cxnSp>
+        <p:nvCxnSpPr>
+          <p:cNvPr id="11" name="直接箭头连接符 10"/>
+          <p:cNvCxnSpPr/>
+          <p:nvPr/>
+        </p:nvCxnSpPr>
+        <p:spPr>
+          <a:xfrm>
+            <a:off x="6225540" y="3877310"/>
+            <a:ext cx="1486535" cy="0"/>
+          </a:xfrm>
+          <a:prstGeom prst="straightConnector1">
+            <a:avLst/>
+          </a:prstGeom>
+          <a:ln w="31750">
+            <a:prstDash val="dash"/>
+            <a:tailEnd type="arrow"/>
+          </a:ln>
+        </p:spPr>
+        <p:style>
+          <a:lnRef idx="1">
+            <a:schemeClr val="accent1"/>
+          </a:lnRef>
+          <a:fillRef idx="0">
+            <a:schemeClr val="accent1"/>
+          </a:fillRef>
+          <a:effectRef idx="0">
+            <a:schemeClr val="accent1"/>
+          </a:effectRef>
+          <a:fontRef idx="minor">
+            <a:schemeClr val="tx1"/>
+          </a:fontRef>
+        </p:style>
+      </p:cxnSp>
+      <p:cxnSp>
+        <p:nvCxnSpPr>
+          <p:cNvPr id="12" name="直接箭头连接符 11"/>
+          <p:cNvCxnSpPr/>
+          <p:nvPr/>
+        </p:nvCxnSpPr>
+        <p:spPr>
+          <a:xfrm>
+            <a:off x="5989320" y="3997325"/>
+            <a:ext cx="969645" cy="982980"/>
+          </a:xfrm>
+          <a:prstGeom prst="straightConnector1">
+            <a:avLst/>
+          </a:prstGeom>
+          <a:ln w="31750" cmpd="sng">
+            <a:tailEnd type="arrow"/>
+          </a:ln>
+        </p:spPr>
+        <p:style>
+          <a:lnRef idx="1">
+            <a:schemeClr val="accent1"/>
+          </a:lnRef>
+          <a:fillRef idx="0">
+            <a:schemeClr val="accent1"/>
+          </a:fillRef>
+          <a:effectRef idx="0">
+            <a:schemeClr val="accent1"/>
+          </a:effectRef>
+          <a:fontRef idx="minor">
+            <a:schemeClr val="tx1"/>
+          </a:fontRef>
+        </p:style>
+      </p:cxnSp>
+      <p:cxnSp>
+        <p:nvCxnSpPr>
+          <p:cNvPr id="13" name="直接箭头连接符 12"/>
+          <p:cNvCxnSpPr/>
+          <p:nvPr/>
+        </p:nvCxnSpPr>
+        <p:spPr>
+          <a:xfrm flipV="1">
+            <a:off x="7025640" y="3997325"/>
+            <a:ext cx="988695" cy="960755"/>
+          </a:xfrm>
+          <a:prstGeom prst="straightConnector1">
+            <a:avLst/>
+          </a:prstGeom>
+          <a:ln w="31750">
+            <a:tailEnd type="arrow"/>
+          </a:ln>
+        </p:spPr>
+        <p:style>
+          <a:lnRef idx="1">
+            <a:schemeClr val="accent1"/>
+          </a:lnRef>
+          <a:fillRef idx="0">
+            <a:schemeClr val="accent1"/>
+          </a:fillRef>
+          <a:effectRef idx="0">
+            <a:schemeClr val="accent1"/>
+          </a:effectRef>
+          <a:fontRef idx="minor">
+            <a:schemeClr val="tx1"/>
+          </a:fontRef>
+        </p:style>
+      </p:cxnSp>
+      <p:grpSp>
+        <p:nvGrpSpPr>
+          <p:cNvPr id="37" name="组合 36"/>
+          <p:cNvGrpSpPr/>
+          <p:nvPr/>
+        </p:nvGrpSpPr>
+        <p:grpSpPr>
+          <a:xfrm>
+            <a:off x="5379720" y="5085715"/>
+            <a:ext cx="3418840" cy="426720"/>
+            <a:chOff x="8472" y="7942"/>
+            <a:chExt cx="5384" cy="672"/>
+          </a:xfrm>
+        </p:grpSpPr>
+        <p:sp>
+          <p:nvSpPr>
+            <p:cNvPr id="14" name="矩形 13"/>
+            <p:cNvSpPr/>
+            <p:nvPr/>
+          </p:nvSpPr>
+          <p:spPr>
+            <a:xfrm>
+              <a:off x="8516" y="7997"/>
+              <a:ext cx="5341" cy="531"/>
+            </a:xfrm>
+            <a:prstGeom prst="rect">
+              <a:avLst/>
+            </a:prstGeom>
+          </p:spPr>
+          <p:txBody>
+            <a:bodyPr wrap="none">
+              <a:spAutoFit/>
+            </a:bodyPr>
+            <a:p>
+              <a:pPr algn="l"/>
+              <a:r>
+                <a:rPr lang="en-US" altLang="en-GB" sz="1600" dirty="0">
+                  <a:solidFill>
+                    <a:srgbClr val="000000"/>
+                  </a:solidFill>
+                  <a:latin typeface="Microsoft YaHei" panose="020B0503020204020204" pitchFamily="34" charset="-122"/>
+                  <a:ea typeface="Microsoft YaHei" panose="020B0503020204020204" pitchFamily="34" charset="-122"/>
+                  <a:sym typeface="+mn-ea"/>
+                </a:rPr>
+                <a:t>Stage2:</a:t>
+              </a:r>
+              <a:r>
+                <a:rPr lang="en-US" altLang="en-GB" sz="1600" dirty="0">
+                  <a:solidFill>
+                    <a:srgbClr val="000000"/>
+                  </a:solidFill>
+                  <a:latin typeface="Microsoft YaHei" panose="020B0503020204020204" pitchFamily="34" charset="-122"/>
+                  <a:ea typeface="Microsoft YaHei" panose="020B0503020204020204" pitchFamily="34" charset="-122"/>
+                </a:rPr>
+                <a:t>spatial feature extraction </a:t>
+              </a:r>
+              <a:endParaRPr lang="en-US" altLang="en-GB" sz="1600" dirty="0">
+                <a:solidFill>
+                  <a:srgbClr val="000000"/>
+                </a:solidFill>
+                <a:latin typeface="Microsoft YaHei" panose="020B0503020204020204" pitchFamily="34" charset="-122"/>
+                <a:ea typeface="Microsoft YaHei" panose="020B0503020204020204" pitchFamily="34" charset="-122"/>
+              </a:endParaRPr>
+            </a:p>
+          </p:txBody>
+        </p:sp>
+        <p:sp>
+          <p:nvSpPr>
+            <p:cNvPr id="15" name="矩形 14"/>
+            <p:cNvSpPr/>
+            <p:nvPr/>
+          </p:nvSpPr>
+          <p:spPr>
+            <a:xfrm>
+              <a:off x="8472" y="7942"/>
+              <a:ext cx="5342" cy="673"/>
+            </a:xfrm>
+            <a:prstGeom prst="rect">
+              <a:avLst/>
+            </a:prstGeom>
+            <a:noFill/>
+            <a:ln w="19050">
+              <a:solidFill>
+                <a:schemeClr val="accent6"/>
+              </a:solidFill>
+            </a:ln>
+          </p:spPr>
+          <p:style>
+            <a:lnRef idx="2">
+              <a:schemeClr val="accent1">
+                <a:shade val="50000"/>
+              </a:schemeClr>
+            </a:lnRef>
+            <a:fillRef idx="1">
+              <a:schemeClr val="accent1"/>
+            </a:fillRef>
+            <a:effectRef idx="0">
+              <a:schemeClr val="accent1"/>
+            </a:effectRef>
+            <a:fontRef idx="minor">
+              <a:schemeClr val="lt1"/>
+            </a:fontRef>
+          </p:style>
+          <p:txBody>
+            <a:bodyPr rtlCol="0" anchor="ctr"/>
+            <a:p>
+              <a:pPr algn="ctr"/>
+              <a:endParaRPr kumimoji="1" lang="zh-CN" altLang="en-US" dirty="0"/>
+            </a:p>
+          </p:txBody>
+        </p:sp>
+      </p:grpSp>
+      <p:grpSp>
+        <p:nvGrpSpPr>
+          <p:cNvPr id="21" name="组合 20"/>
+          <p:cNvGrpSpPr/>
+          <p:nvPr/>
+        </p:nvGrpSpPr>
+        <p:grpSpPr>
+          <a:xfrm>
+            <a:off x="1772920" y="3366135"/>
+            <a:ext cx="1058545" cy="1059180"/>
+            <a:chOff x="1011662" y="2542067"/>
+            <a:chExt cx="3448306" cy="3371616"/>
+          </a:xfrm>
+        </p:grpSpPr>
+        <p:pic>
+          <p:nvPicPr>
+            <p:cNvPr id="22" name="图片 21" descr="LC801_color"/>
+            <p:cNvPicPr>
+              <a:picLocks noChangeAspect="1"/>
+            </p:cNvPicPr>
+            <p:nvPr/>
+          </p:nvPicPr>
+          <p:blipFill>
+            <a:blip r:embed="rId1"/>
+            <a:stretch>
+              <a:fillRect/>
+            </a:stretch>
+          </p:blipFill>
+          <p:spPr>
+            <a:xfrm>
+              <a:off x="1011662" y="2542067"/>
+              <a:ext cx="2877245" cy="2813255"/>
+            </a:xfrm>
+            <a:prstGeom prst="rect">
+              <a:avLst/>
+            </a:prstGeom>
+          </p:spPr>
+        </p:pic>
+        <p:pic>
+          <p:nvPicPr>
+            <p:cNvPr id="23" name="图片 22" descr="LC801_color"/>
+            <p:cNvPicPr>
+              <a:picLocks noChangeAspect="1"/>
+            </p:cNvPicPr>
+            <p:nvPr/>
+          </p:nvPicPr>
+          <p:blipFill>
+            <a:blip r:embed="rId1"/>
+            <a:stretch>
+              <a:fillRect/>
+            </a:stretch>
+          </p:blipFill>
+          <p:spPr>
+            <a:xfrm>
+              <a:off x="1202016" y="2728187"/>
+              <a:ext cx="2877245" cy="2813255"/>
+            </a:xfrm>
+            <a:prstGeom prst="rect">
+              <a:avLst/>
+            </a:prstGeom>
+          </p:spPr>
+        </p:pic>
+        <p:pic>
+          <p:nvPicPr>
+            <p:cNvPr id="24" name="图片 23" descr="LC801_color"/>
+            <p:cNvPicPr>
+              <a:picLocks noChangeAspect="1"/>
+            </p:cNvPicPr>
+            <p:nvPr/>
+          </p:nvPicPr>
+          <p:blipFill>
+            <a:blip r:embed="rId1"/>
+            <a:stretch>
+              <a:fillRect/>
+            </a:stretch>
+          </p:blipFill>
+          <p:spPr>
+            <a:xfrm>
+              <a:off x="1392369" y="2914308"/>
+              <a:ext cx="2877245" cy="2813255"/>
+            </a:xfrm>
+            <a:prstGeom prst="rect">
+              <a:avLst/>
+            </a:prstGeom>
+          </p:spPr>
+        </p:pic>
+        <p:pic>
+          <p:nvPicPr>
+            <p:cNvPr id="25" name="图片 24" descr="LC801_color"/>
+            <p:cNvPicPr>
+              <a:picLocks noChangeAspect="1"/>
+            </p:cNvPicPr>
+            <p:nvPr/>
+          </p:nvPicPr>
+          <p:blipFill>
+            <a:blip r:embed="rId3">
+              <a:extLst>
+                <a:ext uri="{BEBA8EAE-BF5A-486C-A8C5-ECC9F3942E4B}">
+                  <a14:imgProps xmlns:a14="http://schemas.microsoft.com/office/drawing/2010/main">
+                    <a14:imgLayer r:embed="rId4">
+                      <a14:imgEffect>
+                        <a14:saturation sat="97000"/>
+                      </a14:imgEffect>
+                    </a14:imgLayer>
+                  </a14:imgProps>
+                </a:ext>
+              </a:extLst>
+            </a:blip>
+            <a:stretch>
+              <a:fillRect/>
+            </a:stretch>
+          </p:blipFill>
+          <p:spPr>
+            <a:xfrm>
+              <a:off x="1582723" y="3100428"/>
+              <a:ext cx="2877245" cy="2813255"/>
+            </a:xfrm>
+            <a:prstGeom prst="rect">
+              <a:avLst/>
+            </a:prstGeom>
+          </p:spPr>
+        </p:pic>
+      </p:grpSp>
+      <p:cxnSp>
+        <p:nvCxnSpPr>
+          <p:cNvPr id="26" name="直接箭头连接符 25"/>
+          <p:cNvCxnSpPr/>
+          <p:nvPr/>
+        </p:nvCxnSpPr>
+        <p:spPr>
+          <a:xfrm>
+            <a:off x="3038475" y="3928110"/>
+            <a:ext cx="1210310" cy="13970"/>
+          </a:xfrm>
+          <a:prstGeom prst="straightConnector1">
+            <a:avLst/>
+          </a:prstGeom>
+          <a:ln w="31750" cmpd="sng">
+            <a:tailEnd type="arrow"/>
+          </a:ln>
+        </p:spPr>
+        <p:style>
+          <a:lnRef idx="1">
+            <a:schemeClr val="accent1"/>
+          </a:lnRef>
+          <a:fillRef idx="0">
+            <a:schemeClr val="accent1"/>
+          </a:fillRef>
+          <a:effectRef idx="0">
+            <a:schemeClr val="accent1"/>
+          </a:effectRef>
+          <a:fontRef idx="minor">
+            <a:schemeClr val="tx1"/>
+          </a:fontRef>
+        </p:style>
+      </p:cxnSp>
+      <p:pic>
+        <p:nvPicPr>
+          <p:cNvPr id="31" name="图片 30" descr="LC801_mask"/>
+          <p:cNvPicPr>
+            <a:picLocks noChangeAspect="1"/>
+          </p:cNvPicPr>
+          <p:nvPr/>
+        </p:nvPicPr>
+        <p:blipFill>
+          <a:blip r:embed="rId2"/>
+          <a:stretch>
+            <a:fillRect/>
+          </a:stretch>
+        </p:blipFill>
+        <p:spPr>
+          <a:xfrm>
+            <a:off x="4399280" y="3398520"/>
+            <a:ext cx="900000" cy="900000"/>
+          </a:xfrm>
+          <a:prstGeom prst="rect">
+            <a:avLst/>
+          </a:prstGeom>
+        </p:spPr>
+      </p:pic>
+      <p:pic>
+        <p:nvPicPr>
+          <p:cNvPr id="32" name="图片 31" descr="LC801_mask"/>
+          <p:cNvPicPr>
+            <a:picLocks noChangeAspect="1"/>
+          </p:cNvPicPr>
+          <p:nvPr/>
+        </p:nvPicPr>
+        <p:blipFill>
+          <a:blip r:embed="rId2"/>
+          <a:stretch>
+            <a:fillRect/>
+          </a:stretch>
+        </p:blipFill>
+        <p:spPr>
+          <a:xfrm>
+            <a:off x="4526280" y="3525520"/>
+            <a:ext cx="900000" cy="900000"/>
+          </a:xfrm>
+          <a:prstGeom prst="rect">
+            <a:avLst/>
+          </a:prstGeom>
+        </p:spPr>
+      </p:pic>
+      <p:pic>
+        <p:nvPicPr>
+          <p:cNvPr id="33" name="图片 32" descr="LC801_mask"/>
+          <p:cNvPicPr>
+            <a:picLocks noChangeAspect="1"/>
+          </p:cNvPicPr>
+          <p:nvPr/>
+        </p:nvPicPr>
+        <p:blipFill>
+          <a:blip r:embed="rId2"/>
+          <a:stretch>
+            <a:fillRect/>
+          </a:stretch>
+        </p:blipFill>
+        <p:spPr>
+          <a:xfrm>
+            <a:off x="4653280" y="3652520"/>
+            <a:ext cx="900000" cy="900000"/>
+          </a:xfrm>
+          <a:prstGeom prst="rect">
+            <a:avLst/>
+          </a:prstGeom>
+        </p:spPr>
+      </p:pic>
+      <p:grpSp>
+        <p:nvGrpSpPr>
+          <p:cNvPr id="36" name="组合 35"/>
+          <p:cNvGrpSpPr/>
+          <p:nvPr/>
+        </p:nvGrpSpPr>
+        <p:grpSpPr>
+          <a:xfrm>
+            <a:off x="1831340" y="5085715"/>
+            <a:ext cx="3535680" cy="426720"/>
+            <a:chOff x="2884" y="7942"/>
+            <a:chExt cx="5568" cy="672"/>
+          </a:xfrm>
+        </p:grpSpPr>
+        <p:sp>
+          <p:nvSpPr>
+            <p:cNvPr id="34" name="矩形 33"/>
+            <p:cNvSpPr/>
+            <p:nvPr/>
+          </p:nvSpPr>
+          <p:spPr>
+            <a:xfrm>
+              <a:off x="2884" y="7997"/>
+              <a:ext cx="5568" cy="531"/>
+            </a:xfrm>
+            <a:prstGeom prst="rect">
+              <a:avLst/>
+            </a:prstGeom>
+          </p:spPr>
+          <p:txBody>
+            <a:bodyPr wrap="none">
+              <a:spAutoFit/>
+            </a:bodyPr>
+            <a:p>
+              <a:pPr algn="l"/>
+              <a:r>
+                <a:rPr lang="en-US" altLang="en-GB" sz="1600" dirty="0">
+                  <a:solidFill>
+                    <a:srgbClr val="000000"/>
+                  </a:solidFill>
+                  <a:latin typeface="Microsoft YaHei" panose="020B0503020204020204" pitchFamily="34" charset="-122"/>
+                  <a:ea typeface="Microsoft YaHei" panose="020B0503020204020204" pitchFamily="34" charset="-122"/>
+                </a:rPr>
+                <a:t>Stage1:spectral feature extraction </a:t>
+              </a:r>
+              <a:endParaRPr lang="en-US" altLang="en-GB" sz="1600" dirty="0">
+                <a:solidFill>
+                  <a:srgbClr val="000000"/>
+                </a:solidFill>
+                <a:latin typeface="Microsoft YaHei" panose="020B0503020204020204" pitchFamily="34" charset="-122"/>
+                <a:ea typeface="Microsoft YaHei" panose="020B0503020204020204" pitchFamily="34" charset="-122"/>
+              </a:endParaRPr>
+            </a:p>
+          </p:txBody>
+        </p:sp>
+        <p:sp>
+          <p:nvSpPr>
+            <p:cNvPr id="35" name="矩形 34"/>
+            <p:cNvSpPr/>
+            <p:nvPr/>
+          </p:nvSpPr>
+          <p:spPr>
+            <a:xfrm>
+              <a:off x="2976" y="7942"/>
+              <a:ext cx="5369" cy="673"/>
+            </a:xfrm>
+            <a:prstGeom prst="rect">
+              <a:avLst/>
+            </a:prstGeom>
+            <a:noFill/>
+            <a:ln w="19050">
+              <a:solidFill>
+                <a:schemeClr val="accent6"/>
+              </a:solidFill>
+            </a:ln>
+          </p:spPr>
+          <p:style>
+            <a:lnRef idx="2">
+              <a:schemeClr val="accent1">
+                <a:shade val="50000"/>
+              </a:schemeClr>
+            </a:lnRef>
+            <a:fillRef idx="1">
+              <a:schemeClr val="accent1"/>
+            </a:fillRef>
+            <a:effectRef idx="0">
+              <a:schemeClr val="accent1"/>
+            </a:effectRef>
+            <a:fontRef idx="minor">
+              <a:schemeClr val="lt1"/>
+            </a:fontRef>
+          </p:style>
+          <p:txBody>
+            <a:bodyPr rtlCol="0" anchor="ctr"/>
+            <a:p>
+              <a:pPr algn="ctr"/>
+              <a:endParaRPr kumimoji="1" lang="zh-CN" altLang="en-US" dirty="0"/>
+            </a:p>
+          </p:txBody>
+        </p:sp>
+      </p:grpSp>
     </p:spTree>
   </p:cSld>
   <p:clrMapOvr>
@@ -21812,8 +24463,8 @@
         </p:nvSpPr>
         <p:spPr>
           <a:xfrm>
-            <a:off x="962660" y="3439160"/>
-            <a:ext cx="3534410" cy="2274570"/>
+            <a:off x="203200" y="3439160"/>
+            <a:ext cx="4293870" cy="2274570"/>
           </a:xfrm>
           <a:prstGeom prst="rect">
             <a:avLst/>
@@ -21864,7 +24515,7 @@
         <p:spPr>
           <a:xfrm>
             <a:off x="4497070" y="898525"/>
-            <a:ext cx="6231255" cy="4815205"/>
+            <a:ext cx="7162800" cy="4815205"/>
           </a:xfrm>
           <a:prstGeom prst="rect">
             <a:avLst/>
@@ -21914,8 +24565,8 @@
         </p:nvSpPr>
         <p:spPr>
           <a:xfrm>
-            <a:off x="962660" y="899160"/>
-            <a:ext cx="4312920" cy="2540000"/>
+            <a:off x="202565" y="899160"/>
+            <a:ext cx="5159375" cy="2715895"/>
           </a:xfrm>
           <a:prstGeom prst="rect">
             <a:avLst/>
@@ -21965,10 +24616,10 @@
         </p:nvGrpSpPr>
         <p:grpSpPr>
           <a:xfrm>
-            <a:off x="72753" y="1723898"/>
-            <a:ext cx="4521835" cy="1668468"/>
-            <a:chOff x="336" y="2705"/>
-            <a:chExt cx="7121" cy="2628"/>
+            <a:off x="169908" y="1723898"/>
+            <a:ext cx="4424680" cy="1668468"/>
+            <a:chOff x="489" y="2705"/>
+            <a:chExt cx="6968" cy="2628"/>
           </a:xfrm>
         </p:grpSpPr>
         <p:sp>
@@ -23173,10 +25824,10 @@
           </p:nvGrpSpPr>
           <p:grpSpPr>
             <a:xfrm>
-              <a:off x="336" y="2706"/>
-              <a:ext cx="2793" cy="2624"/>
-              <a:chOff x="343" y="3636"/>
-              <a:chExt cx="2793" cy="2624"/>
+              <a:off x="489" y="2706"/>
+              <a:ext cx="2640" cy="2624"/>
+              <a:chOff x="496" y="3636"/>
+              <a:chExt cx="2640" cy="2624"/>
             </a:xfrm>
           </p:grpSpPr>
           <p:sp>
@@ -23187,8 +25838,8 @@
             </p:nvSpPr>
             <p:spPr>
               <a:xfrm>
-                <a:off x="343" y="4370"/>
-                <a:ext cx="1350" cy="725"/>
+                <a:off x="496" y="4684"/>
+                <a:ext cx="1350" cy="871"/>
               </a:xfrm>
               <a:prstGeom prst="rect">
                 <a:avLst/>
@@ -23202,17 +25853,13 @@
               <a:p>
                 <a:pPr algn="r"/>
                 <a:r>
-                  <a:rPr lang="en-US" altLang="zh-CN" sz="1200"/>
+                  <a:rPr lang="en-US" altLang="zh-CN"/>
                   <a:t>input</a:t>
                 </a:r>
                 <a:endParaRPr lang="en-US" altLang="zh-CN" sz="1200"/>
               </a:p>
               <a:p>
                 <a:pPr algn="r"/>
-                <a:r>
-                  <a:rPr lang="en-US" altLang="zh-CN" sz="1200"/>
-                  <a:t>image</a:t>
-                </a:r>
                 <a:endParaRPr lang="en-US" altLang="zh-CN" sz="1200"/>
               </a:p>
             </p:txBody>
@@ -24058,7 +26705,7 @@
         </p:nvGrpSpPr>
         <p:grpSpPr>
           <a:xfrm>
-            <a:off x="1525450" y="3899535"/>
+            <a:off x="1463855" y="3914775"/>
             <a:ext cx="1977390" cy="1214120"/>
             <a:chOff x="4881880" y="4293870"/>
             <a:chExt cx="1977390" cy="1214120"/>
@@ -28410,7 +31057,7 @@
         <p:spPr>
           <a:xfrm>
             <a:off x="10737335" y="2366306"/>
-            <a:ext cx="1202055" cy="645193"/>
+            <a:ext cx="1202055" cy="368300"/>
           </a:xfrm>
           <a:prstGeom prst="rect">
             <a:avLst/>
@@ -28424,26 +31071,10 @@
           <a:p>
             <a:pPr algn="l"/>
             <a:r>
-              <a:rPr lang="en-US" altLang="zh-CN" sz="1200" dirty="0"/>
+              <a:rPr lang="en-US" altLang="zh-CN" dirty="0"/>
               <a:t>output</a:t>
             </a:r>
-            <a:endParaRPr lang="en-US" altLang="zh-CN" sz="1200" dirty="0"/>
-          </a:p>
-          <a:p>
-            <a:pPr algn="l"/>
-            <a:r>
-              <a:rPr lang="en-US" altLang="zh-CN" sz="1200" dirty="0"/>
-              <a:t>segmentation</a:t>
-            </a:r>
-            <a:endParaRPr lang="en-US" altLang="zh-CN" sz="1200" dirty="0"/>
-          </a:p>
-          <a:p>
-            <a:pPr algn="l"/>
-            <a:r>
-              <a:rPr lang="en-US" altLang="zh-CN" sz="1200" dirty="0"/>
-              <a:t>map</a:t>
-            </a:r>
-            <a:endParaRPr lang="en-US" altLang="zh-CN" sz="1200" dirty="0"/>
+            <a:endParaRPr lang="en-US" altLang="zh-CN" dirty="0"/>
           </a:p>
         </p:txBody>
       </p:sp>
@@ -28632,6 +31263,2883 @@
               <a:t>extraction</a:t>
             </a:r>
             <a:endParaRPr lang="en-US" altLang="zh-CN"/>
+          </a:p>
+        </p:txBody>
+      </p:sp>
+    </p:spTree>
+  </p:cSld>
+  <p:clrMapOvr>
+    <a:masterClrMapping/>
+  </p:clrMapOvr>
+</p:sld>
+</file>
+
+<file path=ppt/slides/slide9.xml><?xml version="1.0" encoding="utf-8"?>
+<p:sld xmlns:a="http://schemas.openxmlformats.org/drawingml/2006/main" xmlns:r="http://schemas.openxmlformats.org/officeDocument/2006/relationships" xmlns:p="http://schemas.openxmlformats.org/presentationml/2006/main">
+  <p:cSld>
+    <p:spTree>
+      <p:nvGrpSpPr>
+        <p:cNvPr id="1" name=""/>
+        <p:cNvGrpSpPr/>
+        <p:nvPr/>
+      </p:nvGrpSpPr>
+      <p:grpSpPr/>
+      <p:sp>
+        <p:nvSpPr>
+          <p:cNvPr id="5" name="右箭头 4"/>
+          <p:cNvSpPr/>
+          <p:nvPr/>
+        </p:nvSpPr>
+        <p:spPr>
+          <a:xfrm rot="5400000">
+            <a:off x="2547620" y="3714750"/>
+            <a:ext cx="127000" cy="177800"/>
+          </a:xfrm>
+          <a:prstGeom prst="rightArrow">
+            <a:avLst>
+              <a:gd name="adj1" fmla="val 50000"/>
+              <a:gd name="adj2" fmla="val 42978"/>
+            </a:avLst>
+          </a:prstGeom>
+          <a:solidFill>
+            <a:schemeClr val="accent2">
+              <a:lumMod val="50000"/>
+            </a:schemeClr>
+          </a:solidFill>
+          <a:ln>
+            <a:noFill/>
+          </a:ln>
+        </p:spPr>
+        <p:style>
+          <a:lnRef idx="2">
+            <a:schemeClr val="accent1">
+              <a:shade val="50000"/>
+            </a:schemeClr>
+          </a:lnRef>
+          <a:fillRef idx="1">
+            <a:schemeClr val="accent1"/>
+          </a:fillRef>
+          <a:effectRef idx="0">
+            <a:schemeClr val="accent1"/>
+          </a:effectRef>
+          <a:fontRef idx="minor">
+            <a:schemeClr val="lt1"/>
+          </a:fontRef>
+        </p:style>
+        <p:txBody>
+          <a:bodyPr rtlCol="0" anchor="ctr"/>
+          <a:p>
+            <a:pPr algn="ctr"/>
+            <a:endParaRPr lang="zh-CN" altLang="en-US"/>
+          </a:p>
+        </p:txBody>
+      </p:sp>
+      <p:grpSp>
+        <p:nvGrpSpPr>
+          <p:cNvPr id="8" name="组合 7"/>
+          <p:cNvGrpSpPr/>
+          <p:nvPr/>
+        </p:nvGrpSpPr>
+        <p:grpSpPr>
+          <a:xfrm rot="0">
+            <a:off x="1875790" y="2733675"/>
+            <a:ext cx="423545" cy="1071245"/>
+            <a:chOff x="2327" y="4601"/>
+            <a:chExt cx="667" cy="1687"/>
+          </a:xfrm>
+        </p:grpSpPr>
+        <p:sp>
+          <p:nvSpPr>
+            <p:cNvPr id="9" name="矩形 8"/>
+            <p:cNvSpPr/>
+            <p:nvPr/>
+          </p:nvSpPr>
+          <p:spPr>
+            <a:xfrm>
+              <a:off x="2688" y="4882"/>
+              <a:ext cx="68" cy="1077"/>
+            </a:xfrm>
+            <a:prstGeom prst="rect">
+              <a:avLst/>
+            </a:prstGeom>
+            <a:ln>
+              <a:noFill/>
+            </a:ln>
+          </p:spPr>
+          <p:style>
+            <a:lnRef idx="2">
+              <a:schemeClr val="accent1">
+                <a:shade val="50000"/>
+              </a:schemeClr>
+            </a:lnRef>
+            <a:fillRef idx="1">
+              <a:schemeClr val="accent1"/>
+            </a:fillRef>
+            <a:effectRef idx="0">
+              <a:schemeClr val="accent1"/>
+            </a:effectRef>
+            <a:fontRef idx="minor">
+              <a:schemeClr val="lt1"/>
+            </a:fontRef>
+          </p:style>
+          <p:txBody>
+            <a:bodyPr rtlCol="0" anchor="ctr"/>
+            <a:p>
+              <a:pPr algn="ctr"/>
+              <a:endParaRPr lang="zh-CN" altLang="en-US"/>
+            </a:p>
+          </p:txBody>
+        </p:sp>
+        <p:sp>
+          <p:nvSpPr>
+            <p:cNvPr id="10" name="文本框 9"/>
+            <p:cNvSpPr txBox="1"/>
+            <p:nvPr/>
+          </p:nvSpPr>
+          <p:spPr>
+            <a:xfrm>
+              <a:off x="2359" y="4601"/>
+              <a:ext cx="635" cy="386"/>
+            </a:xfrm>
+            <a:prstGeom prst="rect">
+              <a:avLst/>
+            </a:prstGeom>
+            <a:noFill/>
+          </p:spPr>
+          <p:txBody>
+            <a:bodyPr wrap="square" rtlCol="0">
+              <a:spAutoFit/>
+            </a:bodyPr>
+            <a:p>
+              <a:pPr algn="ctr"/>
+              <a:r>
+                <a:rPr lang="en-US" altLang="zh-CN" sz="1000"/>
+                <a:t>1</a:t>
+              </a:r>
+              <a:endParaRPr lang="en-US" altLang="zh-CN" sz="1000"/>
+            </a:p>
+          </p:txBody>
+        </p:sp>
+        <p:sp>
+          <p:nvSpPr>
+            <p:cNvPr id="11" name="文本框 10"/>
+            <p:cNvSpPr txBox="1"/>
+            <p:nvPr/>
+          </p:nvSpPr>
+          <p:spPr>
+            <a:xfrm rot="10800000">
+              <a:off x="2327" y="5701"/>
+              <a:ext cx="506" cy="587"/>
+            </a:xfrm>
+            <a:prstGeom prst="rect">
+              <a:avLst/>
+            </a:prstGeom>
+            <a:noFill/>
+          </p:spPr>
+          <p:txBody>
+            <a:bodyPr vert="eaVert" wrap="square" rtlCol="0">
+              <a:spAutoFit/>
+            </a:bodyPr>
+            <a:p>
+              <a:r>
+                <a:rPr lang="en-US" altLang="zh-CN" sz="900"/>
+                <a:t>128</a:t>
+              </a:r>
+              <a:r>
+                <a:rPr lang="en-US" altLang="zh-CN" sz="900" baseline="30000"/>
+                <a:t>2</a:t>
+              </a:r>
+              <a:endParaRPr lang="en-US" altLang="zh-CN" sz="900" baseline="30000"/>
+            </a:p>
+          </p:txBody>
+        </p:sp>
+      </p:grpSp>
+      <p:grpSp>
+        <p:nvGrpSpPr>
+          <p:cNvPr id="12" name="组合 11"/>
+          <p:cNvGrpSpPr/>
+          <p:nvPr/>
+        </p:nvGrpSpPr>
+        <p:grpSpPr>
+          <a:xfrm rot="0">
+            <a:off x="2096135" y="2733675"/>
+            <a:ext cx="556895" cy="1070610"/>
+            <a:chOff x="2697" y="4601"/>
+            <a:chExt cx="877" cy="1686"/>
+          </a:xfrm>
+        </p:grpSpPr>
+        <p:grpSp>
+          <p:nvGrpSpPr>
+            <p:cNvPr id="13" name="组合 12"/>
+            <p:cNvGrpSpPr/>
+            <p:nvPr/>
+          </p:nvGrpSpPr>
+          <p:grpSpPr>
+            <a:xfrm>
+              <a:off x="2697" y="4601"/>
+              <a:ext cx="877" cy="1686"/>
+              <a:chOff x="3216" y="1234"/>
+              <a:chExt cx="877" cy="3374"/>
+            </a:xfrm>
+          </p:grpSpPr>
+          <p:grpSp>
+            <p:nvGrpSpPr>
+              <p:cNvPr id="14" name="组合 13"/>
+              <p:cNvGrpSpPr/>
+              <p:nvPr/>
+            </p:nvGrpSpPr>
+            <p:grpSpPr>
+              <a:xfrm>
+                <a:off x="3216" y="1234"/>
+                <a:ext cx="826" cy="3374"/>
+                <a:chOff x="1625" y="1210"/>
+                <a:chExt cx="826" cy="2907"/>
+              </a:xfrm>
+            </p:grpSpPr>
+            <p:sp>
+              <p:nvSpPr>
+                <p:cNvPr id="15" name="文本框 14"/>
+                <p:cNvSpPr txBox="1"/>
+                <p:nvPr/>
+              </p:nvSpPr>
+              <p:spPr>
+                <a:xfrm>
+                  <a:off x="1816" y="1210"/>
+                  <a:ext cx="635" cy="666"/>
+                </a:xfrm>
+                <a:prstGeom prst="rect">
+                  <a:avLst/>
+                </a:prstGeom>
+                <a:noFill/>
+              </p:spPr>
+              <p:txBody>
+                <a:bodyPr wrap="square" rtlCol="0">
+                  <a:spAutoFit/>
+                </a:bodyPr>
+                <a:p>
+                  <a:pPr algn="ctr"/>
+                  <a:r>
+                    <a:rPr lang="en-US" altLang="zh-CN" sz="1000"/>
+                    <a:t>32</a:t>
+                  </a:r>
+                  <a:endParaRPr lang="en-US" altLang="zh-CN" sz="1000"/>
+                </a:p>
+              </p:txBody>
+            </p:sp>
+            <p:grpSp>
+              <p:nvGrpSpPr>
+                <p:cNvPr id="16" name="组合 15"/>
+                <p:cNvGrpSpPr/>
+                <p:nvPr/>
+              </p:nvGrpSpPr>
+              <p:grpSpPr>
+                <a:xfrm>
+                  <a:off x="1625" y="1694"/>
+                  <a:ext cx="506" cy="2423"/>
+                  <a:chOff x="1625" y="1694"/>
+                  <a:chExt cx="506" cy="2423"/>
+                </a:xfrm>
+              </p:grpSpPr>
+              <p:sp>
+                <p:nvSpPr>
+                  <p:cNvPr id="19" name="矩形 18"/>
+                  <p:cNvSpPr/>
+                  <p:nvPr/>
+                </p:nvSpPr>
+                <p:spPr>
+                  <a:xfrm>
+                    <a:off x="1995" y="1694"/>
+                    <a:ext cx="136" cy="1857"/>
+                  </a:xfrm>
+                  <a:prstGeom prst="rect">
+                    <a:avLst/>
+                  </a:prstGeom>
+                  <a:ln>
+                    <a:noFill/>
+                  </a:ln>
+                </p:spPr>
+                <p:style>
+                  <a:lnRef idx="2">
+                    <a:schemeClr val="accent1">
+                      <a:shade val="50000"/>
+                    </a:schemeClr>
+                  </a:lnRef>
+                  <a:fillRef idx="1">
+                    <a:schemeClr val="accent1"/>
+                  </a:fillRef>
+                  <a:effectRef idx="0">
+                    <a:schemeClr val="accent1"/>
+                  </a:effectRef>
+                  <a:fontRef idx="minor">
+                    <a:schemeClr val="lt1"/>
+                  </a:fontRef>
+                </p:style>
+                <p:txBody>
+                  <a:bodyPr rtlCol="0" anchor="ctr"/>
+                  <a:p>
+                    <a:pPr algn="ctr"/>
+                    <a:endParaRPr lang="zh-CN" altLang="en-US"/>
+                  </a:p>
+                </p:txBody>
+              </p:sp>
+              <p:sp>
+                <p:nvSpPr>
+                  <p:cNvPr id="20" name="文本框 19"/>
+                  <p:cNvSpPr txBox="1"/>
+                  <p:nvPr/>
+                </p:nvSpPr>
+                <p:spPr>
+                  <a:xfrm rot="10800000">
+                    <a:off x="1625" y="3105"/>
+                    <a:ext cx="506" cy="1012"/>
+                  </a:xfrm>
+                  <a:prstGeom prst="rect">
+                    <a:avLst/>
+                  </a:prstGeom>
+                  <a:noFill/>
+                </p:spPr>
+                <p:txBody>
+                  <a:bodyPr vert="eaVert" wrap="square" rtlCol="0">
+                    <a:spAutoFit/>
+                  </a:bodyPr>
+                  <a:p>
+                    <a:r>
+                      <a:rPr lang="en-US" altLang="zh-CN" sz="900"/>
+                      <a:t>128</a:t>
+                    </a:r>
+                    <a:r>
+                      <a:rPr lang="en-US" altLang="zh-CN" sz="900" baseline="30000"/>
+                      <a:t>2</a:t>
+                    </a:r>
+                    <a:endParaRPr lang="en-US" altLang="zh-CN" sz="900" baseline="30000"/>
+                  </a:p>
+                </p:txBody>
+              </p:sp>
+            </p:grpSp>
+          </p:grpSp>
+          <p:grpSp>
+            <p:nvGrpSpPr>
+              <p:cNvPr id="23" name="组合 22"/>
+              <p:cNvGrpSpPr/>
+              <p:nvPr/>
+            </p:nvGrpSpPr>
+            <p:grpSpPr>
+              <a:xfrm rot="0">
+                <a:off x="3587" y="1796"/>
+                <a:ext cx="506" cy="2812"/>
+                <a:chOff x="1627" y="1694"/>
+                <a:chExt cx="506" cy="2423"/>
+              </a:xfrm>
+            </p:grpSpPr>
+            <p:sp>
+              <p:nvSpPr>
+                <p:cNvPr id="24" name="矩形 23"/>
+                <p:cNvSpPr/>
+                <p:nvPr/>
+              </p:nvSpPr>
+              <p:spPr>
+                <a:xfrm>
+                  <a:off x="1997" y="1694"/>
+                  <a:ext cx="136" cy="1857"/>
+                </a:xfrm>
+                <a:prstGeom prst="rect">
+                  <a:avLst/>
+                </a:prstGeom>
+                <a:ln>
+                  <a:noFill/>
+                </a:ln>
+              </p:spPr>
+              <p:style>
+                <a:lnRef idx="2">
+                  <a:schemeClr val="accent1">
+                    <a:shade val="50000"/>
+                  </a:schemeClr>
+                </a:lnRef>
+                <a:fillRef idx="1">
+                  <a:schemeClr val="accent1"/>
+                </a:fillRef>
+                <a:effectRef idx="0">
+                  <a:schemeClr val="accent1"/>
+                </a:effectRef>
+                <a:fontRef idx="minor">
+                  <a:schemeClr val="lt1"/>
+                </a:fontRef>
+              </p:style>
+              <p:txBody>
+                <a:bodyPr rtlCol="0" anchor="ctr"/>
+                <a:p>
+                  <a:pPr algn="ctr"/>
+                  <a:endParaRPr lang="zh-CN" altLang="en-US"/>
+                </a:p>
+              </p:txBody>
+            </p:sp>
+            <p:sp>
+              <p:nvSpPr>
+                <p:cNvPr id="25" name="文本框 24"/>
+                <p:cNvSpPr txBox="1"/>
+                <p:nvPr/>
+              </p:nvSpPr>
+              <p:spPr>
+                <a:xfrm rot="10800000">
+                  <a:off x="1627" y="3105"/>
+                  <a:ext cx="506" cy="1012"/>
+                </a:xfrm>
+                <a:prstGeom prst="rect">
+                  <a:avLst/>
+                </a:prstGeom>
+                <a:noFill/>
+              </p:spPr>
+              <p:txBody>
+                <a:bodyPr vert="eaVert" wrap="square" rtlCol="0">
+                  <a:spAutoFit/>
+                </a:bodyPr>
+                <a:p>
+                  <a:r>
+                    <a:rPr lang="en-US" altLang="zh-CN" sz="900"/>
+                    <a:t>128</a:t>
+                  </a:r>
+                  <a:r>
+                    <a:rPr lang="en-US" altLang="zh-CN" sz="900" baseline="30000"/>
+                    <a:t>2</a:t>
+                  </a:r>
+                  <a:endParaRPr lang="en-US" altLang="zh-CN" sz="900" baseline="30000"/>
+                </a:p>
+              </p:txBody>
+            </p:sp>
+          </p:grpSp>
+        </p:grpSp>
+        <p:sp>
+          <p:nvSpPr>
+            <p:cNvPr id="26" name="右箭头 25"/>
+            <p:cNvSpPr/>
+            <p:nvPr/>
+          </p:nvSpPr>
+          <p:spPr>
+            <a:xfrm>
+              <a:off x="2817" y="5251"/>
+              <a:ext cx="200" cy="280"/>
+            </a:xfrm>
+            <a:prstGeom prst="rightArrow">
+              <a:avLst>
+                <a:gd name="adj1" fmla="val 50000"/>
+                <a:gd name="adj2" fmla="val 42978"/>
+              </a:avLst>
+            </a:prstGeom>
+            <a:solidFill>
+              <a:schemeClr val="accent1"/>
+            </a:solidFill>
+            <a:ln>
+              <a:noFill/>
+            </a:ln>
+          </p:spPr>
+          <p:style>
+            <a:lnRef idx="2">
+              <a:schemeClr val="accent1">
+                <a:shade val="50000"/>
+              </a:schemeClr>
+            </a:lnRef>
+            <a:fillRef idx="1">
+              <a:schemeClr val="accent1"/>
+            </a:fillRef>
+            <a:effectRef idx="0">
+              <a:schemeClr val="accent1"/>
+            </a:effectRef>
+            <a:fontRef idx="minor">
+              <a:schemeClr val="lt1"/>
+            </a:fontRef>
+          </p:style>
+          <p:txBody>
+            <a:bodyPr rtlCol="0" anchor="ctr"/>
+            <a:p>
+              <a:pPr algn="ctr"/>
+              <a:endParaRPr lang="zh-CN" altLang="en-US"/>
+            </a:p>
+          </p:txBody>
+        </p:sp>
+        <p:sp>
+          <p:nvSpPr>
+            <p:cNvPr id="27" name="右箭头 26"/>
+            <p:cNvSpPr/>
+            <p:nvPr/>
+          </p:nvSpPr>
+          <p:spPr>
+            <a:xfrm>
+              <a:off x="3238" y="5251"/>
+              <a:ext cx="200" cy="280"/>
+            </a:xfrm>
+            <a:prstGeom prst="rightArrow">
+              <a:avLst>
+                <a:gd name="adj1" fmla="val 50000"/>
+                <a:gd name="adj2" fmla="val 42978"/>
+              </a:avLst>
+            </a:prstGeom>
+            <a:solidFill>
+              <a:schemeClr val="accent1"/>
+            </a:solidFill>
+            <a:ln>
+              <a:noFill/>
+            </a:ln>
+          </p:spPr>
+          <p:style>
+            <a:lnRef idx="2">
+              <a:schemeClr val="accent1">
+                <a:shade val="50000"/>
+              </a:schemeClr>
+            </a:lnRef>
+            <a:fillRef idx="1">
+              <a:schemeClr val="accent1"/>
+            </a:fillRef>
+            <a:effectRef idx="0">
+              <a:schemeClr val="accent1"/>
+            </a:effectRef>
+            <a:fontRef idx="minor">
+              <a:schemeClr val="lt1"/>
+            </a:fontRef>
+          </p:style>
+          <p:txBody>
+            <a:bodyPr rtlCol="0" anchor="ctr"/>
+            <a:p>
+              <a:pPr algn="ctr"/>
+              <a:endParaRPr lang="zh-CN" altLang="en-US"/>
+            </a:p>
+          </p:txBody>
+        </p:sp>
+      </p:grpSp>
+      <p:sp>
+        <p:nvSpPr>
+          <p:cNvPr id="28" name="右箭头 27"/>
+          <p:cNvSpPr/>
+          <p:nvPr/>
+        </p:nvSpPr>
+        <p:spPr>
+          <a:xfrm rot="16200000">
+            <a:off x="3801745" y="3767455"/>
+            <a:ext cx="127000" cy="131445"/>
+          </a:xfrm>
+          <a:prstGeom prst="rightArrow">
+            <a:avLst>
+              <a:gd name="adj1" fmla="val 50000"/>
+              <a:gd name="adj2" fmla="val 42978"/>
+            </a:avLst>
+          </a:prstGeom>
+          <a:solidFill>
+            <a:schemeClr val="accent4"/>
+          </a:solidFill>
+          <a:ln>
+            <a:noFill/>
+          </a:ln>
+        </p:spPr>
+        <p:style>
+          <a:lnRef idx="2">
+            <a:schemeClr val="accent1">
+              <a:shade val="50000"/>
+            </a:schemeClr>
+          </a:lnRef>
+          <a:fillRef idx="1">
+            <a:schemeClr val="accent1"/>
+          </a:fillRef>
+          <a:effectRef idx="0">
+            <a:schemeClr val="accent1"/>
+          </a:effectRef>
+          <a:fontRef idx="minor">
+            <a:schemeClr val="lt1"/>
+          </a:fontRef>
+        </p:style>
+        <p:txBody>
+          <a:bodyPr rtlCol="0" anchor="ctr"/>
+          <a:p>
+            <a:pPr algn="ctr"/>
+            <a:endParaRPr lang="zh-CN" altLang="en-US"/>
+          </a:p>
+        </p:txBody>
+      </p:sp>
+      <p:sp>
+        <p:nvSpPr>
+          <p:cNvPr id="29" name="右箭头 28"/>
+          <p:cNvSpPr/>
+          <p:nvPr/>
+        </p:nvSpPr>
+        <p:spPr>
+          <a:xfrm rot="16200000">
+            <a:off x="4311650" y="2677160"/>
+            <a:ext cx="127000" cy="131445"/>
+          </a:xfrm>
+          <a:prstGeom prst="rightArrow">
+            <a:avLst>
+              <a:gd name="adj1" fmla="val 50000"/>
+              <a:gd name="adj2" fmla="val 42978"/>
+            </a:avLst>
+          </a:prstGeom>
+          <a:solidFill>
+            <a:schemeClr val="accent4"/>
+          </a:solidFill>
+          <a:ln>
+            <a:noFill/>
+          </a:ln>
+        </p:spPr>
+        <p:style>
+          <a:lnRef idx="2">
+            <a:schemeClr val="accent1">
+              <a:shade val="50000"/>
+            </a:schemeClr>
+          </a:lnRef>
+          <a:fillRef idx="1">
+            <a:schemeClr val="accent1"/>
+          </a:fillRef>
+          <a:effectRef idx="0">
+            <a:schemeClr val="accent1"/>
+          </a:effectRef>
+          <a:fontRef idx="minor">
+            <a:schemeClr val="lt1"/>
+          </a:fontRef>
+        </p:style>
+        <p:txBody>
+          <a:bodyPr rtlCol="0" anchor="ctr"/>
+          <a:p>
+            <a:pPr algn="ctr"/>
+            <a:endParaRPr lang="zh-CN" altLang="en-US"/>
+          </a:p>
+        </p:txBody>
+      </p:sp>
+      <p:grpSp>
+        <p:nvGrpSpPr>
+          <p:cNvPr id="30" name="组合 29"/>
+          <p:cNvGrpSpPr/>
+          <p:nvPr/>
+        </p:nvGrpSpPr>
+        <p:grpSpPr>
+          <a:xfrm rot="0">
+            <a:off x="2299335" y="3896995"/>
+            <a:ext cx="1756410" cy="694690"/>
+            <a:chOff x="3098" y="8533"/>
+            <a:chExt cx="2766" cy="1094"/>
+          </a:xfrm>
+        </p:grpSpPr>
+        <p:sp>
+          <p:nvSpPr>
+            <p:cNvPr id="31" name="文本框 30"/>
+            <p:cNvSpPr txBox="1"/>
+            <p:nvPr/>
+          </p:nvSpPr>
+          <p:spPr>
+            <a:xfrm>
+              <a:off x="3257" y="8543"/>
+              <a:ext cx="635" cy="386"/>
+            </a:xfrm>
+            <a:prstGeom prst="rect">
+              <a:avLst/>
+            </a:prstGeom>
+            <a:noFill/>
+          </p:spPr>
+          <p:txBody>
+            <a:bodyPr wrap="square" rtlCol="0">
+              <a:spAutoFit/>
+            </a:bodyPr>
+            <a:p>
+              <a:pPr algn="ctr"/>
+              <a:r>
+                <a:rPr lang="en-US" altLang="zh-CN" sz="1000"/>
+                <a:t>32</a:t>
+              </a:r>
+              <a:endParaRPr lang="en-US" altLang="zh-CN" sz="1000"/>
+            </a:p>
+          </p:txBody>
+        </p:sp>
+        <p:grpSp>
+          <p:nvGrpSpPr>
+            <p:cNvPr id="32" name="组合 31"/>
+            <p:cNvGrpSpPr/>
+            <p:nvPr/>
+          </p:nvGrpSpPr>
+          <p:grpSpPr>
+            <a:xfrm>
+              <a:off x="3098" y="8533"/>
+              <a:ext cx="2766" cy="1094"/>
+              <a:chOff x="3098" y="8533"/>
+              <a:chExt cx="2766" cy="1094"/>
+            </a:xfrm>
+          </p:grpSpPr>
+          <p:sp>
+            <p:nvSpPr>
+              <p:cNvPr id="33" name="矩形 32"/>
+              <p:cNvSpPr/>
+              <p:nvPr/>
+            </p:nvSpPr>
+            <p:spPr>
+              <a:xfrm>
+                <a:off x="3507" y="8824"/>
+                <a:ext cx="136" cy="510"/>
+              </a:xfrm>
+              <a:prstGeom prst="rect">
+                <a:avLst/>
+              </a:prstGeom>
+              <a:ln>
+                <a:noFill/>
+              </a:ln>
+            </p:spPr>
+            <p:style>
+              <a:lnRef idx="2">
+                <a:schemeClr val="accent1">
+                  <a:shade val="50000"/>
+                </a:schemeClr>
+              </a:lnRef>
+              <a:fillRef idx="1">
+                <a:schemeClr val="accent1"/>
+              </a:fillRef>
+              <a:effectRef idx="0">
+                <a:schemeClr val="accent1"/>
+              </a:effectRef>
+              <a:fontRef idx="minor">
+                <a:schemeClr val="lt1"/>
+              </a:fontRef>
+            </p:style>
+            <p:txBody>
+              <a:bodyPr rtlCol="0" anchor="ctr"/>
+              <a:p>
+                <a:pPr algn="ctr"/>
+                <a:endParaRPr lang="zh-CN" altLang="en-US"/>
+              </a:p>
+            </p:txBody>
+          </p:sp>
+          <p:sp>
+            <p:nvSpPr>
+              <p:cNvPr id="34" name="文本框 33"/>
+              <p:cNvSpPr txBox="1"/>
+              <p:nvPr/>
+            </p:nvSpPr>
+            <p:spPr>
+              <a:xfrm rot="10800000">
+                <a:off x="3098" y="9054"/>
+                <a:ext cx="506" cy="561"/>
+              </a:xfrm>
+              <a:prstGeom prst="rect">
+                <a:avLst/>
+              </a:prstGeom>
+              <a:noFill/>
+            </p:spPr>
+            <p:txBody>
+              <a:bodyPr vert="eaVert" wrap="square" rtlCol="0">
+                <a:spAutoFit/>
+              </a:bodyPr>
+              <a:p>
+                <a:r>
+                  <a:rPr lang="en-US" altLang="zh-CN" sz="900"/>
+                  <a:t>64</a:t>
+                </a:r>
+                <a:r>
+                  <a:rPr lang="en-US" altLang="zh-CN" sz="900" baseline="30000"/>
+                  <a:t>2</a:t>
+                </a:r>
+                <a:endParaRPr lang="en-US" altLang="zh-CN" sz="900" baseline="30000"/>
+              </a:p>
+            </p:txBody>
+          </p:sp>
+          <p:grpSp>
+            <p:nvGrpSpPr>
+              <p:cNvPr id="35" name="组合 34"/>
+              <p:cNvGrpSpPr/>
+              <p:nvPr/>
+            </p:nvGrpSpPr>
+            <p:grpSpPr>
+              <a:xfrm>
+                <a:off x="3863" y="8533"/>
+                <a:ext cx="2001" cy="1094"/>
+                <a:chOff x="3664" y="6636"/>
+                <a:chExt cx="2001" cy="1094"/>
+              </a:xfrm>
+            </p:grpSpPr>
+            <p:grpSp>
+              <p:nvGrpSpPr>
+                <p:cNvPr id="36" name="组合 35"/>
+                <p:cNvGrpSpPr/>
+                <p:nvPr/>
+              </p:nvGrpSpPr>
+              <p:grpSpPr>
+                <a:xfrm>
+                  <a:off x="3765" y="6636"/>
+                  <a:ext cx="1900" cy="1094"/>
+                  <a:chOff x="3407" y="1215"/>
+                  <a:chExt cx="1900" cy="2189"/>
+                </a:xfrm>
+              </p:grpSpPr>
+              <p:grpSp>
+                <p:nvGrpSpPr>
+                  <p:cNvPr id="37" name="组合 36"/>
+                  <p:cNvGrpSpPr/>
+                  <p:nvPr/>
+                </p:nvGrpSpPr>
+                <p:grpSpPr>
+                  <a:xfrm>
+                    <a:off x="3407" y="1215"/>
+                    <a:ext cx="958" cy="2189"/>
+                    <a:chOff x="1816" y="1194"/>
+                    <a:chExt cx="958" cy="1886"/>
+                  </a:xfrm>
+                </p:grpSpPr>
+                <p:sp>
+                  <p:nvSpPr>
+                    <p:cNvPr id="38" name="文本框 37"/>
+                    <p:cNvSpPr txBox="1"/>
+                    <p:nvPr/>
+                  </p:nvSpPr>
+                  <p:spPr>
+                    <a:xfrm>
+                      <a:off x="2139" y="1194"/>
+                      <a:ext cx="635" cy="666"/>
+                    </a:xfrm>
+                    <a:prstGeom prst="rect">
+                      <a:avLst/>
+                    </a:prstGeom>
+                    <a:noFill/>
+                  </p:spPr>
+                  <p:txBody>
+                    <a:bodyPr wrap="square" rtlCol="0">
+                      <a:spAutoFit/>
+                    </a:bodyPr>
+                    <a:p>
+                      <a:pPr algn="ctr"/>
+                      <a:r>
+                        <a:rPr lang="en-US" altLang="zh-CN" sz="1000" dirty="0"/>
+                        <a:t>64</a:t>
+                      </a:r>
+                      <a:endParaRPr lang="en-US" altLang="zh-CN" sz="1000" dirty="0"/>
+                    </a:p>
+                  </p:txBody>
+                </p:sp>
+                <p:sp>
+                  <p:nvSpPr>
+                    <p:cNvPr id="41" name="文本框 40"/>
+                    <p:cNvSpPr txBox="1"/>
+                    <p:nvPr/>
+                  </p:nvSpPr>
+                  <p:spPr>
+                    <a:xfrm rot="10800000">
+                      <a:off x="1816" y="2068"/>
+                      <a:ext cx="506" cy="1012"/>
+                    </a:xfrm>
+                    <a:prstGeom prst="rect">
+                      <a:avLst/>
+                    </a:prstGeom>
+                    <a:noFill/>
+                  </p:spPr>
+                  <p:txBody>
+                    <a:bodyPr vert="eaVert" wrap="square" rtlCol="0">
+                      <a:spAutoFit/>
+                    </a:bodyPr>
+                    <a:p>
+                      <a:r>
+                        <a:rPr lang="en-US" altLang="zh-CN" sz="900"/>
+                        <a:t>64</a:t>
+                      </a:r>
+                      <a:r>
+                        <a:rPr lang="en-US" altLang="zh-CN" sz="900" baseline="30000"/>
+                        <a:t>2</a:t>
+                      </a:r>
+                      <a:endParaRPr lang="en-US" altLang="zh-CN" sz="900" baseline="30000"/>
+                    </a:p>
+                  </p:txBody>
+                </p:sp>
+              </p:grpSp>
+              <p:grpSp>
+                <p:nvGrpSpPr>
+                  <p:cNvPr id="42" name="组合 41"/>
+                  <p:cNvGrpSpPr/>
+                  <p:nvPr/>
+                </p:nvGrpSpPr>
+                <p:grpSpPr>
+                  <a:xfrm>
+                    <a:off x="4455" y="1215"/>
+                    <a:ext cx="852" cy="2189"/>
+                    <a:chOff x="2495" y="1193"/>
+                    <a:chExt cx="852" cy="1886"/>
+                  </a:xfrm>
+                </p:grpSpPr>
+                <p:sp>
+                  <p:nvSpPr>
+                    <p:cNvPr id="43" name="文本框 42"/>
+                    <p:cNvSpPr txBox="1"/>
+                    <p:nvPr/>
+                  </p:nvSpPr>
+                  <p:spPr>
+                    <a:xfrm>
+                      <a:off x="2712" y="1193"/>
+                      <a:ext cx="635" cy="665"/>
+                    </a:xfrm>
+                    <a:prstGeom prst="rect">
+                      <a:avLst/>
+                    </a:prstGeom>
+                    <a:noFill/>
+                  </p:spPr>
+                  <p:txBody>
+                    <a:bodyPr wrap="square" rtlCol="0">
+                      <a:spAutoFit/>
+                    </a:bodyPr>
+                    <a:p>
+                      <a:pPr algn="ctr"/>
+                      <a:r>
+                        <a:rPr lang="en-US" altLang="zh-CN" sz="1000" dirty="0"/>
+                        <a:t>64</a:t>
+                      </a:r>
+                      <a:endParaRPr lang="en-US" altLang="zh-CN" sz="1000" dirty="0"/>
+                    </a:p>
+                  </p:txBody>
+                </p:sp>
+                <p:sp>
+                  <p:nvSpPr>
+                    <p:cNvPr id="46" name="文本框 45"/>
+                    <p:cNvSpPr txBox="1"/>
+                    <p:nvPr/>
+                  </p:nvSpPr>
+                  <p:spPr>
+                    <a:xfrm rot="10800000">
+                      <a:off x="2495" y="2067"/>
+                      <a:ext cx="396" cy="1012"/>
+                    </a:xfrm>
+                    <a:prstGeom prst="rect">
+                      <a:avLst/>
+                    </a:prstGeom>
+                    <a:noFill/>
+                  </p:spPr>
+                  <p:txBody>
+                    <a:bodyPr vert="eaVert" wrap="square" rtlCol="0">
+                      <a:spAutoFit/>
+                    </a:bodyPr>
+                    <a:p>
+                      <a:r>
+                        <a:rPr lang="en-US" altLang="zh-CN" sz="900"/>
+                        <a:t>64</a:t>
+                      </a:r>
+                      <a:r>
+                        <a:rPr lang="en-US" altLang="zh-CN" sz="900" baseline="30000"/>
+                        <a:t>2</a:t>
+                      </a:r>
+                      <a:endParaRPr lang="en-US" altLang="zh-CN" sz="900" baseline="30000"/>
+                    </a:p>
+                  </p:txBody>
+                </p:sp>
+              </p:grpSp>
+            </p:grpSp>
+            <p:sp>
+              <p:nvSpPr>
+                <p:cNvPr id="47" name="右箭头 46"/>
+                <p:cNvSpPr/>
+                <p:nvPr/>
+              </p:nvSpPr>
+              <p:spPr>
+                <a:xfrm>
+                  <a:off x="3664" y="7023"/>
+                  <a:ext cx="200" cy="280"/>
+                </a:xfrm>
+                <a:prstGeom prst="rightArrow">
+                  <a:avLst>
+                    <a:gd name="adj1" fmla="val 50000"/>
+                    <a:gd name="adj2" fmla="val 42978"/>
+                  </a:avLst>
+                </a:prstGeom>
+                <a:solidFill>
+                  <a:schemeClr val="accent1"/>
+                </a:solidFill>
+                <a:ln>
+                  <a:noFill/>
+                </a:ln>
+              </p:spPr>
+              <p:style>
+                <a:lnRef idx="2">
+                  <a:schemeClr val="accent1">
+                    <a:shade val="50000"/>
+                  </a:schemeClr>
+                </a:lnRef>
+                <a:fillRef idx="1">
+                  <a:schemeClr val="accent1"/>
+                </a:fillRef>
+                <a:effectRef idx="0">
+                  <a:schemeClr val="accent1"/>
+                </a:effectRef>
+                <a:fontRef idx="minor">
+                  <a:schemeClr val="lt1"/>
+                </a:fontRef>
+              </p:style>
+              <p:txBody>
+                <a:bodyPr rtlCol="0" anchor="ctr"/>
+                <a:p>
+                  <a:pPr algn="ctr"/>
+                  <a:endParaRPr lang="zh-CN" altLang="en-US"/>
+                </a:p>
+              </p:txBody>
+            </p:sp>
+            <p:sp>
+              <p:nvSpPr>
+                <p:cNvPr id="48" name="右箭头 47"/>
+                <p:cNvSpPr/>
+                <p:nvPr/>
+              </p:nvSpPr>
+              <p:spPr>
+                <a:xfrm>
+                  <a:off x="4813" y="7023"/>
+                  <a:ext cx="200" cy="280"/>
+                </a:xfrm>
+                <a:prstGeom prst="rightArrow">
+                  <a:avLst>
+                    <a:gd name="adj1" fmla="val 50000"/>
+                    <a:gd name="adj2" fmla="val 42978"/>
+                  </a:avLst>
+                </a:prstGeom>
+                <a:solidFill>
+                  <a:schemeClr val="accent1"/>
+                </a:solidFill>
+                <a:ln>
+                  <a:noFill/>
+                </a:ln>
+              </p:spPr>
+              <p:style>
+                <a:lnRef idx="2">
+                  <a:schemeClr val="accent1">
+                    <a:shade val="50000"/>
+                  </a:schemeClr>
+                </a:lnRef>
+                <a:fillRef idx="1">
+                  <a:schemeClr val="accent1"/>
+                </a:fillRef>
+                <a:effectRef idx="0">
+                  <a:schemeClr val="accent1"/>
+                </a:effectRef>
+                <a:fontRef idx="minor">
+                  <a:schemeClr val="lt1"/>
+                </a:fontRef>
+              </p:style>
+              <p:txBody>
+                <a:bodyPr rtlCol="0" anchor="ctr"/>
+                <a:p>
+                  <a:pPr algn="ctr"/>
+                  <a:endParaRPr lang="zh-CN" altLang="en-US"/>
+                </a:p>
+              </p:txBody>
+            </p:sp>
+          </p:grpSp>
+        </p:grpSp>
+      </p:grpSp>
+      <p:sp>
+        <p:nvSpPr>
+          <p:cNvPr id="49" name="右箭头 48"/>
+          <p:cNvSpPr/>
+          <p:nvPr/>
+        </p:nvSpPr>
+        <p:spPr>
+          <a:xfrm>
+            <a:off x="2783840" y="3211195"/>
+            <a:ext cx="857885" cy="207645"/>
+          </a:xfrm>
+          <a:prstGeom prst="rightArrow">
+            <a:avLst>
+              <a:gd name="adj1" fmla="val 50000"/>
+              <a:gd name="adj2" fmla="val 79642"/>
+            </a:avLst>
+          </a:prstGeom>
+          <a:solidFill>
+            <a:schemeClr val="accent3"/>
+          </a:solidFill>
+          <a:ln>
+            <a:noFill/>
+          </a:ln>
+        </p:spPr>
+        <p:style>
+          <a:lnRef idx="2">
+            <a:schemeClr val="accent1">
+              <a:shade val="50000"/>
+            </a:schemeClr>
+          </a:lnRef>
+          <a:fillRef idx="1">
+            <a:schemeClr val="accent1"/>
+          </a:fillRef>
+          <a:effectRef idx="0">
+            <a:schemeClr val="accent1"/>
+          </a:effectRef>
+          <a:fontRef idx="minor">
+            <a:schemeClr val="lt1"/>
+          </a:fontRef>
+        </p:style>
+        <p:txBody>
+          <a:bodyPr rtlCol="0" anchor="ctr"/>
+          <a:p>
+            <a:pPr algn="ctr"/>
+            <a:endParaRPr lang="zh-CN" altLang="en-US"/>
+          </a:p>
+        </p:txBody>
+      </p:sp>
+      <p:sp>
+        <p:nvSpPr>
+          <p:cNvPr id="50" name="文本框 49"/>
+          <p:cNvSpPr txBox="1"/>
+          <p:nvPr/>
+        </p:nvSpPr>
+        <p:spPr>
+          <a:xfrm>
+            <a:off x="3655060" y="2806700"/>
+            <a:ext cx="403225" cy="245110"/>
+          </a:xfrm>
+          <a:prstGeom prst="rect">
+            <a:avLst/>
+          </a:prstGeom>
+          <a:noFill/>
+        </p:spPr>
+        <p:txBody>
+          <a:bodyPr wrap="square" rtlCol="0">
+            <a:spAutoFit/>
+          </a:bodyPr>
+          <a:p>
+            <a:pPr algn="ctr"/>
+            <a:r>
+              <a:rPr lang="en-US" altLang="zh-CN" sz="1000"/>
+              <a:t>64</a:t>
+            </a:r>
+            <a:endParaRPr lang="en-US" altLang="zh-CN" sz="1000"/>
+          </a:p>
+        </p:txBody>
+      </p:sp>
+      <p:sp>
+        <p:nvSpPr>
+          <p:cNvPr id="51" name="右箭头 50"/>
+          <p:cNvSpPr/>
+          <p:nvPr/>
+        </p:nvSpPr>
+        <p:spPr>
+          <a:xfrm>
+            <a:off x="3931285" y="3241040"/>
+            <a:ext cx="127000" cy="177800"/>
+          </a:xfrm>
+          <a:prstGeom prst="rightArrow">
+            <a:avLst>
+              <a:gd name="adj1" fmla="val 50000"/>
+              <a:gd name="adj2" fmla="val 42978"/>
+            </a:avLst>
+          </a:prstGeom>
+          <a:solidFill>
+            <a:schemeClr val="accent1"/>
+          </a:solidFill>
+          <a:ln>
+            <a:noFill/>
+          </a:ln>
+        </p:spPr>
+        <p:style>
+          <a:lnRef idx="2">
+            <a:schemeClr val="accent1">
+              <a:shade val="50000"/>
+            </a:schemeClr>
+          </a:lnRef>
+          <a:fillRef idx="1">
+            <a:schemeClr val="accent1"/>
+          </a:fillRef>
+          <a:effectRef idx="0">
+            <a:schemeClr val="accent1"/>
+          </a:effectRef>
+          <a:fontRef idx="minor">
+            <a:schemeClr val="lt1"/>
+          </a:fontRef>
+        </p:style>
+        <p:txBody>
+          <a:bodyPr rtlCol="0" anchor="ctr"/>
+          <a:p>
+            <a:pPr algn="ctr"/>
+            <a:endParaRPr lang="zh-CN" altLang="en-US"/>
+          </a:p>
+        </p:txBody>
+      </p:sp>
+      <p:sp>
+        <p:nvSpPr>
+          <p:cNvPr id="52" name="右箭头 51"/>
+          <p:cNvSpPr/>
+          <p:nvPr/>
+        </p:nvSpPr>
+        <p:spPr>
+          <a:xfrm>
+            <a:off x="4207510" y="3241040"/>
+            <a:ext cx="127000" cy="177800"/>
+          </a:xfrm>
+          <a:prstGeom prst="rightArrow">
+            <a:avLst>
+              <a:gd name="adj1" fmla="val 50000"/>
+              <a:gd name="adj2" fmla="val 42978"/>
+            </a:avLst>
+          </a:prstGeom>
+          <a:solidFill>
+            <a:schemeClr val="accent1"/>
+          </a:solidFill>
+          <a:ln>
+            <a:noFill/>
+          </a:ln>
+        </p:spPr>
+        <p:style>
+          <a:lnRef idx="2">
+            <a:schemeClr val="accent1">
+              <a:shade val="50000"/>
+            </a:schemeClr>
+          </a:lnRef>
+          <a:fillRef idx="1">
+            <a:schemeClr val="accent1"/>
+          </a:fillRef>
+          <a:effectRef idx="0">
+            <a:schemeClr val="accent1"/>
+          </a:effectRef>
+          <a:fontRef idx="minor">
+            <a:schemeClr val="lt1"/>
+          </a:fontRef>
+        </p:style>
+        <p:txBody>
+          <a:bodyPr rtlCol="0" anchor="ctr"/>
+          <a:p>
+            <a:pPr algn="ctr"/>
+            <a:endParaRPr lang="zh-CN" altLang="en-US"/>
+          </a:p>
+        </p:txBody>
+      </p:sp>
+      <p:grpSp>
+        <p:nvGrpSpPr>
+          <p:cNvPr id="53" name="组合 52"/>
+          <p:cNvGrpSpPr/>
+          <p:nvPr/>
+        </p:nvGrpSpPr>
+        <p:grpSpPr>
+          <a:xfrm rot="0">
+            <a:off x="3514725" y="2806700"/>
+            <a:ext cx="1043940" cy="1082040"/>
+            <a:chOff x="5513" y="6484"/>
+            <a:chExt cx="1644" cy="1704"/>
+          </a:xfrm>
+        </p:grpSpPr>
+        <p:grpSp>
+          <p:nvGrpSpPr>
+            <p:cNvPr id="54" name="组合 53"/>
+            <p:cNvGrpSpPr/>
+            <p:nvPr/>
+          </p:nvGrpSpPr>
+          <p:grpSpPr>
+            <a:xfrm>
+              <a:off x="6078" y="6484"/>
+              <a:ext cx="1079" cy="1686"/>
+              <a:chOff x="4289" y="1240"/>
+              <a:chExt cx="1079" cy="3375"/>
+            </a:xfrm>
+          </p:grpSpPr>
+          <p:grpSp>
+            <p:nvGrpSpPr>
+              <p:cNvPr id="55" name="组合 54"/>
+              <p:cNvGrpSpPr/>
+              <p:nvPr/>
+            </p:nvGrpSpPr>
+            <p:grpSpPr>
+              <a:xfrm>
+                <a:off x="4289" y="1240"/>
+                <a:ext cx="723" cy="3375"/>
+                <a:chOff x="2698" y="1215"/>
+                <a:chExt cx="723" cy="2908"/>
+              </a:xfrm>
+            </p:grpSpPr>
+            <p:sp>
+              <p:nvSpPr>
+                <p:cNvPr id="56" name="文本框 55"/>
+                <p:cNvSpPr txBox="1"/>
+                <p:nvPr/>
+              </p:nvSpPr>
+              <p:spPr>
+                <a:xfrm>
+                  <a:off x="2786" y="1215"/>
+                  <a:ext cx="635" cy="666"/>
+                </a:xfrm>
+                <a:prstGeom prst="rect">
+                  <a:avLst/>
+                </a:prstGeom>
+                <a:noFill/>
+              </p:spPr>
+              <p:txBody>
+                <a:bodyPr wrap="square" rtlCol="0">
+                  <a:spAutoFit/>
+                </a:bodyPr>
+                <a:p>
+                  <a:pPr algn="ctr"/>
+                  <a:r>
+                    <a:rPr lang="en-US" altLang="zh-CN" sz="1000"/>
+                    <a:t>32</a:t>
+                  </a:r>
+                  <a:endParaRPr lang="en-US" altLang="zh-CN" sz="1000"/>
+                </a:p>
+              </p:txBody>
+            </p:sp>
+            <p:grpSp>
+              <p:nvGrpSpPr>
+                <p:cNvPr id="57" name="组合 56"/>
+                <p:cNvGrpSpPr/>
+                <p:nvPr/>
+              </p:nvGrpSpPr>
+              <p:grpSpPr>
+                <a:xfrm>
+                  <a:off x="2698" y="1699"/>
+                  <a:ext cx="506" cy="2424"/>
+                  <a:chOff x="2698" y="1699"/>
+                  <a:chExt cx="506" cy="2424"/>
+                </a:xfrm>
+              </p:grpSpPr>
+              <p:sp>
+                <p:nvSpPr>
+                  <p:cNvPr id="58" name="矩形 57"/>
+                  <p:cNvSpPr/>
+                  <p:nvPr/>
+                </p:nvSpPr>
+                <p:spPr>
+                  <a:xfrm>
+                    <a:off x="3050" y="1699"/>
+                    <a:ext cx="136" cy="1857"/>
+                  </a:xfrm>
+                  <a:prstGeom prst="rect">
+                    <a:avLst/>
+                  </a:prstGeom>
+                  <a:ln>
+                    <a:noFill/>
+                  </a:ln>
+                </p:spPr>
+                <p:style>
+                  <a:lnRef idx="2">
+                    <a:schemeClr val="accent1">
+                      <a:shade val="50000"/>
+                    </a:schemeClr>
+                  </a:lnRef>
+                  <a:fillRef idx="1">
+                    <a:schemeClr val="accent1"/>
+                  </a:fillRef>
+                  <a:effectRef idx="0">
+                    <a:schemeClr val="accent1"/>
+                  </a:effectRef>
+                  <a:fontRef idx="minor">
+                    <a:schemeClr val="lt1"/>
+                  </a:fontRef>
+                </p:style>
+                <p:txBody>
+                  <a:bodyPr rtlCol="0" anchor="ctr"/>
+                  <a:p>
+                    <a:pPr algn="ctr"/>
+                    <a:endParaRPr lang="zh-CN" altLang="en-US"/>
+                  </a:p>
+                </p:txBody>
+              </p:sp>
+              <p:sp>
+                <p:nvSpPr>
+                  <p:cNvPr id="59" name="文本框 58"/>
+                  <p:cNvSpPr txBox="1"/>
+                  <p:nvPr/>
+                </p:nvSpPr>
+                <p:spPr>
+                  <a:xfrm rot="10800000">
+                    <a:off x="2698" y="3111"/>
+                    <a:ext cx="506" cy="1012"/>
+                  </a:xfrm>
+                  <a:prstGeom prst="rect">
+                    <a:avLst/>
+                  </a:prstGeom>
+                  <a:noFill/>
+                </p:spPr>
+                <p:txBody>
+                  <a:bodyPr vert="eaVert" wrap="square" rtlCol="0">
+                    <a:spAutoFit/>
+                  </a:bodyPr>
+                  <a:p>
+                    <a:r>
+                      <a:rPr lang="en-US" altLang="zh-CN" sz="900" dirty="0"/>
+                      <a:t>128</a:t>
+                    </a:r>
+                    <a:r>
+                      <a:rPr lang="en-US" altLang="zh-CN" sz="900" baseline="30000" dirty="0"/>
+                      <a:t>2</a:t>
+                    </a:r>
+                    <a:endParaRPr lang="en-US" altLang="zh-CN" sz="900" baseline="30000" dirty="0"/>
+                  </a:p>
+                </p:txBody>
+              </p:sp>
+            </p:grpSp>
+          </p:grpSp>
+          <p:grpSp>
+            <p:nvGrpSpPr>
+              <p:cNvPr id="62" name="组合 61"/>
+              <p:cNvGrpSpPr/>
+              <p:nvPr/>
+            </p:nvGrpSpPr>
+            <p:grpSpPr>
+              <a:xfrm>
+                <a:off x="4660" y="1240"/>
+                <a:ext cx="708" cy="3375"/>
+                <a:chOff x="2700" y="1215"/>
+                <a:chExt cx="708" cy="2908"/>
+              </a:xfrm>
+            </p:grpSpPr>
+            <p:sp>
+              <p:nvSpPr>
+                <p:cNvPr id="63" name="文本框 62"/>
+                <p:cNvSpPr txBox="1"/>
+                <p:nvPr/>
+              </p:nvSpPr>
+              <p:spPr>
+                <a:xfrm>
+                  <a:off x="2773" y="1215"/>
+                  <a:ext cx="635" cy="666"/>
+                </a:xfrm>
+                <a:prstGeom prst="rect">
+                  <a:avLst/>
+                </a:prstGeom>
+                <a:noFill/>
+              </p:spPr>
+              <p:txBody>
+                <a:bodyPr wrap="square" rtlCol="0">
+                  <a:spAutoFit/>
+                </a:bodyPr>
+                <a:p>
+                  <a:pPr algn="ctr"/>
+                  <a:r>
+                    <a:rPr lang="en-US" altLang="zh-CN" sz="1000"/>
+                    <a:t>32</a:t>
+                  </a:r>
+                  <a:endParaRPr lang="en-US" altLang="zh-CN" sz="1000"/>
+                </a:p>
+              </p:txBody>
+            </p:sp>
+            <p:grpSp>
+              <p:nvGrpSpPr>
+                <p:cNvPr id="64" name="组合 63"/>
+                <p:cNvGrpSpPr/>
+                <p:nvPr/>
+              </p:nvGrpSpPr>
+              <p:grpSpPr>
+                <a:xfrm>
+                  <a:off x="2700" y="1699"/>
+                  <a:ext cx="506" cy="2424"/>
+                  <a:chOff x="2700" y="1699"/>
+                  <a:chExt cx="506" cy="2424"/>
+                </a:xfrm>
+              </p:grpSpPr>
+              <p:sp>
+                <p:nvSpPr>
+                  <p:cNvPr id="65" name="矩形 64"/>
+                  <p:cNvSpPr/>
+                  <p:nvPr/>
+                </p:nvSpPr>
+                <p:spPr>
+                  <a:xfrm>
+                    <a:off x="3052" y="1699"/>
+                    <a:ext cx="136" cy="1857"/>
+                  </a:xfrm>
+                  <a:prstGeom prst="rect">
+                    <a:avLst/>
+                  </a:prstGeom>
+                  <a:ln>
+                    <a:noFill/>
+                  </a:ln>
+                </p:spPr>
+                <p:style>
+                  <a:lnRef idx="2">
+                    <a:schemeClr val="accent1">
+                      <a:shade val="50000"/>
+                    </a:schemeClr>
+                  </a:lnRef>
+                  <a:fillRef idx="1">
+                    <a:schemeClr val="accent1"/>
+                  </a:fillRef>
+                  <a:effectRef idx="0">
+                    <a:schemeClr val="accent1"/>
+                  </a:effectRef>
+                  <a:fontRef idx="minor">
+                    <a:schemeClr val="lt1"/>
+                  </a:fontRef>
+                </p:style>
+                <p:txBody>
+                  <a:bodyPr rtlCol="0" anchor="ctr"/>
+                  <a:p>
+                    <a:pPr algn="ctr"/>
+                    <a:endParaRPr lang="zh-CN" altLang="en-US"/>
+                  </a:p>
+                </p:txBody>
+              </p:sp>
+              <p:sp>
+                <p:nvSpPr>
+                  <p:cNvPr id="66" name="文本框 65"/>
+                  <p:cNvSpPr txBox="1"/>
+                  <p:nvPr/>
+                </p:nvSpPr>
+                <p:spPr>
+                  <a:xfrm rot="10800000">
+                    <a:off x="2700" y="3111"/>
+                    <a:ext cx="506" cy="1012"/>
+                  </a:xfrm>
+                  <a:prstGeom prst="rect">
+                    <a:avLst/>
+                  </a:prstGeom>
+                  <a:noFill/>
+                </p:spPr>
+                <p:txBody>
+                  <a:bodyPr vert="eaVert" wrap="square" rtlCol="0">
+                    <a:spAutoFit/>
+                  </a:bodyPr>
+                  <a:p>
+                    <a:r>
+                      <a:rPr lang="en-US" altLang="zh-CN" sz="900" dirty="0"/>
+                      <a:t>128</a:t>
+                    </a:r>
+                    <a:r>
+                      <a:rPr lang="en-US" altLang="zh-CN" sz="900" baseline="30000" dirty="0"/>
+                      <a:t>2</a:t>
+                    </a:r>
+                    <a:endParaRPr lang="en-US" altLang="zh-CN" sz="900" baseline="30000" dirty="0"/>
+                  </a:p>
+                </p:txBody>
+              </p:sp>
+            </p:grpSp>
+          </p:grpSp>
+        </p:grpSp>
+        <p:grpSp>
+          <p:nvGrpSpPr>
+            <p:cNvPr id="67" name="组合 66"/>
+            <p:cNvGrpSpPr/>
+            <p:nvPr/>
+          </p:nvGrpSpPr>
+          <p:grpSpPr>
+            <a:xfrm>
+              <a:off x="5513" y="6803"/>
+              <a:ext cx="656" cy="1385"/>
+              <a:chOff x="5463" y="5845"/>
+              <a:chExt cx="656" cy="1385"/>
+            </a:xfrm>
+          </p:grpSpPr>
+          <p:grpSp>
+            <p:nvGrpSpPr>
+              <p:cNvPr id="68" name="组合 67"/>
+              <p:cNvGrpSpPr/>
+              <p:nvPr/>
+            </p:nvGrpSpPr>
+            <p:grpSpPr>
+              <a:xfrm>
+                <a:off x="5832" y="5845"/>
+                <a:ext cx="287" cy="1077"/>
+                <a:chOff x="5832" y="5845"/>
+                <a:chExt cx="287" cy="1077"/>
+              </a:xfrm>
+            </p:grpSpPr>
+            <p:sp>
+              <p:nvSpPr>
+                <p:cNvPr id="69" name="矩形 68"/>
+                <p:cNvSpPr/>
+                <p:nvPr/>
+              </p:nvSpPr>
+              <p:spPr>
+                <a:xfrm>
+                  <a:off x="5832" y="5845"/>
+                  <a:ext cx="144" cy="1077"/>
+                </a:xfrm>
+                <a:prstGeom prst="rect">
+                  <a:avLst/>
+                </a:prstGeom>
+                <a:solidFill>
+                  <a:schemeClr val="bg1"/>
+                </a:solidFill>
+                <a:ln>
+                  <a:solidFill>
+                    <a:schemeClr val="tx1"/>
+                  </a:solidFill>
+                </a:ln>
+              </p:spPr>
+              <p:style>
+                <a:lnRef idx="2">
+                  <a:schemeClr val="accent1">
+                    <a:shade val="50000"/>
+                  </a:schemeClr>
+                </a:lnRef>
+                <a:fillRef idx="1">
+                  <a:schemeClr val="accent1"/>
+                </a:fillRef>
+                <a:effectRef idx="0">
+                  <a:schemeClr val="accent1"/>
+                </a:effectRef>
+                <a:fontRef idx="minor">
+                  <a:schemeClr val="lt1"/>
+                </a:fontRef>
+              </p:style>
+              <p:txBody>
+                <a:bodyPr rtlCol="0" anchor="ctr"/>
+                <a:p>
+                  <a:pPr algn="ctr"/>
+                  <a:endParaRPr lang="zh-CN" altLang="en-US"/>
+                </a:p>
+              </p:txBody>
+            </p:sp>
+            <p:sp>
+              <p:nvSpPr>
+                <p:cNvPr id="70" name="矩形 69"/>
+                <p:cNvSpPr/>
+                <p:nvPr/>
+              </p:nvSpPr>
+              <p:spPr>
+                <a:xfrm>
+                  <a:off x="5983" y="5845"/>
+                  <a:ext cx="136" cy="1077"/>
+                </a:xfrm>
+                <a:prstGeom prst="rect">
+                  <a:avLst/>
+                </a:prstGeom>
+                <a:ln>
+                  <a:noFill/>
+                </a:ln>
+              </p:spPr>
+              <p:style>
+                <a:lnRef idx="2">
+                  <a:schemeClr val="accent1">
+                    <a:shade val="50000"/>
+                  </a:schemeClr>
+                </a:lnRef>
+                <a:fillRef idx="1">
+                  <a:schemeClr val="accent1"/>
+                </a:fillRef>
+                <a:effectRef idx="0">
+                  <a:schemeClr val="accent1"/>
+                </a:effectRef>
+                <a:fontRef idx="minor">
+                  <a:schemeClr val="lt1"/>
+                </a:fontRef>
+              </p:style>
+              <p:txBody>
+                <a:bodyPr rtlCol="0" anchor="ctr"/>
+                <a:p>
+                  <a:pPr algn="ctr"/>
+                  <a:endParaRPr lang="zh-CN" altLang="en-US"/>
+                </a:p>
+              </p:txBody>
+            </p:sp>
+          </p:grpSp>
+          <p:sp>
+            <p:nvSpPr>
+              <p:cNvPr id="71" name="文本框 70"/>
+              <p:cNvSpPr txBox="1"/>
+              <p:nvPr/>
+            </p:nvSpPr>
+            <p:spPr>
+              <a:xfrm rot="10800000">
+                <a:off x="5463" y="6643"/>
+                <a:ext cx="506" cy="587"/>
+              </a:xfrm>
+              <a:prstGeom prst="rect">
+                <a:avLst/>
+              </a:prstGeom>
+              <a:noFill/>
+            </p:spPr>
+            <p:txBody>
+              <a:bodyPr vert="eaVert" wrap="square" rtlCol="0">
+                <a:spAutoFit/>
+              </a:bodyPr>
+              <a:p>
+                <a:r>
+                  <a:rPr lang="en-US" altLang="zh-CN" sz="900" dirty="0"/>
+                  <a:t>128</a:t>
+                </a:r>
+                <a:r>
+                  <a:rPr lang="en-US" altLang="zh-CN" sz="900" baseline="30000" dirty="0"/>
+                  <a:t>2</a:t>
+                </a:r>
+                <a:endParaRPr lang="en-US" altLang="zh-CN" sz="900" baseline="30000" dirty="0"/>
+              </a:p>
+            </p:txBody>
+          </p:sp>
+        </p:grpSp>
+      </p:grpSp>
+      <p:sp>
+        <p:nvSpPr>
+          <p:cNvPr id="72" name="右箭头 71"/>
+          <p:cNvSpPr/>
+          <p:nvPr/>
+        </p:nvSpPr>
+        <p:spPr>
+          <a:xfrm rot="5400000">
+            <a:off x="2031365" y="2569210"/>
+            <a:ext cx="132080" cy="202565"/>
+          </a:xfrm>
+          <a:prstGeom prst="rightArrow">
+            <a:avLst>
+              <a:gd name="adj1" fmla="val 50000"/>
+              <a:gd name="adj2" fmla="val 42978"/>
+            </a:avLst>
+          </a:prstGeom>
+          <a:solidFill>
+            <a:schemeClr val="accent2">
+              <a:lumMod val="50000"/>
+            </a:schemeClr>
+          </a:solidFill>
+          <a:ln>
+            <a:noFill/>
+          </a:ln>
+        </p:spPr>
+        <p:style>
+          <a:lnRef idx="2">
+            <a:schemeClr val="accent1">
+              <a:shade val="50000"/>
+            </a:schemeClr>
+          </a:lnRef>
+          <a:fillRef idx="1">
+            <a:schemeClr val="accent1"/>
+          </a:fillRef>
+          <a:effectRef idx="0">
+            <a:schemeClr val="accent1"/>
+          </a:effectRef>
+          <a:fontRef idx="minor">
+            <a:schemeClr val="lt1"/>
+          </a:fontRef>
+        </p:style>
+        <p:txBody>
+          <a:bodyPr rtlCol="0" anchor="ctr"/>
+          <a:p>
+            <a:pPr algn="ctr"/>
+            <a:endParaRPr lang="zh-CN" altLang="en-US"/>
+          </a:p>
+        </p:txBody>
+      </p:sp>
+      <p:grpSp>
+        <p:nvGrpSpPr>
+          <p:cNvPr id="74" name="组合 73"/>
+          <p:cNvGrpSpPr/>
+          <p:nvPr/>
+        </p:nvGrpSpPr>
+        <p:grpSpPr>
+          <a:xfrm rot="0">
+            <a:off x="4120515" y="992505"/>
+            <a:ext cx="643890" cy="1607820"/>
+            <a:chOff x="5441" y="3151"/>
+            <a:chExt cx="1014" cy="3122"/>
+          </a:xfrm>
+        </p:grpSpPr>
+        <p:sp>
+          <p:nvSpPr>
+            <p:cNvPr id="75" name="矩形 74"/>
+            <p:cNvSpPr/>
+            <p:nvPr/>
+          </p:nvSpPr>
+          <p:spPr>
+            <a:xfrm>
+              <a:off x="5792" y="3625"/>
+              <a:ext cx="68" cy="2632"/>
+            </a:xfrm>
+            <a:prstGeom prst="rect">
+              <a:avLst/>
+            </a:prstGeom>
+            <a:ln>
+              <a:noFill/>
+            </a:ln>
+          </p:spPr>
+          <p:style>
+            <a:lnRef idx="2">
+              <a:schemeClr val="accent1">
+                <a:shade val="50000"/>
+              </a:schemeClr>
+            </a:lnRef>
+            <a:fillRef idx="1">
+              <a:schemeClr val="accent1"/>
+            </a:fillRef>
+            <a:effectRef idx="0">
+              <a:schemeClr val="accent1"/>
+            </a:effectRef>
+            <a:fontRef idx="minor">
+              <a:schemeClr val="lt1"/>
+            </a:fontRef>
+          </p:style>
+          <p:txBody>
+            <a:bodyPr rtlCol="0" anchor="ctr"/>
+            <a:p>
+              <a:pPr algn="ctr"/>
+              <a:endParaRPr lang="zh-CN" altLang="en-US"/>
+            </a:p>
+          </p:txBody>
+        </p:sp>
+        <p:grpSp>
+          <p:nvGrpSpPr>
+            <p:cNvPr id="77" name="组合 76"/>
+            <p:cNvGrpSpPr/>
+            <p:nvPr/>
+          </p:nvGrpSpPr>
+          <p:grpSpPr>
+            <a:xfrm>
+              <a:off x="5441" y="3151"/>
+              <a:ext cx="1014" cy="3122"/>
+              <a:chOff x="5441" y="3151"/>
+              <a:chExt cx="1014" cy="3122"/>
+            </a:xfrm>
+          </p:grpSpPr>
+          <p:grpSp>
+            <p:nvGrpSpPr>
+              <p:cNvPr id="79" name="组合 78"/>
+              <p:cNvGrpSpPr/>
+              <p:nvPr/>
+            </p:nvGrpSpPr>
+            <p:grpSpPr>
+              <a:xfrm rot="0">
+                <a:off x="5769" y="3151"/>
+                <a:ext cx="686" cy="3108"/>
+                <a:chOff x="1625" y="1034"/>
+                <a:chExt cx="686" cy="2678"/>
+              </a:xfrm>
+            </p:grpSpPr>
+            <p:sp>
+              <p:nvSpPr>
+                <p:cNvPr id="82" name="文本框 81"/>
+                <p:cNvSpPr txBox="1"/>
+                <p:nvPr/>
+              </p:nvSpPr>
+              <p:spPr>
+                <a:xfrm>
+                  <a:off x="1750" y="1034"/>
+                  <a:ext cx="561" cy="410"/>
+                </a:xfrm>
+                <a:prstGeom prst="rect">
+                  <a:avLst/>
+                </a:prstGeom>
+                <a:noFill/>
+              </p:spPr>
+              <p:txBody>
+                <a:bodyPr wrap="square" rtlCol="0">
+                  <a:spAutoFit/>
+                </a:bodyPr>
+                <a:p>
+                  <a:pPr algn="ctr"/>
+                  <a:r>
+                    <a:rPr lang="en-US" altLang="zh-CN" sz="1000"/>
+                    <a:t>1</a:t>
+                  </a:r>
+                  <a:endParaRPr lang="en-US" altLang="zh-CN" sz="1000"/>
+                </a:p>
+              </p:txBody>
+            </p:sp>
+            <p:grpSp>
+              <p:nvGrpSpPr>
+                <p:cNvPr id="92" name="组合 91"/>
+                <p:cNvGrpSpPr/>
+                <p:nvPr/>
+              </p:nvGrpSpPr>
+              <p:grpSpPr>
+                <a:xfrm>
+                  <a:off x="1625" y="1444"/>
+                  <a:ext cx="506" cy="2268"/>
+                  <a:chOff x="1625" y="1444"/>
+                  <a:chExt cx="506" cy="2268"/>
+                </a:xfrm>
+              </p:grpSpPr>
+              <p:sp>
+                <p:nvSpPr>
+                  <p:cNvPr id="93" name="矩形 92"/>
+                  <p:cNvSpPr/>
+                  <p:nvPr/>
+                </p:nvSpPr>
+                <p:spPr>
+                  <a:xfrm>
+                    <a:off x="1997" y="1444"/>
+                    <a:ext cx="68" cy="2268"/>
+                  </a:xfrm>
+                  <a:prstGeom prst="rect">
+                    <a:avLst/>
+                  </a:prstGeom>
+                  <a:ln>
+                    <a:noFill/>
+                  </a:ln>
+                </p:spPr>
+                <p:style>
+                  <a:lnRef idx="2">
+                    <a:schemeClr val="accent1">
+                      <a:shade val="50000"/>
+                    </a:schemeClr>
+                  </a:lnRef>
+                  <a:fillRef idx="1">
+                    <a:schemeClr val="accent1"/>
+                  </a:fillRef>
+                  <a:effectRef idx="0">
+                    <a:schemeClr val="accent1"/>
+                  </a:effectRef>
+                  <a:fontRef idx="minor">
+                    <a:schemeClr val="lt1"/>
+                  </a:fontRef>
+                </p:style>
+                <p:txBody>
+                  <a:bodyPr rtlCol="0" anchor="ctr"/>
+                  <a:p>
+                    <a:pPr algn="ctr"/>
+                    <a:endParaRPr lang="zh-CN" altLang="en-US"/>
+                  </a:p>
+                </p:txBody>
+              </p:sp>
+              <p:sp>
+                <p:nvSpPr>
+                  <p:cNvPr id="94" name="文本框 93"/>
+                  <p:cNvSpPr txBox="1"/>
+                  <p:nvPr/>
+                </p:nvSpPr>
+                <p:spPr>
+                  <a:xfrm rot="10800000">
+                    <a:off x="1625" y="2700"/>
+                    <a:ext cx="506" cy="1012"/>
+                  </a:xfrm>
+                  <a:prstGeom prst="rect">
+                    <a:avLst/>
+                  </a:prstGeom>
+                  <a:noFill/>
+                </p:spPr>
+                <p:txBody>
+                  <a:bodyPr vert="eaVert" wrap="square" rtlCol="0">
+                    <a:spAutoFit/>
+                  </a:bodyPr>
+                  <a:p>
+                    <a:r>
+                      <a:rPr lang="en-US" altLang="zh-CN" sz="900"/>
+                      <a:t>256 x 256</a:t>
+                    </a:r>
+                    <a:endParaRPr lang="en-US" altLang="zh-CN" sz="900"/>
+                  </a:p>
+                </p:txBody>
+              </p:sp>
+            </p:grpSp>
+          </p:grpSp>
+          <p:sp>
+            <p:nvSpPr>
+              <p:cNvPr id="144" name="矩形 143"/>
+              <p:cNvSpPr/>
+              <p:nvPr/>
+            </p:nvSpPr>
+            <p:spPr>
+              <a:xfrm>
+                <a:off x="5724" y="3641"/>
+                <a:ext cx="68" cy="2632"/>
+              </a:xfrm>
+              <a:prstGeom prst="rect">
+                <a:avLst/>
+              </a:prstGeom>
+              <a:solidFill>
+                <a:schemeClr val="bg1"/>
+              </a:solidFill>
+              <a:ln>
+                <a:solidFill>
+                  <a:schemeClr val="tx1"/>
+                </a:solidFill>
+              </a:ln>
+            </p:spPr>
+            <p:style>
+              <a:lnRef idx="2">
+                <a:schemeClr val="accent1">
+                  <a:shade val="50000"/>
+                </a:schemeClr>
+              </a:lnRef>
+              <a:fillRef idx="1">
+                <a:schemeClr val="accent1"/>
+              </a:fillRef>
+              <a:effectRef idx="0">
+                <a:schemeClr val="accent1"/>
+              </a:effectRef>
+              <a:fontRef idx="minor">
+                <a:schemeClr val="lt1"/>
+              </a:fontRef>
+            </p:style>
+            <p:txBody>
+              <a:bodyPr rtlCol="0" anchor="ctr"/>
+              <a:p>
+                <a:pPr algn="ctr"/>
+                <a:endParaRPr lang="zh-CN" altLang="en-US"/>
+              </a:p>
+            </p:txBody>
+          </p:sp>
+          <p:sp>
+            <p:nvSpPr>
+              <p:cNvPr id="145" name="文本框 144"/>
+              <p:cNvSpPr txBox="1"/>
+              <p:nvPr/>
+            </p:nvSpPr>
+            <p:spPr>
+              <a:xfrm>
+                <a:off x="5441" y="3165"/>
+                <a:ext cx="635" cy="476"/>
+              </a:xfrm>
+              <a:prstGeom prst="rect">
+                <a:avLst/>
+              </a:prstGeom>
+              <a:noFill/>
+            </p:spPr>
+            <p:txBody>
+              <a:bodyPr wrap="square" rtlCol="0">
+                <a:spAutoFit/>
+              </a:bodyPr>
+              <a:p>
+                <a:pPr algn="ctr"/>
+                <a:r>
+                  <a:rPr lang="en-US" altLang="zh-CN" sz="1000" dirty="0"/>
+                  <a:t>2</a:t>
+                </a:r>
+                <a:endParaRPr lang="en-US" altLang="zh-CN" sz="1000" dirty="0"/>
+              </a:p>
+            </p:txBody>
+          </p:sp>
+        </p:grpSp>
+      </p:grpSp>
+      <p:grpSp>
+        <p:nvGrpSpPr>
+          <p:cNvPr id="198" name="组合 197"/>
+          <p:cNvGrpSpPr/>
+          <p:nvPr/>
+        </p:nvGrpSpPr>
+        <p:grpSpPr>
+          <a:xfrm>
+            <a:off x="9315630" y="3241040"/>
+            <a:ext cx="1883410" cy="1214120"/>
+            <a:chOff x="4881880" y="4293870"/>
+            <a:chExt cx="1883410" cy="1214120"/>
+          </a:xfrm>
+        </p:grpSpPr>
+        <p:grpSp>
+          <p:nvGrpSpPr>
+            <p:cNvPr id="199" name="组合 198"/>
+            <p:cNvGrpSpPr/>
+            <p:nvPr/>
+          </p:nvGrpSpPr>
+          <p:grpSpPr>
+            <a:xfrm>
+              <a:off x="4907280" y="4293870"/>
+              <a:ext cx="1858010" cy="245110"/>
+              <a:chOff x="1731" y="5740"/>
+              <a:chExt cx="2926" cy="386"/>
+            </a:xfrm>
+          </p:grpSpPr>
+          <p:sp>
+            <p:nvSpPr>
+              <p:cNvPr id="200" name="右箭头 199"/>
+              <p:cNvSpPr/>
+              <p:nvPr/>
+            </p:nvSpPr>
+            <p:spPr>
+              <a:xfrm>
+                <a:off x="1731" y="5817"/>
+                <a:ext cx="200" cy="280"/>
+              </a:xfrm>
+              <a:prstGeom prst="rightArrow">
+                <a:avLst>
+                  <a:gd name="adj1" fmla="val 50000"/>
+                  <a:gd name="adj2" fmla="val 42978"/>
+                </a:avLst>
+              </a:prstGeom>
+              <a:solidFill>
+                <a:schemeClr val="accent6"/>
+              </a:solidFill>
+              <a:ln>
+                <a:noFill/>
+              </a:ln>
+            </p:spPr>
+            <p:style>
+              <a:lnRef idx="2">
+                <a:schemeClr val="accent1">
+                  <a:shade val="50000"/>
+                </a:schemeClr>
+              </a:lnRef>
+              <a:fillRef idx="1">
+                <a:schemeClr val="accent1"/>
+              </a:fillRef>
+              <a:effectRef idx="0">
+                <a:schemeClr val="accent1"/>
+              </a:effectRef>
+              <a:fontRef idx="minor">
+                <a:schemeClr val="lt1"/>
+              </a:fontRef>
+            </p:style>
+            <p:txBody>
+              <a:bodyPr rtlCol="0" anchor="ctr"/>
+              <a:p>
+                <a:pPr algn="ctr"/>
+                <a:endParaRPr lang="zh-CN" altLang="en-US"/>
+              </a:p>
+            </p:txBody>
+          </p:sp>
+          <p:sp>
+            <p:nvSpPr>
+              <p:cNvPr id="201" name="文本框 200"/>
+              <p:cNvSpPr txBox="1"/>
+              <p:nvPr/>
+            </p:nvSpPr>
+            <p:spPr>
+              <a:xfrm>
+                <a:off x="2039" y="5740"/>
+                <a:ext cx="2618" cy="386"/>
+              </a:xfrm>
+              <a:prstGeom prst="rect">
+                <a:avLst/>
+              </a:prstGeom>
+              <a:noFill/>
+            </p:spPr>
+            <p:txBody>
+              <a:bodyPr wrap="square" rtlCol="0">
+                <a:spAutoFit/>
+              </a:bodyPr>
+              <a:p>
+                <a:r>
+                  <a:rPr lang="en-US" altLang="zh-CN" sz="1000" dirty="0"/>
+                  <a:t>conv 1x1, BN, </a:t>
+                </a:r>
+                <a:r>
+                  <a:rPr lang="en-US" altLang="zh-CN" sz="1000" dirty="0" err="1"/>
+                  <a:t>ReLU</a:t>
+                </a:r>
+                <a:endParaRPr lang="zh-CN" altLang="en-US" sz="1000" dirty="0"/>
+              </a:p>
+            </p:txBody>
+          </p:sp>
+        </p:grpSp>
+        <p:grpSp>
+          <p:nvGrpSpPr>
+            <p:cNvPr id="202" name="组合 201"/>
+            <p:cNvGrpSpPr/>
+            <p:nvPr/>
+          </p:nvGrpSpPr>
+          <p:grpSpPr>
+            <a:xfrm>
+              <a:off x="4881880" y="4520565"/>
+              <a:ext cx="1883410" cy="987425"/>
+              <a:chOff x="4881880" y="4520565"/>
+              <a:chExt cx="1883410" cy="987425"/>
+            </a:xfrm>
+          </p:grpSpPr>
+          <p:grpSp>
+            <p:nvGrpSpPr>
+              <p:cNvPr id="203" name="组合 202"/>
+              <p:cNvGrpSpPr/>
+              <p:nvPr/>
+            </p:nvGrpSpPr>
+            <p:grpSpPr>
+              <a:xfrm>
+                <a:off x="4907280" y="4520565"/>
+                <a:ext cx="1858010" cy="245110"/>
+                <a:chOff x="1731" y="5740"/>
+                <a:chExt cx="2926" cy="386"/>
+              </a:xfrm>
+            </p:grpSpPr>
+            <p:sp>
+              <p:nvSpPr>
+                <p:cNvPr id="204" name="右箭头 203"/>
+                <p:cNvSpPr/>
+                <p:nvPr/>
+              </p:nvSpPr>
+              <p:spPr>
+                <a:xfrm>
+                  <a:off x="1731" y="5817"/>
+                  <a:ext cx="200" cy="280"/>
+                </a:xfrm>
+                <a:prstGeom prst="rightArrow">
+                  <a:avLst>
+                    <a:gd name="adj1" fmla="val 50000"/>
+                    <a:gd name="adj2" fmla="val 42978"/>
+                  </a:avLst>
+                </a:prstGeom>
+                <a:solidFill>
+                  <a:schemeClr val="accent1"/>
+                </a:solidFill>
+                <a:ln>
+                  <a:noFill/>
+                </a:ln>
+              </p:spPr>
+              <p:style>
+                <a:lnRef idx="2">
+                  <a:schemeClr val="accent1">
+                    <a:shade val="50000"/>
+                  </a:schemeClr>
+                </a:lnRef>
+                <a:fillRef idx="1">
+                  <a:schemeClr val="accent1"/>
+                </a:fillRef>
+                <a:effectRef idx="0">
+                  <a:schemeClr val="accent1"/>
+                </a:effectRef>
+                <a:fontRef idx="minor">
+                  <a:schemeClr val="lt1"/>
+                </a:fontRef>
+              </p:style>
+              <p:txBody>
+                <a:bodyPr rtlCol="0" anchor="ctr"/>
+                <a:p>
+                  <a:pPr algn="ctr"/>
+                  <a:endParaRPr lang="zh-CN" altLang="en-US"/>
+                </a:p>
+              </p:txBody>
+            </p:sp>
+            <p:sp>
+              <p:nvSpPr>
+                <p:cNvPr id="205" name="文本框 204"/>
+                <p:cNvSpPr txBox="1"/>
+                <p:nvPr/>
+              </p:nvSpPr>
+              <p:spPr>
+                <a:xfrm>
+                  <a:off x="2039" y="5740"/>
+                  <a:ext cx="2618" cy="386"/>
+                </a:xfrm>
+                <a:prstGeom prst="rect">
+                  <a:avLst/>
+                </a:prstGeom>
+                <a:noFill/>
+              </p:spPr>
+              <p:txBody>
+                <a:bodyPr wrap="square" rtlCol="0">
+                  <a:spAutoFit/>
+                </a:bodyPr>
+                <a:p>
+                  <a:r>
+                    <a:rPr lang="en-US" altLang="zh-CN" sz="1000" dirty="0"/>
+                    <a:t>conv 3x3, BN, </a:t>
+                  </a:r>
+                  <a:r>
+                    <a:rPr lang="en-US" altLang="zh-CN" sz="1000" dirty="0" err="1"/>
+                    <a:t>ReLU</a:t>
+                  </a:r>
+                  <a:endParaRPr lang="zh-CN" altLang="en-US" sz="1000" dirty="0"/>
+                </a:p>
+              </p:txBody>
+            </p:sp>
+          </p:grpSp>
+          <p:grpSp>
+            <p:nvGrpSpPr>
+              <p:cNvPr id="206" name="组合 205"/>
+              <p:cNvGrpSpPr/>
+              <p:nvPr/>
+            </p:nvGrpSpPr>
+            <p:grpSpPr>
+              <a:xfrm>
+                <a:off x="4881880" y="4765675"/>
+                <a:ext cx="1883410" cy="245110"/>
+                <a:chOff x="7688" y="7651"/>
+                <a:chExt cx="2966" cy="386"/>
+              </a:xfrm>
+            </p:grpSpPr>
+            <p:sp>
+              <p:nvSpPr>
+                <p:cNvPr id="207" name="右箭头 206"/>
+                <p:cNvSpPr/>
+                <p:nvPr/>
+              </p:nvSpPr>
+              <p:spPr>
+                <a:xfrm rot="5400000">
+                  <a:off x="7728" y="7704"/>
+                  <a:ext cx="200" cy="280"/>
+                </a:xfrm>
+                <a:prstGeom prst="rightArrow">
+                  <a:avLst>
+                    <a:gd name="adj1" fmla="val 50000"/>
+                    <a:gd name="adj2" fmla="val 42978"/>
+                  </a:avLst>
+                </a:prstGeom>
+                <a:solidFill>
+                  <a:schemeClr val="accent2">
+                    <a:lumMod val="50000"/>
+                  </a:schemeClr>
+                </a:solidFill>
+                <a:ln>
+                  <a:noFill/>
+                </a:ln>
+              </p:spPr>
+              <p:style>
+                <a:lnRef idx="2">
+                  <a:schemeClr val="accent1">
+                    <a:shade val="50000"/>
+                  </a:schemeClr>
+                </a:lnRef>
+                <a:fillRef idx="1">
+                  <a:schemeClr val="accent1"/>
+                </a:fillRef>
+                <a:effectRef idx="0">
+                  <a:schemeClr val="accent1"/>
+                </a:effectRef>
+                <a:fontRef idx="minor">
+                  <a:schemeClr val="lt1"/>
+                </a:fontRef>
+              </p:style>
+              <p:txBody>
+                <a:bodyPr rtlCol="0" anchor="ctr"/>
+                <a:p>
+                  <a:pPr algn="ctr"/>
+                  <a:endParaRPr lang="zh-CN" altLang="en-US"/>
+                </a:p>
+              </p:txBody>
+            </p:sp>
+            <p:sp>
+              <p:nvSpPr>
+                <p:cNvPr id="208" name="文本框 207"/>
+                <p:cNvSpPr txBox="1"/>
+                <p:nvPr/>
+              </p:nvSpPr>
+              <p:spPr>
+                <a:xfrm>
+                  <a:off x="8036" y="7651"/>
+                  <a:ext cx="2618" cy="386"/>
+                </a:xfrm>
+                <a:prstGeom prst="rect">
+                  <a:avLst/>
+                </a:prstGeom>
+                <a:noFill/>
+              </p:spPr>
+              <p:txBody>
+                <a:bodyPr wrap="square" rtlCol="0">
+                  <a:spAutoFit/>
+                </a:bodyPr>
+                <a:p>
+                  <a:r>
+                    <a:rPr lang="en-US" altLang="zh-CN" sz="1000" dirty="0"/>
+                    <a:t>max pool 2x2</a:t>
+                  </a:r>
+                  <a:endParaRPr lang="zh-CN" altLang="en-US" sz="1000" dirty="0"/>
+                </a:p>
+              </p:txBody>
+            </p:sp>
+          </p:grpSp>
+          <p:grpSp>
+            <p:nvGrpSpPr>
+              <p:cNvPr id="209" name="组合 208"/>
+              <p:cNvGrpSpPr/>
+              <p:nvPr/>
+            </p:nvGrpSpPr>
+            <p:grpSpPr>
+              <a:xfrm>
+                <a:off x="4881880" y="5010785"/>
+                <a:ext cx="1883410" cy="245110"/>
+                <a:chOff x="7688" y="7651"/>
+                <a:chExt cx="2966" cy="386"/>
+              </a:xfrm>
+            </p:grpSpPr>
+            <p:sp>
+              <p:nvSpPr>
+                <p:cNvPr id="214" name="右箭头 213"/>
+                <p:cNvSpPr/>
+                <p:nvPr/>
+              </p:nvSpPr>
+              <p:spPr>
+                <a:xfrm rot="16200000">
+                  <a:off x="7728" y="7704"/>
+                  <a:ext cx="200" cy="280"/>
+                </a:xfrm>
+                <a:prstGeom prst="rightArrow">
+                  <a:avLst>
+                    <a:gd name="adj1" fmla="val 50000"/>
+                    <a:gd name="adj2" fmla="val 42978"/>
+                  </a:avLst>
+                </a:prstGeom>
+                <a:solidFill>
+                  <a:schemeClr val="accent4"/>
+                </a:solidFill>
+                <a:ln>
+                  <a:noFill/>
+                </a:ln>
+              </p:spPr>
+              <p:style>
+                <a:lnRef idx="2">
+                  <a:schemeClr val="accent1">
+                    <a:shade val="50000"/>
+                  </a:schemeClr>
+                </a:lnRef>
+                <a:fillRef idx="1">
+                  <a:schemeClr val="accent1"/>
+                </a:fillRef>
+                <a:effectRef idx="0">
+                  <a:schemeClr val="accent1"/>
+                </a:effectRef>
+                <a:fontRef idx="minor">
+                  <a:schemeClr val="lt1"/>
+                </a:fontRef>
+              </p:style>
+              <p:txBody>
+                <a:bodyPr rtlCol="0" anchor="ctr"/>
+                <a:p>
+                  <a:pPr algn="ctr"/>
+                  <a:endParaRPr lang="zh-CN" altLang="en-US"/>
+                </a:p>
+              </p:txBody>
+            </p:sp>
+            <p:sp>
+              <p:nvSpPr>
+                <p:cNvPr id="215" name="文本框 214"/>
+                <p:cNvSpPr txBox="1"/>
+                <p:nvPr/>
+              </p:nvSpPr>
+              <p:spPr>
+                <a:xfrm>
+                  <a:off x="8036" y="7651"/>
+                  <a:ext cx="2618" cy="386"/>
+                </a:xfrm>
+                <a:prstGeom prst="rect">
+                  <a:avLst/>
+                </a:prstGeom>
+                <a:noFill/>
+              </p:spPr>
+              <p:txBody>
+                <a:bodyPr wrap="square" rtlCol="0">
+                  <a:spAutoFit/>
+                </a:bodyPr>
+                <a:p>
+                  <a:r>
+                    <a:rPr lang="en-US" altLang="zh-CN" sz="1000"/>
+                    <a:t>bilinear upsample</a:t>
+                  </a:r>
+                  <a:endParaRPr lang="en-US" altLang="zh-CN" sz="1000"/>
+                </a:p>
+              </p:txBody>
+            </p:sp>
+          </p:grpSp>
+          <p:grpSp>
+            <p:nvGrpSpPr>
+              <p:cNvPr id="216" name="组合 215"/>
+              <p:cNvGrpSpPr/>
+              <p:nvPr/>
+            </p:nvGrpSpPr>
+            <p:grpSpPr>
+              <a:xfrm>
+                <a:off x="4907280" y="5262880"/>
+                <a:ext cx="1858010" cy="245110"/>
+                <a:chOff x="1731" y="5740"/>
+                <a:chExt cx="2926" cy="386"/>
+              </a:xfrm>
+            </p:grpSpPr>
+            <p:sp>
+              <p:nvSpPr>
+                <p:cNvPr id="217" name="右箭头 216"/>
+                <p:cNvSpPr/>
+                <p:nvPr/>
+              </p:nvSpPr>
+              <p:spPr>
+                <a:xfrm>
+                  <a:off x="1731" y="5817"/>
+                  <a:ext cx="200" cy="280"/>
+                </a:xfrm>
+                <a:prstGeom prst="rightArrow">
+                  <a:avLst>
+                    <a:gd name="adj1" fmla="val 50000"/>
+                    <a:gd name="adj2" fmla="val 42978"/>
+                  </a:avLst>
+                </a:prstGeom>
+                <a:solidFill>
+                  <a:schemeClr val="accent3"/>
+                </a:solidFill>
+                <a:ln>
+                  <a:noFill/>
+                </a:ln>
+              </p:spPr>
+              <p:style>
+                <a:lnRef idx="2">
+                  <a:schemeClr val="accent1">
+                    <a:shade val="50000"/>
+                  </a:schemeClr>
+                </a:lnRef>
+                <a:fillRef idx="1">
+                  <a:schemeClr val="accent1"/>
+                </a:fillRef>
+                <a:effectRef idx="0">
+                  <a:schemeClr val="accent1"/>
+                </a:effectRef>
+                <a:fontRef idx="minor">
+                  <a:schemeClr val="lt1"/>
+                </a:fontRef>
+              </p:style>
+              <p:txBody>
+                <a:bodyPr rtlCol="0" anchor="ctr"/>
+                <a:p>
+                  <a:pPr algn="ctr"/>
+                  <a:endParaRPr lang="zh-CN" altLang="en-US"/>
+                </a:p>
+              </p:txBody>
+            </p:sp>
+            <p:sp>
+              <p:nvSpPr>
+                <p:cNvPr id="218" name="文本框 217"/>
+                <p:cNvSpPr txBox="1"/>
+                <p:nvPr/>
+              </p:nvSpPr>
+              <p:spPr>
+                <a:xfrm>
+                  <a:off x="2039" y="5740"/>
+                  <a:ext cx="2618" cy="386"/>
+                </a:xfrm>
+                <a:prstGeom prst="rect">
+                  <a:avLst/>
+                </a:prstGeom>
+                <a:noFill/>
+              </p:spPr>
+              <p:txBody>
+                <a:bodyPr wrap="square" rtlCol="0">
+                  <a:spAutoFit/>
+                </a:bodyPr>
+                <a:p>
+                  <a:r>
+                    <a:rPr lang="en-US" altLang="zh-CN" sz="1000"/>
+                    <a:t>copy and crop</a:t>
+                  </a:r>
+                  <a:endParaRPr lang="zh-CN" altLang="en-US" sz="1000"/>
+                </a:p>
+              </p:txBody>
+            </p:sp>
+          </p:grpSp>
+        </p:grpSp>
+      </p:grpSp>
+      <p:sp>
+        <p:nvSpPr>
+          <p:cNvPr id="219" name="右箭头 218"/>
+          <p:cNvSpPr/>
+          <p:nvPr/>
+        </p:nvSpPr>
+        <p:spPr>
+          <a:xfrm>
+            <a:off x="2300605" y="1762760"/>
+            <a:ext cx="1836420" cy="228600"/>
+          </a:xfrm>
+          <a:prstGeom prst="rightArrow">
+            <a:avLst>
+              <a:gd name="adj1" fmla="val 50000"/>
+              <a:gd name="adj2" fmla="val 79642"/>
+            </a:avLst>
+          </a:prstGeom>
+          <a:solidFill>
+            <a:schemeClr val="accent3"/>
+          </a:solidFill>
+          <a:ln>
+            <a:noFill/>
+          </a:ln>
+        </p:spPr>
+        <p:style>
+          <a:lnRef idx="2">
+            <a:schemeClr val="accent1">
+              <a:shade val="50000"/>
+            </a:schemeClr>
+          </a:lnRef>
+          <a:fillRef idx="1">
+            <a:schemeClr val="accent1"/>
+          </a:fillRef>
+          <a:effectRef idx="0">
+            <a:schemeClr val="accent1"/>
+          </a:effectRef>
+          <a:fontRef idx="minor">
+            <a:schemeClr val="lt1"/>
+          </a:fontRef>
+        </p:style>
+        <p:txBody>
+          <a:bodyPr rtlCol="0" anchor="ctr"/>
+          <a:p>
+            <a:pPr algn="ctr"/>
+            <a:endParaRPr lang="zh-CN" altLang="en-US"/>
+          </a:p>
+        </p:txBody>
+      </p:sp>
+      <p:sp>
+        <p:nvSpPr>
+          <p:cNvPr id="232" name="矩形 231"/>
+          <p:cNvSpPr/>
+          <p:nvPr/>
+        </p:nvSpPr>
+        <p:spPr>
+          <a:xfrm>
+            <a:off x="2067970" y="1170142"/>
+            <a:ext cx="28165" cy="1357158"/>
+          </a:xfrm>
+          <a:prstGeom prst="rect">
+            <a:avLst/>
+          </a:prstGeom>
+          <a:ln>
+            <a:noFill/>
+          </a:ln>
+        </p:spPr>
+        <p:style>
+          <a:lnRef idx="2">
+            <a:schemeClr val="accent1">
+              <a:shade val="50000"/>
+            </a:schemeClr>
+          </a:lnRef>
+          <a:fillRef idx="1">
+            <a:schemeClr val="accent1"/>
+          </a:fillRef>
+          <a:effectRef idx="0">
+            <a:schemeClr val="accent1"/>
+          </a:effectRef>
+          <a:fontRef idx="minor">
+            <a:schemeClr val="lt1"/>
+          </a:fontRef>
+        </p:style>
+        <p:txBody>
+          <a:bodyPr rtlCol="0" anchor="ctr"/>
+          <a:p>
+            <a:pPr algn="ctr"/>
+            <a:endParaRPr lang="zh-CN" altLang="en-US"/>
+          </a:p>
+        </p:txBody>
+      </p:sp>
+      <p:sp>
+        <p:nvSpPr>
+          <p:cNvPr id="233" name="文本框 232"/>
+          <p:cNvSpPr txBox="1"/>
+          <p:nvPr/>
+        </p:nvSpPr>
+        <p:spPr>
+          <a:xfrm>
+            <a:off x="847725" y="1387475"/>
+            <a:ext cx="908685" cy="922020"/>
+          </a:xfrm>
+          <a:prstGeom prst="rect">
+            <a:avLst/>
+          </a:prstGeom>
+          <a:noFill/>
+        </p:spPr>
+        <p:txBody>
+          <a:bodyPr wrap="square" rtlCol="0">
+            <a:spAutoFit/>
+          </a:bodyPr>
+          <a:p>
+            <a:r>
+              <a:rPr lang="en-US" altLang="zh-CN"/>
+              <a:t>input feature map</a:t>
+            </a:r>
+            <a:endParaRPr lang="en-US" altLang="zh-CN"/>
+          </a:p>
+        </p:txBody>
+      </p:sp>
+      <p:sp>
+        <p:nvSpPr>
+          <p:cNvPr id="236" name="文本框 235"/>
+          <p:cNvSpPr txBox="1"/>
+          <p:nvPr/>
+        </p:nvSpPr>
+        <p:spPr>
+          <a:xfrm>
+            <a:off x="1964920" y="924999"/>
+            <a:ext cx="232364" cy="245110"/>
+          </a:xfrm>
+          <a:prstGeom prst="rect">
+            <a:avLst/>
+          </a:prstGeom>
+          <a:noFill/>
+        </p:spPr>
+        <p:txBody>
+          <a:bodyPr wrap="square" rtlCol="0">
+            <a:spAutoFit/>
+          </a:bodyPr>
+          <a:p>
+            <a:pPr algn="ctr"/>
+            <a:r>
+              <a:rPr lang="en-US" altLang="zh-CN" sz="1000"/>
+              <a:t>1</a:t>
+            </a:r>
+            <a:endParaRPr lang="en-US" altLang="zh-CN" sz="1000"/>
+          </a:p>
+        </p:txBody>
+      </p:sp>
+      <p:sp>
+        <p:nvSpPr>
+          <p:cNvPr id="237" name="矩形 236"/>
+          <p:cNvSpPr/>
+          <p:nvPr/>
+        </p:nvSpPr>
+        <p:spPr>
+          <a:xfrm>
+            <a:off x="3756944" y="4092215"/>
+            <a:ext cx="172800" cy="323850"/>
+          </a:xfrm>
+          <a:prstGeom prst="rect">
+            <a:avLst/>
+          </a:prstGeom>
+          <a:ln>
+            <a:noFill/>
+          </a:ln>
+        </p:spPr>
+        <p:style>
+          <a:lnRef idx="2">
+            <a:schemeClr val="accent1">
+              <a:shade val="50000"/>
+            </a:schemeClr>
+          </a:lnRef>
+          <a:fillRef idx="1">
+            <a:schemeClr val="accent1"/>
+          </a:fillRef>
+          <a:effectRef idx="0">
+            <a:schemeClr val="accent1"/>
+          </a:effectRef>
+          <a:fontRef idx="minor">
+            <a:schemeClr val="lt1"/>
+          </a:fontRef>
+        </p:style>
+        <p:txBody>
+          <a:bodyPr rtlCol="0" anchor="ctr"/>
+          <a:p>
+            <a:pPr algn="ctr"/>
+            <a:endParaRPr lang="zh-CN" altLang="en-US"/>
+          </a:p>
+        </p:txBody>
+      </p:sp>
+      <p:sp>
+        <p:nvSpPr>
+          <p:cNvPr id="238" name="矩形 237"/>
+          <p:cNvSpPr/>
+          <p:nvPr/>
+        </p:nvSpPr>
+        <p:spPr>
+          <a:xfrm>
+            <a:off x="3169569" y="4092215"/>
+            <a:ext cx="172800" cy="323850"/>
+          </a:xfrm>
+          <a:prstGeom prst="rect">
+            <a:avLst/>
+          </a:prstGeom>
+          <a:ln>
+            <a:noFill/>
+          </a:ln>
+        </p:spPr>
+        <p:style>
+          <a:lnRef idx="2">
+            <a:schemeClr val="accent1">
+              <a:shade val="50000"/>
+            </a:schemeClr>
+          </a:lnRef>
+          <a:fillRef idx="1">
+            <a:schemeClr val="accent1"/>
+          </a:fillRef>
+          <a:effectRef idx="0">
+            <a:schemeClr val="accent1"/>
+          </a:effectRef>
+          <a:fontRef idx="minor">
+            <a:schemeClr val="lt1"/>
+          </a:fontRef>
+        </p:style>
+        <p:txBody>
+          <a:bodyPr rtlCol="0" anchor="ctr"/>
+          <a:p>
+            <a:pPr algn="ctr"/>
+            <a:endParaRPr lang="zh-CN" altLang="en-US"/>
+          </a:p>
+        </p:txBody>
+      </p:sp>
+      <p:sp>
+        <p:nvSpPr>
+          <p:cNvPr id="239" name="文本框 238"/>
+          <p:cNvSpPr txBox="1"/>
+          <p:nvPr/>
+        </p:nvSpPr>
+        <p:spPr>
+          <a:xfrm rot="10800000">
+            <a:off x="1827212" y="1948106"/>
+            <a:ext cx="321310" cy="604954"/>
+          </a:xfrm>
+          <a:prstGeom prst="rect">
+            <a:avLst/>
+          </a:prstGeom>
+          <a:noFill/>
+        </p:spPr>
+        <p:txBody>
+          <a:bodyPr vert="eaVert" wrap="square" rtlCol="0">
+            <a:spAutoFit/>
+          </a:bodyPr>
+          <a:p>
+            <a:r>
+              <a:rPr lang="en-US" altLang="zh-CN" sz="900" dirty="0"/>
+              <a:t>256 x 256</a:t>
+            </a:r>
+            <a:endParaRPr lang="en-US" altLang="zh-CN" sz="900" dirty="0"/>
+          </a:p>
+        </p:txBody>
+      </p:sp>
+      <p:sp>
+        <p:nvSpPr>
+          <p:cNvPr id="240" name="文本框 239"/>
+          <p:cNvSpPr txBox="1"/>
+          <p:nvPr/>
+        </p:nvSpPr>
+        <p:spPr>
+          <a:xfrm>
+            <a:off x="2439670" y="2733675"/>
+            <a:ext cx="403225" cy="245279"/>
+          </a:xfrm>
+          <a:prstGeom prst="rect">
+            <a:avLst/>
+          </a:prstGeom>
+          <a:noFill/>
+        </p:spPr>
+        <p:txBody>
+          <a:bodyPr wrap="square" rtlCol="0">
+            <a:spAutoFit/>
+          </a:bodyPr>
+          <a:p>
+            <a:pPr algn="ctr"/>
+            <a:r>
+              <a:rPr lang="en-US" altLang="zh-CN" sz="1000"/>
+              <a:t>32</a:t>
+            </a:r>
+            <a:endParaRPr lang="en-US" altLang="zh-CN" sz="1000"/>
+          </a:p>
+        </p:txBody>
+      </p:sp>
+      <p:sp>
+        <p:nvSpPr>
+          <p:cNvPr id="242" name="文本框 241"/>
+          <p:cNvSpPr txBox="1"/>
+          <p:nvPr/>
+        </p:nvSpPr>
+        <p:spPr>
+          <a:xfrm>
+            <a:off x="4845050" y="1409065"/>
+            <a:ext cx="908685" cy="922020"/>
+          </a:xfrm>
+          <a:prstGeom prst="rect">
+            <a:avLst/>
+          </a:prstGeom>
+          <a:noFill/>
+        </p:spPr>
+        <p:txBody>
+          <a:bodyPr wrap="square" rtlCol="0">
+            <a:spAutoFit/>
+          </a:bodyPr>
+          <a:p>
+            <a:r>
+              <a:rPr lang="en-US" altLang="zh-CN"/>
+              <a:t>output feature map</a:t>
+            </a:r>
+            <a:endParaRPr lang="en-US" altLang="zh-CN"/>
+          </a:p>
+        </p:txBody>
+      </p:sp>
+      <p:sp>
+        <p:nvSpPr>
+          <p:cNvPr id="243" name="右箭头 242"/>
+          <p:cNvSpPr/>
+          <p:nvPr/>
+        </p:nvSpPr>
+        <p:spPr>
+          <a:xfrm>
+            <a:off x="4408350" y="1788160"/>
+            <a:ext cx="127000" cy="177800"/>
+          </a:xfrm>
+          <a:prstGeom prst="rightArrow">
+            <a:avLst>
+              <a:gd name="adj1" fmla="val 50000"/>
+              <a:gd name="adj2" fmla="val 42978"/>
+            </a:avLst>
+          </a:prstGeom>
+          <a:solidFill>
+            <a:schemeClr val="accent6"/>
+          </a:solidFill>
+          <a:ln>
+            <a:noFill/>
+          </a:ln>
+        </p:spPr>
+        <p:style>
+          <a:lnRef idx="2">
+            <a:schemeClr val="accent1">
+              <a:shade val="50000"/>
+            </a:schemeClr>
+          </a:lnRef>
+          <a:fillRef idx="1">
+            <a:schemeClr val="accent1"/>
+          </a:fillRef>
+          <a:effectRef idx="0">
+            <a:schemeClr val="accent1"/>
+          </a:effectRef>
+          <a:fontRef idx="minor">
+            <a:schemeClr val="lt1"/>
+          </a:fontRef>
+        </p:style>
+        <p:txBody>
+          <a:bodyPr rtlCol="0" anchor="ctr"/>
+          <a:p>
+            <a:pPr algn="ctr"/>
+            <a:endParaRPr lang="zh-CN" altLang="en-US"/>
           </a:p>
         </p:txBody>
       </p:sp>

--- a/pic/模型图.pptx
+++ b/pic/模型图.pptx
@@ -4,6 +4,9 @@
   <p:sldMasterIdLst>
     <p:sldMasterId id="2147483648" r:id="rId1"/>
   </p:sldMasterIdLst>
+  <p:notesMasterIdLst>
+    <p:notesMasterId r:id="rId14"/>
+  </p:notesMasterIdLst>
   <p:sldIdLst>
     <p:sldId id="258" r:id="rId3"/>
     <p:sldId id="259" r:id="rId4"/>
@@ -121,6 +124,397 @@
 <p:cmAuthorLst xmlns:a="http://schemas.openxmlformats.org/drawingml/2006/main" xmlns:r="http://schemas.openxmlformats.org/officeDocument/2006/relationships" xmlns:p="http://schemas.openxmlformats.org/presentationml/2006/main">
   <p:cmAuthor id="1" name="王树立" initials="王树立" lastIdx="2" clrIdx="0"/>
 </p:cmAuthorLst>
+</file>
+
+<file path=ppt/notesMasters/notesMaster1.xml><?xml version="1.0" encoding="utf-8"?>
+<p:notesMaster xmlns:a="http://schemas.openxmlformats.org/drawingml/2006/main" xmlns:r="http://schemas.openxmlformats.org/officeDocument/2006/relationships" xmlns:p="http://schemas.openxmlformats.org/presentationml/2006/main">
+  <p:cSld>
+    <p:bg>
+      <p:bgRef idx="1001">
+        <a:schemeClr val="bg1"/>
+      </p:bgRef>
+    </p:bg>
+    <p:spTree>
+      <p:nvGrpSpPr>
+        <p:cNvPr id="1" name=""/>
+        <p:cNvGrpSpPr/>
+        <p:nvPr/>
+      </p:nvGrpSpPr>
+      <p:grpSpPr>
+        <a:xfrm>
+          <a:off x="0" y="0"/>
+          <a:ext cx="0" cy="0"/>
+          <a:chOff x="0" y="0"/>
+          <a:chExt cx="0" cy="0"/>
+        </a:xfrm>
+      </p:grpSpPr>
+      <p:sp>
+        <p:nvSpPr>
+          <p:cNvPr id="2" name="页眉占位符 1"/>
+          <p:cNvSpPr>
+            <a:spLocks noGrp="1"/>
+          </p:cNvSpPr>
+          <p:nvPr>
+            <p:ph type="hdr" sz="quarter"/>
+          </p:nvPr>
+        </p:nvSpPr>
+        <p:spPr>
+          <a:xfrm>
+            <a:off x="0" y="0"/>
+            <a:ext cx="3078290" cy="513492"/>
+          </a:xfrm>
+          <a:prstGeom prst="rect">
+            <a:avLst/>
+          </a:prstGeom>
+        </p:spPr>
+        <p:txBody>
+          <a:bodyPr vert="horz" lIns="91440" tIns="45720" rIns="91440" bIns="45720" rtlCol="0"/>
+          <a:lstStyle>
+            <a:lvl1pPr algn="l">
+              <a:defRPr sz="1200"/>
+            </a:lvl1pPr>
+          </a:lstStyle>
+          <a:p>
+            <a:endParaRPr lang="zh-CN" altLang="en-US"/>
+          </a:p>
+        </p:txBody>
+      </p:sp>
+      <p:sp>
+        <p:nvSpPr>
+          <p:cNvPr id="3" name="日期占位符 2"/>
+          <p:cNvSpPr>
+            <a:spLocks noGrp="1"/>
+          </p:cNvSpPr>
+          <p:nvPr>
+            <p:ph type="dt" idx="1"/>
+          </p:nvPr>
+        </p:nvSpPr>
+        <p:spPr>
+          <a:xfrm>
+            <a:off x="4023812" y="0"/>
+            <a:ext cx="3078290" cy="513492"/>
+          </a:xfrm>
+          <a:prstGeom prst="rect">
+            <a:avLst/>
+          </a:prstGeom>
+        </p:spPr>
+        <p:txBody>
+          <a:bodyPr vert="horz" lIns="91440" tIns="45720" rIns="91440" bIns="45720" rtlCol="0"/>
+          <a:lstStyle>
+            <a:lvl1pPr algn="r">
+              <a:defRPr sz="1200"/>
+            </a:lvl1pPr>
+          </a:lstStyle>
+          <a:p>
+            <a:fld id="{D2A48B96-639E-45A3-A0BA-2464DFDB1FAA}" type="datetimeFigureOut">
+              <a:rPr lang="zh-CN" altLang="en-US" smtClean="0"/>
+            </a:fld>
+            <a:endParaRPr lang="zh-CN" altLang="en-US"/>
+          </a:p>
+        </p:txBody>
+      </p:sp>
+      <p:sp>
+        <p:nvSpPr>
+          <p:cNvPr id="4" name="幻灯片图像占位符 3"/>
+          <p:cNvSpPr>
+            <a:spLocks noGrp="1" noRot="1" noChangeAspect="1"/>
+          </p:cNvSpPr>
+          <p:nvPr>
+            <p:ph type="sldImg" idx="2"/>
+          </p:nvPr>
+        </p:nvSpPr>
+        <p:spPr>
+          <a:xfrm>
+            <a:off x="481584" y="1279287"/>
+            <a:ext cx="6140577" cy="3454075"/>
+          </a:xfrm>
+          <a:prstGeom prst="rect">
+            <a:avLst/>
+          </a:prstGeom>
+          <a:noFill/>
+          <a:ln w="12700">
+            <a:solidFill>
+              <a:prstClr val="black"/>
+            </a:solidFill>
+          </a:ln>
+        </p:spPr>
+        <p:txBody>
+          <a:bodyPr vert="horz" lIns="91440" tIns="45720" rIns="91440" bIns="45720" rtlCol="0" anchor="ctr"/>
+          <a:lstStyle/>
+          <a:p>
+            <a:endParaRPr lang="zh-CN" altLang="en-US"/>
+          </a:p>
+        </p:txBody>
+      </p:sp>
+      <p:sp>
+        <p:nvSpPr>
+          <p:cNvPr id="5" name="备注占位符 4"/>
+          <p:cNvSpPr>
+            <a:spLocks noGrp="1"/>
+          </p:cNvSpPr>
+          <p:nvPr>
+            <p:ph type="body" sz="quarter" idx="3"/>
+          </p:nvPr>
+        </p:nvSpPr>
+        <p:spPr>
+          <a:xfrm>
+            <a:off x="710375" y="4925254"/>
+            <a:ext cx="5682996" cy="4029754"/>
+          </a:xfrm>
+          <a:prstGeom prst="rect">
+            <a:avLst/>
+          </a:prstGeom>
+        </p:spPr>
+        <p:txBody>
+          <a:bodyPr vert="horz" lIns="91440" tIns="45720" rIns="91440" bIns="45720" rtlCol="0"/>
+          <a:lstStyle/>
+          <a:p>
+            <a:pPr lvl="0"/>
+            <a:r>
+              <a:rPr lang="zh-CN" altLang="en-US" smtClean="0"/>
+              <a:t>单击此处编辑母版文本样式</a:t>
+            </a:r>
+            <a:endParaRPr lang="zh-CN" altLang="en-US" smtClean="0"/>
+          </a:p>
+          <a:p>
+            <a:pPr lvl="1"/>
+            <a:r>
+              <a:rPr lang="zh-CN" altLang="en-US" smtClean="0"/>
+              <a:t>第二级</a:t>
+            </a:r>
+            <a:endParaRPr lang="zh-CN" altLang="en-US" smtClean="0"/>
+          </a:p>
+          <a:p>
+            <a:pPr lvl="2"/>
+            <a:r>
+              <a:rPr lang="zh-CN" altLang="en-US" smtClean="0"/>
+              <a:t>第三级</a:t>
+            </a:r>
+            <a:endParaRPr lang="zh-CN" altLang="en-US" smtClean="0"/>
+          </a:p>
+          <a:p>
+            <a:pPr lvl="3"/>
+            <a:r>
+              <a:rPr lang="zh-CN" altLang="en-US" smtClean="0"/>
+              <a:t>第四级</a:t>
+            </a:r>
+            <a:endParaRPr lang="zh-CN" altLang="en-US" smtClean="0"/>
+          </a:p>
+          <a:p>
+            <a:pPr lvl="4"/>
+            <a:r>
+              <a:rPr lang="zh-CN" altLang="en-US" smtClean="0"/>
+              <a:t>第五级</a:t>
+            </a:r>
+            <a:endParaRPr lang="zh-CN" altLang="en-US"/>
+          </a:p>
+        </p:txBody>
+      </p:sp>
+      <p:sp>
+        <p:nvSpPr>
+          <p:cNvPr id="6" name="页脚占位符 5"/>
+          <p:cNvSpPr>
+            <a:spLocks noGrp="1"/>
+          </p:cNvSpPr>
+          <p:nvPr>
+            <p:ph type="ftr" sz="quarter" idx="4"/>
+          </p:nvPr>
+        </p:nvSpPr>
+        <p:spPr>
+          <a:xfrm>
+            <a:off x="0" y="9720804"/>
+            <a:ext cx="3078290" cy="513491"/>
+          </a:xfrm>
+          <a:prstGeom prst="rect">
+            <a:avLst/>
+          </a:prstGeom>
+        </p:spPr>
+        <p:txBody>
+          <a:bodyPr vert="horz" lIns="91440" tIns="45720" rIns="91440" bIns="45720" rtlCol="0" anchor="b"/>
+          <a:lstStyle>
+            <a:lvl1pPr algn="l">
+              <a:defRPr sz="1200"/>
+            </a:lvl1pPr>
+          </a:lstStyle>
+          <a:p>
+            <a:endParaRPr lang="zh-CN" altLang="en-US"/>
+          </a:p>
+        </p:txBody>
+      </p:sp>
+      <p:sp>
+        <p:nvSpPr>
+          <p:cNvPr id="7" name="灯片编号占位符 6"/>
+          <p:cNvSpPr>
+            <a:spLocks noGrp="1"/>
+          </p:cNvSpPr>
+          <p:nvPr>
+            <p:ph type="sldNum" sz="quarter" idx="5"/>
+          </p:nvPr>
+        </p:nvSpPr>
+        <p:spPr>
+          <a:xfrm>
+            <a:off x="4023812" y="9720804"/>
+            <a:ext cx="3078290" cy="513491"/>
+          </a:xfrm>
+          <a:prstGeom prst="rect">
+            <a:avLst/>
+          </a:prstGeom>
+        </p:spPr>
+        <p:txBody>
+          <a:bodyPr vert="horz" lIns="91440" tIns="45720" rIns="91440" bIns="45720" rtlCol="0" anchor="b"/>
+          <a:lstStyle>
+            <a:lvl1pPr algn="r">
+              <a:defRPr sz="1200"/>
+            </a:lvl1pPr>
+          </a:lstStyle>
+          <a:p>
+            <a:fld id="{A6837353-30EB-4A48-80EB-173D804AEFBD}" type="slidenum">
+              <a:rPr lang="zh-CN" altLang="en-US" smtClean="0"/>
+            </a:fld>
+            <a:endParaRPr lang="zh-CN" altLang="en-US"/>
+          </a:p>
+        </p:txBody>
+      </p:sp>
+    </p:spTree>
+  </p:cSld>
+  <p:clrMap bg1="lt1" tx1="dk1" bg2="lt2" tx2="dk2" accent1="accent1" accent2="accent2" accent3="accent3" accent4="accent4" accent5="accent5" accent6="accent6" hlink="hlink" folHlink="folHlink"/>
+  <p:notesStyle>
+    <a:lvl1pPr marL="0" algn="l" defTabSz="914400" rtl="0" eaLnBrk="1" latinLnBrk="0" hangingPunct="1">
+      <a:defRPr sz="1200" kern="1200">
+        <a:solidFill>
+          <a:schemeClr val="tx1"/>
+        </a:solidFill>
+        <a:latin typeface="+mn-lt"/>
+        <a:ea typeface="+mn-ea"/>
+        <a:cs typeface="+mn-cs"/>
+      </a:defRPr>
+    </a:lvl1pPr>
+    <a:lvl2pPr marL="457200" algn="l" defTabSz="914400" rtl="0" eaLnBrk="1" latinLnBrk="0" hangingPunct="1">
+      <a:defRPr sz="1200" kern="1200">
+        <a:solidFill>
+          <a:schemeClr val="tx1"/>
+        </a:solidFill>
+        <a:latin typeface="+mn-lt"/>
+        <a:ea typeface="+mn-ea"/>
+        <a:cs typeface="+mn-cs"/>
+      </a:defRPr>
+    </a:lvl2pPr>
+    <a:lvl3pPr marL="914400" algn="l" defTabSz="914400" rtl="0" eaLnBrk="1" latinLnBrk="0" hangingPunct="1">
+      <a:defRPr sz="1200" kern="1200">
+        <a:solidFill>
+          <a:schemeClr val="tx1"/>
+        </a:solidFill>
+        <a:latin typeface="+mn-lt"/>
+        <a:ea typeface="+mn-ea"/>
+        <a:cs typeface="+mn-cs"/>
+      </a:defRPr>
+    </a:lvl3pPr>
+    <a:lvl4pPr marL="1371600" algn="l" defTabSz="914400" rtl="0" eaLnBrk="1" latinLnBrk="0" hangingPunct="1">
+      <a:defRPr sz="1200" kern="1200">
+        <a:solidFill>
+          <a:schemeClr val="tx1"/>
+        </a:solidFill>
+        <a:latin typeface="+mn-lt"/>
+        <a:ea typeface="+mn-ea"/>
+        <a:cs typeface="+mn-cs"/>
+      </a:defRPr>
+    </a:lvl4pPr>
+    <a:lvl5pPr marL="1828800" algn="l" defTabSz="914400" rtl="0" eaLnBrk="1" latinLnBrk="0" hangingPunct="1">
+      <a:defRPr sz="1200" kern="1200">
+        <a:solidFill>
+          <a:schemeClr val="tx1"/>
+        </a:solidFill>
+        <a:latin typeface="+mn-lt"/>
+        <a:ea typeface="+mn-ea"/>
+        <a:cs typeface="+mn-cs"/>
+      </a:defRPr>
+    </a:lvl5pPr>
+    <a:lvl6pPr marL="2286000" algn="l" defTabSz="914400" rtl="0" eaLnBrk="1" latinLnBrk="0" hangingPunct="1">
+      <a:defRPr sz="1200" kern="1200">
+        <a:solidFill>
+          <a:schemeClr val="tx1"/>
+        </a:solidFill>
+        <a:latin typeface="+mn-lt"/>
+        <a:ea typeface="+mn-ea"/>
+        <a:cs typeface="+mn-cs"/>
+      </a:defRPr>
+    </a:lvl6pPr>
+    <a:lvl7pPr marL="2743200" algn="l" defTabSz="914400" rtl="0" eaLnBrk="1" latinLnBrk="0" hangingPunct="1">
+      <a:defRPr sz="1200" kern="1200">
+        <a:solidFill>
+          <a:schemeClr val="tx1"/>
+        </a:solidFill>
+        <a:latin typeface="+mn-lt"/>
+        <a:ea typeface="+mn-ea"/>
+        <a:cs typeface="+mn-cs"/>
+      </a:defRPr>
+    </a:lvl7pPr>
+    <a:lvl8pPr marL="3200400" algn="l" defTabSz="914400" rtl="0" eaLnBrk="1" latinLnBrk="0" hangingPunct="1">
+      <a:defRPr sz="1200" kern="1200">
+        <a:solidFill>
+          <a:schemeClr val="tx1"/>
+        </a:solidFill>
+        <a:latin typeface="+mn-lt"/>
+        <a:ea typeface="+mn-ea"/>
+        <a:cs typeface="+mn-cs"/>
+      </a:defRPr>
+    </a:lvl8pPr>
+    <a:lvl9pPr marL="3657600" algn="l" defTabSz="914400" rtl="0" eaLnBrk="1" latinLnBrk="0" hangingPunct="1">
+      <a:defRPr sz="1200" kern="1200">
+        <a:solidFill>
+          <a:schemeClr val="tx1"/>
+        </a:solidFill>
+        <a:latin typeface="+mn-lt"/>
+        <a:ea typeface="+mn-ea"/>
+        <a:cs typeface="+mn-cs"/>
+      </a:defRPr>
+    </a:lvl9pPr>
+  </p:notesStyle>
+</p:notesMaster>
+</file>
+
+<file path=ppt/notesSlides/notesSlide1.xml><?xml version="1.0" encoding="utf-8"?>
+<p:notes xmlns:a="http://schemas.openxmlformats.org/drawingml/2006/main" xmlns:r="http://schemas.openxmlformats.org/officeDocument/2006/relationships" xmlns:p="http://schemas.openxmlformats.org/presentationml/2006/main">
+  <p:cSld>
+    <p:spTree>
+      <p:nvGrpSpPr>
+        <p:cNvPr id="1" name=""/>
+        <p:cNvGrpSpPr/>
+        <p:nvPr/>
+      </p:nvGrpSpPr>
+      <p:grpSpPr/>
+      <p:sp>
+        <p:nvSpPr>
+          <p:cNvPr id="2" name="幻灯片图像占位符 1"/>
+          <p:cNvSpPr/>
+          <p:nvPr>
+            <p:ph type="sldImg" idx="2"/>
+          </p:nvPr>
+        </p:nvSpPr>
+        <p:spPr/>
+      </p:sp>
+      <p:sp>
+        <p:nvSpPr>
+          <p:cNvPr id="3" name="文本占位符 2"/>
+          <p:cNvSpPr/>
+          <p:nvPr>
+            <p:ph type="body" idx="3"/>
+          </p:nvPr>
+        </p:nvSpPr>
+        <p:spPr/>
+        <p:txBody>
+          <a:bodyPr/>
+          <a:p>
+            <a:endParaRPr lang="zh-CN" altLang="en-US"/>
+          </a:p>
+        </p:txBody>
+      </p:sp>
+    </p:spTree>
+  </p:cSld>
+  <p:clrMapOvr>
+    <a:masterClrMapping/>
+  </p:clrMapOvr>
+</p:notes>
 </file>
 
 <file path=ppt/slideLayouts/slideLayout1.xml><?xml version="1.0" encoding="utf-8"?>
@@ -8640,7 +9034,7 @@
         </p:nvSpPr>
         <p:spPr>
           <a:xfrm>
-            <a:off x="3284855" y="506730"/>
+            <a:off x="9041130" y="304165"/>
             <a:ext cx="2001520" cy="368300"/>
           </a:xfrm>
           <a:prstGeom prst="rect">
@@ -8655,18 +9049,10 @@
           <a:p>
             <a:pPr algn="ctr"/>
             <a:r>
-              <a:rPr lang="en-US" altLang="zh-CN"/>
-              <a:t>c</a:t>
+              <a:rPr lang="zh-CN" altLang="en-US"/>
+              <a:t>个卷积核</a:t>
             </a:r>
-            <a:r>
-              <a:rPr lang="en-US" altLang="zh-CN" baseline="-25000"/>
-              <a:t>o</a:t>
-            </a:r>
-            <a:r>
-              <a:rPr lang="en-US" altLang="zh-CN"/>
-              <a:t> filters</a:t>
-            </a:r>
-            <a:endParaRPr lang="en-US" altLang="zh-CN"/>
+            <a:endParaRPr lang="zh-CN" altLang="en-US"/>
           </a:p>
         </p:txBody>
       </p:sp>
@@ -9313,7 +9699,7 @@
         </p:nvSpPr>
         <p:spPr>
           <a:xfrm>
-            <a:off x="3361690" y="3295650"/>
+            <a:off x="9041130" y="3244850"/>
             <a:ext cx="2517775" cy="368300"/>
           </a:xfrm>
           <a:prstGeom prst="rect">
@@ -9328,16 +9714,16 @@
           <a:p>
             <a:pPr algn="ctr"/>
             <a:r>
-              <a:rPr lang="en-US" altLang="zh-CN"/>
-              <a:t>c</a:t>
-            </a:r>
-            <a:r>
-              <a:rPr lang="en-US" altLang="zh-CN" baseline="-25000"/>
-              <a:t>o</a:t>
+              <a:rPr lang="zh-CN" altLang="en-US"/>
+              <a:t>个卷积核分为</a:t>
             </a:r>
             <a:r>
               <a:rPr lang="en-US" altLang="zh-CN"/>
-              <a:t> filters with 2 groups</a:t>
+              <a:t>2</a:t>
+            </a:r>
+            <a:r>
+              <a:rPr lang="zh-CN" altLang="en-US"/>
+              <a:t>组</a:t>
             </a:r>
             <a:endParaRPr lang="en-US" altLang="zh-CN"/>
           </a:p>
@@ -9700,6 +10086,94 @@
           </a:p>
         </p:txBody>
       </p:sp>
+      <p:sp>
+        <p:nvSpPr>
+          <p:cNvPr id="2" name="文本框 1"/>
+          <p:cNvSpPr txBox="1"/>
+          <p:nvPr/>
+        </p:nvSpPr>
+        <p:spPr>
+          <a:xfrm>
+            <a:off x="4058285" y="544830"/>
+            <a:ext cx="454025" cy="368300"/>
+          </a:xfrm>
+          <a:prstGeom prst="rect">
+            <a:avLst/>
+          </a:prstGeom>
+          <a:noFill/>
+        </p:spPr>
+        <p:txBody>
+          <a:bodyPr wrap="none" rtlCol="0">
+            <a:spAutoFit/>
+          </a:bodyPr>
+          <a:p>
+            <a:pPr algn="l"/>
+            <a:r>
+              <a:rPr lang="en-US" altLang="zh-CN">
+                <a:sym typeface="+mn-ea"/>
+              </a:rPr>
+              <a:t>c</a:t>
+            </a:r>
+            <a:r>
+              <a:rPr lang="en-US" altLang="zh-CN" baseline="-25000">
+                <a:sym typeface="+mn-ea"/>
+              </a:rPr>
+              <a:t>o</a:t>
+            </a:r>
+            <a:r>
+              <a:rPr lang="en-US" altLang="zh-CN">
+                <a:sym typeface="+mn-ea"/>
+              </a:rPr>
+              <a:t> </a:t>
+            </a:r>
+            <a:endParaRPr lang="zh-CN" altLang="en-US"/>
+          </a:p>
+        </p:txBody>
+      </p:sp>
+      <p:sp>
+        <p:nvSpPr>
+          <p:cNvPr id="5" name="文本框 4"/>
+          <p:cNvSpPr txBox="1"/>
+          <p:nvPr/>
+        </p:nvSpPr>
+        <p:spPr>
+          <a:xfrm>
+            <a:off x="4058285" y="3364230"/>
+            <a:ext cx="454025" cy="368300"/>
+          </a:xfrm>
+          <a:prstGeom prst="rect">
+            <a:avLst/>
+          </a:prstGeom>
+          <a:noFill/>
+        </p:spPr>
+        <p:txBody>
+          <a:bodyPr wrap="none" rtlCol="0">
+            <a:spAutoFit/>
+          </a:bodyPr>
+          <a:p>
+            <a:pPr algn="l"/>
+            <a:r>
+              <a:rPr lang="en-US" altLang="zh-CN">
+                <a:sym typeface="+mn-ea"/>
+              </a:rPr>
+              <a:t>c</a:t>
+            </a:r>
+            <a:r>
+              <a:rPr lang="en-US" altLang="zh-CN" baseline="-25000">
+                <a:sym typeface="+mn-ea"/>
+              </a:rPr>
+              <a:t>o</a:t>
+            </a:r>
+            <a:r>
+              <a:rPr lang="en-US" altLang="zh-CN">
+                <a:sym typeface="+mn-ea"/>
+              </a:rPr>
+              <a:t> </a:t>
+            </a:r>
+            <a:endParaRPr lang="en-US" altLang="zh-CN"/>
+          </a:p>
+        </p:txBody>
+      </p:sp>
     </p:spTree>
   </p:cSld>
   <p:clrMapOvr>
@@ -9898,9 +10372,9 @@
         <p:grpSpPr>
           <a:xfrm>
             <a:off x="2844165" y="2138680"/>
-            <a:ext cx="2268220" cy="923290"/>
+            <a:ext cx="2268855" cy="923290"/>
             <a:chOff x="4415" y="3152"/>
-            <a:chExt cx="3572" cy="1454"/>
+            <a:chExt cx="3573" cy="1454"/>
           </a:xfrm>
         </p:grpSpPr>
         <p:sp>
@@ -9971,18 +10445,18 @@
             <a:p>
               <a:pPr algn="ctr"/>
               <a:r>
-                <a:rPr lang="en-US" altLang="zh-CN"/>
-                <a:t>Spectral </a:t>
+                <a:rPr lang="zh-CN" altLang="en-US"/>
+                <a:t>光谱特征提取</a:t>
               </a:r>
-              <a:endParaRPr lang="en-US" altLang="zh-CN"/>
+              <a:endParaRPr lang="zh-CN" altLang="en-US"/>
             </a:p>
             <a:p>
               <a:pPr algn="ctr"/>
               <a:r>
-                <a:rPr lang="en-US" altLang="zh-CN"/>
-                <a:t>extraction</a:t>
+                <a:rPr lang="zh-CN" altLang="en-US"/>
+                <a:t>阶段</a:t>
               </a:r>
-              <a:endParaRPr lang="en-US" altLang="zh-CN"/>
+              <a:endParaRPr lang="zh-CN" altLang="en-US"/>
             </a:p>
           </p:txBody>
         </p:sp>
@@ -10069,18 +10543,18 @@
             <a:p>
               <a:pPr algn="ctr"/>
               <a:r>
-                <a:rPr lang="en-US" altLang="zh-CN"/>
-                <a:t>Spatial</a:t>
+                <a:rPr lang="zh-CN" altLang="en-US"/>
+                <a:t>空间特征提取</a:t>
               </a:r>
-              <a:endParaRPr lang="en-US" altLang="zh-CN"/>
+              <a:endParaRPr lang="zh-CN" altLang="en-US"/>
             </a:p>
             <a:p>
               <a:pPr algn="ctr"/>
               <a:r>
-                <a:rPr lang="en-US" altLang="zh-CN"/>
-                <a:t>extraction</a:t>
+                <a:rPr lang="zh-CN" altLang="en-US"/>
+                <a:t>阶段</a:t>
               </a:r>
-              <a:endParaRPr lang="en-US" altLang="zh-CN"/>
+              <a:endParaRPr lang="zh-CN" altLang="en-US"/>
             </a:p>
           </p:txBody>
         </p:sp>
@@ -10248,8 +10722,8 @@
           </p:nvSpPr>
           <p:spPr>
             <a:xfrm>
-              <a:off x="4415" y="3338"/>
-              <a:ext cx="3573" cy="1016"/>
+              <a:off x="4415" y="3556"/>
+              <a:ext cx="3573" cy="580"/>
             </a:xfrm>
             <a:prstGeom prst="rect">
               <a:avLst/>
@@ -10263,18 +10737,10 @@
             <a:p>
               <a:pPr algn="ctr"/>
               <a:r>
-                <a:rPr lang="en-US" altLang="zh-CN"/>
-                <a:t>Auxiliary  classify </a:t>
+                <a:rPr lang="zh-CN" altLang="en-US"/>
+                <a:t>辅助损失</a:t>
               </a:r>
-              <a:endParaRPr lang="en-US" altLang="zh-CN"/>
-            </a:p>
-            <a:p>
-              <a:pPr algn="ctr"/>
-              <a:r>
-                <a:rPr lang="en-US" altLang="zh-CN"/>
-                <a:t>ans loss</a:t>
-              </a:r>
-              <a:endParaRPr lang="en-US" altLang="zh-CN"/>
+              <a:endParaRPr lang="zh-CN" altLang="en-US"/>
             </a:p>
           </p:txBody>
         </p:sp>
@@ -10346,8 +10812,8 @@
           </p:nvSpPr>
           <p:spPr>
             <a:xfrm>
-              <a:off x="4415" y="3338"/>
-              <a:ext cx="3573" cy="1016"/>
+              <a:off x="4415" y="3574"/>
+              <a:ext cx="3573" cy="580"/>
             </a:xfrm>
             <a:prstGeom prst="rect">
               <a:avLst/>
@@ -10361,18 +10827,10 @@
             <a:p>
               <a:pPr algn="ctr"/>
               <a:r>
-                <a:rPr lang="en-US" altLang="zh-CN"/>
-                <a:t>Final classify </a:t>
+                <a:rPr lang="zh-CN" altLang="en-US"/>
+                <a:t>主损失</a:t>
               </a:r>
-              <a:endParaRPr lang="en-US" altLang="zh-CN"/>
-            </a:p>
-            <a:p>
-              <a:pPr algn="ctr"/>
-              <a:r>
-                <a:rPr lang="en-US" altLang="zh-CN"/>
-                <a:t>ans loss</a:t>
-              </a:r>
-              <a:endParaRPr lang="en-US" altLang="zh-CN"/>
+              <a:endParaRPr lang="zh-CN" altLang="en-US"/>
             </a:p>
           </p:txBody>
         </p:sp>
@@ -10433,7 +10891,7 @@
         </p:nvSpPr>
         <p:spPr>
           <a:xfrm>
-            <a:off x="516255" y="3600450"/>
+            <a:off x="488315" y="3592195"/>
             <a:ext cx="1604010" cy="368300"/>
           </a:xfrm>
           <a:prstGeom prst="rect">
@@ -10446,11 +10904,70 @@
             <a:spAutoFit/>
           </a:bodyPr>
           <a:p>
+            <a:pPr algn="ctr"/>
             <a:r>
-              <a:rPr lang="en-US" altLang="zh-CN"/>
-              <a:t>Input image</a:t>
+              <a:rPr lang="zh-CN" altLang="en-US"/>
+              <a:t>遥感图像</a:t>
             </a:r>
-            <a:endParaRPr lang="en-US" altLang="zh-CN"/>
+            <a:endParaRPr lang="zh-CN" altLang="en-US"/>
+          </a:p>
+        </p:txBody>
+      </p:sp>
+      <p:sp>
+        <p:nvSpPr>
+          <p:cNvPr id="4" name="文本框 3"/>
+          <p:cNvSpPr txBox="1"/>
+          <p:nvPr/>
+        </p:nvSpPr>
+        <p:spPr>
+          <a:xfrm>
+            <a:off x="5069840" y="2142490"/>
+            <a:ext cx="737870" cy="368300"/>
+          </a:xfrm>
+          <a:prstGeom prst="rect">
+            <a:avLst/>
+          </a:prstGeom>
+          <a:noFill/>
+        </p:spPr>
+        <p:txBody>
+          <a:bodyPr wrap="square" rtlCol="0">
+            <a:spAutoFit/>
+          </a:bodyPr>
+          <a:p>
+            <a:r>
+              <a:rPr lang="zh-CN" altLang="en-US"/>
+              <a:t>分类</a:t>
+            </a:r>
+            <a:endParaRPr lang="zh-CN" altLang="en-US"/>
+          </a:p>
+        </p:txBody>
+      </p:sp>
+      <p:sp>
+        <p:nvSpPr>
+          <p:cNvPr id="18" name="文本框 17"/>
+          <p:cNvSpPr txBox="1"/>
+          <p:nvPr/>
+        </p:nvSpPr>
+        <p:spPr>
+          <a:xfrm>
+            <a:off x="5070475" y="3584575"/>
+            <a:ext cx="737870" cy="368300"/>
+          </a:xfrm>
+          <a:prstGeom prst="rect">
+            <a:avLst/>
+          </a:prstGeom>
+          <a:noFill/>
+        </p:spPr>
+        <p:txBody>
+          <a:bodyPr wrap="square" rtlCol="0">
+            <a:spAutoFit/>
+          </a:bodyPr>
+          <a:p>
+            <a:r>
+              <a:rPr lang="zh-CN" altLang="en-US"/>
+              <a:t>分类</a:t>
+            </a:r>
+            <a:endParaRPr lang="zh-CN" altLang="en-US"/>
           </a:p>
         </p:txBody>
       </p:sp>
@@ -10635,8 +11152,8 @@
         </p:nvSpPr>
         <p:spPr>
           <a:xfrm>
-            <a:off x="4480041" y="2456179"/>
-            <a:ext cx="3291607" cy="338554"/>
+            <a:off x="5553191" y="2466339"/>
+            <a:ext cx="1198880" cy="337185"/>
           </a:xfrm>
           <a:prstGeom prst="rect">
             <a:avLst/>
@@ -10649,36 +11166,22 @@
           <a:lstStyle/>
           <a:p>
             <a:r>
-              <a:rPr lang="en-GB" altLang="zh-CN" sz="1600" dirty="0">
+              <a:rPr lang="zh-CN" altLang="en-GB" sz="1600" dirty="0">
                 <a:solidFill>
                   <a:srgbClr val="000000"/>
                 </a:solidFill>
                 <a:latin typeface="Microsoft YaHei" panose="020B0503020204020204" pitchFamily="34" charset="-122"/>
                 <a:ea typeface="Microsoft YaHei" panose="020B0503020204020204" pitchFamily="34" charset="-122"/>
               </a:rPr>
-              <a:t>High-dimensional feature</a:t>
+              <a:t>高纬特征图</a:t>
             </a:r>
-            <a:r>
-              <a:rPr lang="zh-CN" altLang="en-US" sz="1600" dirty="0">
-                <a:solidFill>
-                  <a:srgbClr val="000000"/>
-                </a:solidFill>
-                <a:latin typeface="Microsoft YaHei" panose="020B0503020204020204" pitchFamily="34" charset="-122"/>
-                <a:ea typeface="Microsoft YaHei" panose="020B0503020204020204" pitchFamily="34" charset="-122"/>
-              </a:rPr>
-              <a:t> </a:t>
-            </a:r>
-            <a:r>
-              <a:rPr lang="en-US" altLang="zh-CN" sz="1600" dirty="0">
-                <a:solidFill>
-                  <a:srgbClr val="000000"/>
-                </a:solidFill>
-                <a:latin typeface="Microsoft YaHei" panose="020B0503020204020204" pitchFamily="34" charset="-122"/>
-                <a:ea typeface="Microsoft YaHei" panose="020B0503020204020204" pitchFamily="34" charset="-122"/>
-              </a:rPr>
-              <a:t>maps</a:t>
-            </a:r>
-            <a:endParaRPr lang="zh-CN" altLang="en-US" sz="1600" dirty="0"/>
+            <a:endParaRPr lang="zh-CN" altLang="en-GB" sz="1600" dirty="0">
+              <a:solidFill>
+                <a:srgbClr val="000000"/>
+              </a:solidFill>
+              <a:latin typeface="Microsoft YaHei" panose="020B0503020204020204" pitchFamily="34" charset="-122"/>
+              <a:ea typeface="Microsoft YaHei" panose="020B0503020204020204" pitchFamily="34" charset="-122"/>
+            </a:endParaRPr>
           </a:p>
         </p:txBody>
       </p:sp>
@@ -10690,8 +11193,8 @@
         </p:nvSpPr>
         <p:spPr>
           <a:xfrm>
-            <a:off x="4480041" y="2421013"/>
-            <a:ext cx="3269664" cy="427355"/>
+            <a:off x="5552440" y="2421255"/>
+            <a:ext cx="1201420" cy="427355"/>
           </a:xfrm>
           <a:prstGeom prst="rect">
             <a:avLst/>
@@ -10860,10 +11363,10 @@
         </p:nvGrpSpPr>
         <p:grpSpPr>
           <a:xfrm>
-            <a:off x="5379720" y="5085715"/>
-            <a:ext cx="3418840" cy="426720"/>
-            <a:chOff x="8472" y="7942"/>
-            <a:chExt cx="5384" cy="672"/>
+            <a:off x="5861050" y="5085715"/>
+            <a:ext cx="2214880" cy="427355"/>
+            <a:chOff x="9230" y="7942"/>
+            <a:chExt cx="3488" cy="673"/>
           </a:xfrm>
         </p:grpSpPr>
         <p:sp>
@@ -10874,8 +11377,8 @@
           </p:nvSpPr>
           <p:spPr>
             <a:xfrm>
-              <a:off x="8516" y="7997"/>
-              <a:ext cx="5341" cy="531"/>
+              <a:off x="9230" y="7997"/>
+              <a:ext cx="3488" cy="531"/>
             </a:xfrm>
             <a:prstGeom prst="rect">
               <a:avLst/>
@@ -10886,9 +11389,9 @@
               <a:spAutoFit/>
             </a:bodyPr>
             <a:p>
-              <a:pPr algn="l"/>
+              <a:pPr algn="ctr"/>
               <a:r>
-                <a:rPr lang="en-US" altLang="en-GB" sz="1600" dirty="0">
+                <a:rPr lang="zh-CN" altLang="en-US" sz="1600" dirty="0">
                   <a:solidFill>
                     <a:srgbClr val="000000"/>
                   </a:solidFill>
@@ -10896,24 +11399,15 @@
                   <a:ea typeface="Microsoft YaHei" panose="020B0503020204020204" pitchFamily="34" charset="-122"/>
                   <a:sym typeface="+mn-ea"/>
                 </a:rPr>
-                <a:t>Stage2:</a:t>
+                <a:t>阶段二：空间特征提取</a:t>
               </a:r>
-              <a:r>
-                <a:rPr lang="en-US" altLang="en-GB" sz="1600" dirty="0">
-                  <a:solidFill>
-                    <a:srgbClr val="000000"/>
-                  </a:solidFill>
-                  <a:latin typeface="Microsoft YaHei" panose="020B0503020204020204" pitchFamily="34" charset="-122"/>
-                  <a:ea typeface="Microsoft YaHei" panose="020B0503020204020204" pitchFamily="34" charset="-122"/>
-                </a:rPr>
-                <a:t>spatial feature extraction </a:t>
-              </a:r>
-              <a:endParaRPr lang="en-US" altLang="en-GB" sz="1600" dirty="0">
+              <a:endParaRPr lang="zh-CN" altLang="en-US" sz="1600" dirty="0">
                 <a:solidFill>
                   <a:srgbClr val="000000"/>
                 </a:solidFill>
                 <a:latin typeface="Microsoft YaHei" panose="020B0503020204020204" pitchFamily="34" charset="-122"/>
                 <a:ea typeface="Microsoft YaHei" panose="020B0503020204020204" pitchFamily="34" charset="-122"/>
+                <a:sym typeface="+mn-ea"/>
               </a:endParaRPr>
             </a:p>
           </p:txBody>
@@ -10926,8 +11420,8 @@
           </p:nvSpPr>
           <p:spPr>
             <a:xfrm>
-              <a:off x="8472" y="7942"/>
-              <a:ext cx="5342" cy="673"/>
+              <a:off x="9230" y="7942"/>
+              <a:ext cx="3488" cy="673"/>
             </a:xfrm>
             <a:prstGeom prst="rect">
               <a:avLst/>
@@ -11200,10 +11694,10 @@
         </p:nvGrpSpPr>
         <p:grpSpPr>
           <a:xfrm>
-            <a:off x="1831340" y="5085715"/>
-            <a:ext cx="3535680" cy="426720"/>
-            <a:chOff x="2884" y="7942"/>
-            <a:chExt cx="5568" cy="672"/>
+            <a:off x="2571750" y="5085715"/>
+            <a:ext cx="2214880" cy="427355"/>
+            <a:chOff x="2940" y="7942"/>
+            <a:chExt cx="3488" cy="673"/>
           </a:xfrm>
         </p:grpSpPr>
         <p:sp>
@@ -11214,8 +11708,8 @@
           </p:nvSpPr>
           <p:spPr>
             <a:xfrm>
-              <a:off x="2884" y="7997"/>
-              <a:ext cx="5568" cy="531"/>
+              <a:off x="2940" y="7997"/>
+              <a:ext cx="3488" cy="531"/>
             </a:xfrm>
             <a:prstGeom prst="rect">
               <a:avLst/>
@@ -11228,16 +11722,16 @@
             <a:p>
               <a:pPr algn="l"/>
               <a:r>
-                <a:rPr lang="en-US" altLang="en-GB" sz="1600" dirty="0">
+                <a:rPr lang="zh-CN" altLang="en-US" sz="1600" dirty="0">
                   <a:solidFill>
                     <a:srgbClr val="000000"/>
                   </a:solidFill>
                   <a:latin typeface="Microsoft YaHei" panose="020B0503020204020204" pitchFamily="34" charset="-122"/>
                   <a:ea typeface="Microsoft YaHei" panose="020B0503020204020204" pitchFamily="34" charset="-122"/>
                 </a:rPr>
-                <a:t>Stage1:spectral feature extraction </a:t>
+                <a:t>阶段一：光谱特征提取</a:t>
               </a:r>
-              <a:endParaRPr lang="en-US" altLang="en-GB" sz="1600" dirty="0">
+              <a:endParaRPr lang="zh-CN" altLang="en-US" sz="1600" dirty="0">
                 <a:solidFill>
                   <a:srgbClr val="000000"/>
                 </a:solidFill>
@@ -11256,7 +11750,7 @@
           <p:spPr>
             <a:xfrm>
               <a:off x="2976" y="7942"/>
-              <a:ext cx="5369" cy="673"/>
+              <a:ext cx="3395" cy="673"/>
             </a:xfrm>
             <a:prstGeom prst="rect">
               <a:avLst/>
@@ -15734,6 +16228,66 @@
           </p:txBody>
         </p:sp>
       </p:grpSp>
+      <p:sp>
+        <p:nvSpPr>
+          <p:cNvPr id="2" name="文本框 1"/>
+          <p:cNvSpPr txBox="1"/>
+          <p:nvPr/>
+        </p:nvSpPr>
+        <p:spPr>
+          <a:xfrm>
+            <a:off x="363220" y="5704205"/>
+            <a:ext cx="2288540" cy="521970"/>
+          </a:xfrm>
+          <a:prstGeom prst="rect">
+            <a:avLst/>
+          </a:prstGeom>
+          <a:noFill/>
+        </p:spPr>
+        <p:txBody>
+          <a:bodyPr wrap="square" rtlCol="0">
+            <a:spAutoFit/>
+          </a:bodyPr>
+          <a:p>
+            <a:pPr algn="ctr"/>
+            <a:r>
+              <a:rPr lang="zh-CN" altLang="en-US" sz="2800"/>
+              <a:t>遥感图像</a:t>
+            </a:r>
+            <a:endParaRPr lang="zh-CN" altLang="en-US" sz="2800"/>
+          </a:p>
+        </p:txBody>
+      </p:sp>
+      <p:sp>
+        <p:nvSpPr>
+          <p:cNvPr id="6" name="文本框 5"/>
+          <p:cNvSpPr txBox="1"/>
+          <p:nvPr/>
+        </p:nvSpPr>
+        <p:spPr>
+          <a:xfrm>
+            <a:off x="9900920" y="5742305"/>
+            <a:ext cx="1940560" cy="521970"/>
+          </a:xfrm>
+          <a:prstGeom prst="rect">
+            <a:avLst/>
+          </a:prstGeom>
+          <a:noFill/>
+        </p:spPr>
+        <p:txBody>
+          <a:bodyPr wrap="square" rtlCol="0">
+            <a:spAutoFit/>
+          </a:bodyPr>
+          <a:p>
+            <a:pPr algn="ctr"/>
+            <a:r>
+              <a:rPr lang="zh-CN" altLang="en-US" sz="2800"/>
+              <a:t>光谱特征</a:t>
+            </a:r>
+            <a:endParaRPr lang="zh-CN" altLang="en-US" sz="2800"/>
+          </a:p>
+        </p:txBody>
+      </p:sp>
     </p:spTree>
   </p:cSld>
   <p:clrMapOvr>
@@ -25839,7 +26393,7 @@
             <p:spPr>
               <a:xfrm>
                 <a:off x="496" y="4684"/>
-                <a:ext cx="1350" cy="871"/>
+                <a:ext cx="1350" cy="1307"/>
               </a:xfrm>
               <a:prstGeom prst="rect">
                 <a:avLst/>
@@ -25853,8 +26407,8 @@
               <a:p>
                 <a:pPr algn="r"/>
                 <a:r>
-                  <a:rPr lang="en-US" altLang="zh-CN"/>
-                  <a:t>input</a:t>
+                  <a:rPr lang="zh-CN" altLang="en-US"/>
+                  <a:t>输入图像</a:t>
                 </a:r>
                 <a:endParaRPr lang="en-US" altLang="zh-CN" sz="1200"/>
               </a:p>
@@ -26705,10 +27259,10 @@
         </p:nvGrpSpPr>
         <p:grpSpPr>
           <a:xfrm>
-            <a:off x="1463855" y="3914775"/>
-            <a:ext cx="1977390" cy="1214120"/>
-            <a:chOff x="4881880" y="4293870"/>
-            <a:chExt cx="1977390" cy="1214120"/>
+            <a:off x="1138555" y="3814445"/>
+            <a:ext cx="2674620" cy="1612321"/>
+            <a:chOff x="4881880" y="4338320"/>
+            <a:chExt cx="1977390" cy="1110615"/>
           </a:xfrm>
         </p:grpSpPr>
         <p:grpSp>
@@ -26719,10 +27273,10 @@
           </p:nvGrpSpPr>
           <p:grpSpPr>
             <a:xfrm>
-              <a:off x="4907280" y="4293870"/>
-              <a:ext cx="1858010" cy="245110"/>
-              <a:chOff x="1731" y="5740"/>
-              <a:chExt cx="2926" cy="386"/>
+              <a:off x="4907280" y="4338320"/>
+              <a:ext cx="1858010" cy="197485"/>
+              <a:chOff x="1731" y="5810"/>
+              <a:chExt cx="2926" cy="311"/>
             </a:xfrm>
           </p:grpSpPr>
           <p:sp>
@@ -26781,8 +27335,8 @@
             </p:nvSpPr>
             <p:spPr>
               <a:xfrm>
-                <a:off x="2039" y="5740"/>
-                <a:ext cx="2618" cy="386"/>
+                <a:off x="2039" y="5810"/>
+                <a:ext cx="2618" cy="311"/>
               </a:xfrm>
               <a:prstGeom prst="rect">
                 <a:avLst/>
@@ -26795,14 +27349,22 @@
               </a:bodyPr>
               <a:p>
                 <a:r>
-                  <a:rPr lang="en-US" altLang="zh-CN" sz="1000" dirty="0"/>
-                  <a:t>conv 1x1, BN, </a:t>
+                  <a:rPr lang="en-US" altLang="zh-CN" sz="1200" dirty="0"/>
+                  <a:t>1x1</a:t>
                 </a:r>
                 <a:r>
-                  <a:rPr lang="en-US" altLang="zh-CN" sz="1000" dirty="0" err="1"/>
+                  <a:rPr lang="zh-CN" altLang="en-US" sz="1200" dirty="0"/>
+                  <a:t>卷积</a:t>
+                </a:r>
+                <a:r>
+                  <a:rPr lang="en-US" altLang="zh-CN" sz="1200" dirty="0"/>
+                  <a:t>, BN, </a:t>
+                </a:r>
+                <a:r>
+                  <a:rPr lang="en-US" altLang="zh-CN" sz="1200" dirty="0" err="1"/>
                   <a:t>ReLU</a:t>
                 </a:r>
-                <a:endParaRPr lang="zh-CN" altLang="en-US" sz="1000" dirty="0"/>
+                <a:endParaRPr lang="zh-CN" altLang="en-US" sz="1200" dirty="0"/>
               </a:p>
             </p:txBody>
           </p:sp>
@@ -26815,10 +27377,10 @@
           </p:nvGrpSpPr>
           <p:grpSpPr>
             <a:xfrm>
-              <a:off x="4881880" y="4520565"/>
-              <a:ext cx="1977390" cy="987425"/>
-              <a:chOff x="4881880" y="4520565"/>
-              <a:chExt cx="1977390" cy="987425"/>
+              <a:off x="4881880" y="4565015"/>
+              <a:ext cx="1977390" cy="883920"/>
+              <a:chOff x="4881880" y="4565015"/>
+              <a:chExt cx="1977390" cy="883920"/>
             </a:xfrm>
           </p:grpSpPr>
           <p:grpSp>
@@ -26829,10 +27391,10 @@
             </p:nvGrpSpPr>
             <p:grpSpPr>
               <a:xfrm>
-                <a:off x="4907280" y="4520565"/>
-                <a:ext cx="1951990" cy="226695"/>
-                <a:chOff x="1731" y="5740"/>
-                <a:chExt cx="3074" cy="357"/>
+                <a:off x="4907280" y="4565015"/>
+                <a:ext cx="1951990" cy="197485"/>
+                <a:chOff x="1731" y="5810"/>
+                <a:chExt cx="3074" cy="311"/>
               </a:xfrm>
             </p:grpSpPr>
             <p:sp>
@@ -26891,8 +27453,8 @@
               </p:nvSpPr>
               <p:spPr>
                 <a:xfrm>
-                  <a:off x="2039" y="5740"/>
-                  <a:ext cx="2766" cy="146"/>
+                  <a:off x="2039" y="5810"/>
+                  <a:ext cx="2766" cy="311"/>
                 </a:xfrm>
                 <a:prstGeom prst="rect">
                   <a:avLst/>
@@ -26905,14 +27467,22 @@
                 </a:bodyPr>
                 <a:p>
                   <a:r>
-                    <a:rPr lang="en-US" altLang="zh-CN" sz="1000" dirty="0"/>
-                    <a:t>group conv 3x3, BN, </a:t>
+                    <a:rPr lang="en-US" altLang="zh-CN" sz="1200" dirty="0"/>
+                    <a:t>3x3</a:t>
                   </a:r>
                   <a:r>
-                    <a:rPr lang="en-US" altLang="zh-CN" sz="1000" dirty="0" err="1"/>
+                    <a:rPr lang="zh-CN" altLang="en-US" sz="1200" dirty="0"/>
+                    <a:t>组卷积</a:t>
+                  </a:r>
+                  <a:r>
+                    <a:rPr lang="en-US" altLang="zh-CN" sz="1200" dirty="0"/>
+                    <a:t>, BN, </a:t>
+                  </a:r>
+                  <a:r>
+                    <a:rPr lang="en-US" altLang="zh-CN" sz="1200" dirty="0" err="1"/>
                     <a:t>ReLU</a:t>
                   </a:r>
-                  <a:endParaRPr lang="zh-CN" altLang="en-US" sz="1000" dirty="0"/>
+                  <a:endParaRPr lang="zh-CN" altLang="en-US" sz="1200" dirty="0"/>
                 </a:p>
               </p:txBody>
             </p:sp>
@@ -26925,10 +27495,10 @@
             </p:nvGrpSpPr>
             <p:grpSpPr>
               <a:xfrm>
-                <a:off x="4881880" y="4765675"/>
-                <a:ext cx="1883410" cy="245110"/>
-                <a:chOff x="7688" y="7651"/>
-                <a:chExt cx="2966" cy="386"/>
+                <a:off x="4881880" y="4804410"/>
+                <a:ext cx="1883410" cy="213360"/>
+                <a:chOff x="7688" y="7712"/>
+                <a:chExt cx="2966" cy="336"/>
               </a:xfrm>
             </p:grpSpPr>
             <p:sp>
@@ -26989,8 +27559,8 @@
               </p:nvSpPr>
               <p:spPr>
                 <a:xfrm>
-                  <a:off x="8036" y="7651"/>
-                  <a:ext cx="2618" cy="386"/>
+                  <a:off x="8036" y="7712"/>
+                  <a:ext cx="2618" cy="336"/>
                 </a:xfrm>
                 <a:prstGeom prst="rect">
                   <a:avLst/>
@@ -27003,10 +27573,14 @@
                 </a:bodyPr>
                 <a:p>
                   <a:r>
-                    <a:rPr lang="en-US" altLang="zh-CN" sz="1000" dirty="0"/>
-                    <a:t>max pool 2x2</a:t>
+                    <a:rPr lang="en-US" altLang="zh-CN" sz="1200" dirty="0"/>
+                    <a:t>2x2</a:t>
                   </a:r>
-                  <a:endParaRPr lang="zh-CN" altLang="en-US" sz="1000" dirty="0"/>
+                  <a:r>
+                    <a:rPr lang="zh-CN" altLang="en-US" sz="1200" dirty="0"/>
+                    <a:t>最大池化</a:t>
+                  </a:r>
+                  <a:endParaRPr lang="zh-CN" altLang="en-US" sz="1200" dirty="0"/>
                 </a:p>
               </p:txBody>
             </p:sp>
@@ -27019,10 +27593,10 @@
             </p:nvGrpSpPr>
             <p:grpSpPr>
               <a:xfrm>
-                <a:off x="4881880" y="5010785"/>
-                <a:ext cx="1883410" cy="245110"/>
-                <a:chOff x="7688" y="7651"/>
-                <a:chExt cx="2966" cy="386"/>
+                <a:off x="4881880" y="5039995"/>
+                <a:ext cx="1883410" cy="213360"/>
+                <a:chOff x="7688" y="7697"/>
+                <a:chExt cx="2966" cy="336"/>
               </a:xfrm>
             </p:grpSpPr>
             <p:sp>
@@ -27033,7 +27607,7 @@
               </p:nvSpPr>
               <p:spPr>
                 <a:xfrm rot="16200000">
-                  <a:off x="7728" y="7704"/>
+                  <a:off x="7728" y="7685"/>
                   <a:ext cx="200" cy="280"/>
                 </a:xfrm>
                 <a:prstGeom prst="rightArrow">
@@ -27081,8 +27655,8 @@
               </p:nvSpPr>
               <p:spPr>
                 <a:xfrm>
-                  <a:off x="8036" y="7651"/>
-                  <a:ext cx="2618" cy="386"/>
+                  <a:off x="8036" y="7697"/>
+                  <a:ext cx="2618" cy="336"/>
                 </a:xfrm>
                 <a:prstGeom prst="rect">
                   <a:avLst/>
@@ -27095,10 +27669,10 @@
                 </a:bodyPr>
                 <a:p>
                   <a:r>
-                    <a:rPr lang="en-US" altLang="zh-CN" sz="1000"/>
-                    <a:t>bilinear upsample</a:t>
+                    <a:rPr lang="zh-CN" altLang="en-US" sz="1200"/>
+                    <a:t>双线性插值上采样</a:t>
                   </a:r>
-                  <a:endParaRPr lang="en-US" altLang="zh-CN" sz="1000"/>
+                  <a:endParaRPr lang="zh-CN" altLang="en-US" sz="1200"/>
                 </a:p>
               </p:txBody>
             </p:sp>
@@ -27111,10 +27685,10 @@
             </p:nvGrpSpPr>
             <p:grpSpPr>
               <a:xfrm>
-                <a:off x="4907280" y="5262880"/>
-                <a:ext cx="1858010" cy="245110"/>
-                <a:chOff x="1731" y="5740"/>
-                <a:chExt cx="2926" cy="386"/>
+                <a:off x="4907280" y="5251450"/>
+                <a:ext cx="1858010" cy="197485"/>
+                <a:chOff x="1731" y="5722"/>
+                <a:chExt cx="2926" cy="311"/>
               </a:xfrm>
             </p:grpSpPr>
             <p:sp>
@@ -27125,7 +27699,7 @@
               </p:nvSpPr>
               <p:spPr>
                 <a:xfrm>
-                  <a:off x="1731" y="5817"/>
+                  <a:off x="1731" y="5722"/>
                   <a:ext cx="200" cy="280"/>
                 </a:xfrm>
                 <a:prstGeom prst="rightArrow">
@@ -27173,8 +27747,8 @@
               </p:nvSpPr>
               <p:spPr>
                 <a:xfrm>
-                  <a:off x="2039" y="5740"/>
-                  <a:ext cx="2618" cy="386"/>
+                  <a:off x="2039" y="5734"/>
+                  <a:ext cx="2618" cy="299"/>
                 </a:xfrm>
                 <a:prstGeom prst="rect">
                   <a:avLst/>
@@ -27187,10 +27761,10 @@
                 </a:bodyPr>
                 <a:p>
                   <a:r>
-                    <a:rPr lang="en-US" altLang="zh-CN" sz="1000"/>
-                    <a:t>copy and crop</a:t>
+                    <a:rPr lang="zh-CN" altLang="en-US" sz="1200"/>
+                    <a:t>复制与拼接</a:t>
                   </a:r>
-                  <a:endParaRPr lang="zh-CN" altLang="en-US" sz="1000"/>
+                  <a:endParaRPr lang="zh-CN" altLang="en-US" sz="1200"/>
                 </a:p>
               </p:txBody>
             </p:sp>
@@ -31056,8 +31630,8 @@
         </p:nvSpPr>
         <p:spPr>
           <a:xfrm>
-            <a:off x="10737335" y="2366306"/>
-            <a:ext cx="1202055" cy="368300"/>
+            <a:off x="10779880" y="2357416"/>
+            <a:ext cx="1202055" cy="645160"/>
           </a:xfrm>
           <a:prstGeom prst="rect">
             <a:avLst/>
@@ -31071,10 +31645,18 @@
           <a:p>
             <a:pPr algn="l"/>
             <a:r>
-              <a:rPr lang="en-US" altLang="zh-CN" dirty="0"/>
-              <a:t>output</a:t>
+              <a:rPr lang="zh-CN" altLang="en-US" dirty="0"/>
+              <a:t>输出</a:t>
             </a:r>
-            <a:endParaRPr lang="en-US" altLang="zh-CN" dirty="0"/>
+            <a:endParaRPr lang="zh-CN" altLang="en-US" dirty="0"/>
+          </a:p>
+          <a:p>
+            <a:pPr algn="l"/>
+            <a:r>
+              <a:rPr lang="zh-CN" altLang="en-US" dirty="0"/>
+              <a:t>掩膜</a:t>
+            </a:r>
+            <a:endParaRPr lang="zh-CN" altLang="en-US" dirty="0"/>
           </a:p>
         </p:txBody>
       </p:sp>
@@ -31212,8 +31794,8 @@
         </p:nvSpPr>
         <p:spPr>
           <a:xfrm>
-            <a:off x="1686560" y="1205230"/>
-            <a:ext cx="2268855" cy="368300"/>
+            <a:off x="1831975" y="1169670"/>
+            <a:ext cx="2268855" cy="398780"/>
           </a:xfrm>
           <a:prstGeom prst="rect">
             <a:avLst/>
@@ -31226,10 +31808,10 @@
           </a:bodyPr>
           <a:p>
             <a:r>
-              <a:rPr lang="en-US" altLang="zh-CN"/>
-              <a:t>Spectral extraction</a:t>
+              <a:rPr lang="zh-CN" altLang="en-US" sz="2000" b="1"/>
+              <a:t>光谱特征提取阶段</a:t>
             </a:r>
-            <a:endParaRPr lang="en-US" altLang="zh-CN"/>
+            <a:endParaRPr lang="zh-CN" altLang="en-US" sz="2000" b="1"/>
           </a:p>
         </p:txBody>
       </p:sp>
@@ -31241,8 +31823,8 @@
         </p:nvSpPr>
         <p:spPr>
           <a:xfrm>
-            <a:off x="6318885" y="1205230"/>
-            <a:ext cx="2160270" cy="368300"/>
+            <a:off x="6579870" y="1205230"/>
+            <a:ext cx="2277110" cy="398780"/>
           </a:xfrm>
           <a:prstGeom prst="rect">
             <a:avLst/>
@@ -31255,14 +31837,10 @@
           </a:bodyPr>
           <a:p>
             <a:r>
-              <a:rPr lang="zh-CN" altLang="en-US"/>
-              <a:t>Spatial </a:t>
+              <a:rPr lang="zh-CN" altLang="en-US" sz="2000" b="1"/>
+              <a:t>空间特征提取阶段</a:t>
             </a:r>
-            <a:r>
-              <a:rPr lang="en-US" altLang="zh-CN"/>
-              <a:t>extraction</a:t>
-            </a:r>
-            <a:endParaRPr lang="en-US" altLang="zh-CN"/>
+            <a:endParaRPr lang="zh-CN" altLang="en-US" sz="2000" b="1"/>
           </a:p>
         </p:txBody>
       </p:sp>
@@ -33873,7 +34451,7 @@
         <p:spPr>
           <a:xfrm>
             <a:off x="847725" y="1387475"/>
-            <a:ext cx="908685" cy="922020"/>
+            <a:ext cx="908685" cy="645160"/>
           </a:xfrm>
           <a:prstGeom prst="rect">
             <a:avLst/>
@@ -33885,11 +34463,19 @@
             <a:spAutoFit/>
           </a:bodyPr>
           <a:p>
+            <a:pPr algn="r"/>
             <a:r>
-              <a:rPr lang="en-US" altLang="zh-CN"/>
-              <a:t>input feature map</a:t>
+              <a:rPr lang="zh-CN" altLang="en-US"/>
+              <a:t>输入</a:t>
             </a:r>
-            <a:endParaRPr lang="en-US" altLang="zh-CN"/>
+            <a:endParaRPr lang="zh-CN" altLang="en-US"/>
+          </a:p>
+          <a:p>
+            <a:r>
+              <a:rPr lang="zh-CN" altLang="en-US"/>
+              <a:t>特征图</a:t>
+            </a:r>
+            <a:endParaRPr lang="zh-CN" altLang="en-US"/>
           </a:p>
         </p:txBody>
       </p:sp>
@@ -34075,7 +34661,7 @@
         <p:spPr>
           <a:xfrm>
             <a:off x="4845050" y="1409065"/>
-            <a:ext cx="908685" cy="922020"/>
+            <a:ext cx="908685" cy="645160"/>
           </a:xfrm>
           <a:prstGeom prst="rect">
             <a:avLst/>
@@ -34088,10 +34674,17 @@
           </a:bodyPr>
           <a:p>
             <a:r>
-              <a:rPr lang="en-US" altLang="zh-CN"/>
-              <a:t>output feature map</a:t>
+              <a:rPr lang="zh-CN" altLang="en-US"/>
+              <a:t>输出</a:t>
             </a:r>
-            <a:endParaRPr lang="en-US" altLang="zh-CN"/>
+            <a:endParaRPr lang="zh-CN" altLang="en-US"/>
+          </a:p>
+          <a:p>
+            <a:r>
+              <a:rPr lang="zh-CN" altLang="en-US"/>
+              <a:t>特征图</a:t>
+            </a:r>
+            <a:endParaRPr lang="zh-CN" altLang="en-US"/>
           </a:p>
         </p:txBody>
       </p:sp>
@@ -34408,4 +35001,263 @@
     </a:ext>
   </a:extLst>
 </a:theme>
+</file>
+
+<file path=ppt/theme/theme2.xml><?xml version="1.0" encoding="utf-8"?>
+<a:theme xmlns:a="http://schemas.openxmlformats.org/drawingml/2006/main" name="Office 主题">
+  <a:themeElements>
+    <a:clrScheme name="Office">
+      <a:dk1>
+        <a:sysClr val="windowText" lastClr="000000"/>
+      </a:dk1>
+      <a:lt1>
+        <a:sysClr val="window" lastClr="FFFFFF"/>
+      </a:lt1>
+      <a:dk2>
+        <a:srgbClr val="44546A"/>
+      </a:dk2>
+      <a:lt2>
+        <a:srgbClr val="E7E6E6"/>
+      </a:lt2>
+      <a:accent1>
+        <a:srgbClr val="5B9BD5"/>
+      </a:accent1>
+      <a:accent2>
+        <a:srgbClr val="ED7D31"/>
+      </a:accent2>
+      <a:accent3>
+        <a:srgbClr val="A5A5A5"/>
+      </a:accent3>
+      <a:accent4>
+        <a:srgbClr val="FFC000"/>
+      </a:accent4>
+      <a:accent5>
+        <a:srgbClr val="4472C4"/>
+      </a:accent5>
+      <a:accent6>
+        <a:srgbClr val="70AD47"/>
+      </a:accent6>
+      <a:hlink>
+        <a:srgbClr val="0563C1"/>
+      </a:hlink>
+      <a:folHlink>
+        <a:srgbClr val="954F72"/>
+      </a:folHlink>
+    </a:clrScheme>
+    <a:fontScheme name="Office">
+      <a:majorFont>
+        <a:latin typeface="Calibri Light"/>
+        <a:ea typeface=""/>
+        <a:cs typeface=""/>
+        <a:font script="Jpan" typeface="ＭＳ Ｐゴシック"/>
+        <a:font script="Hang" typeface="맑은 고딕"/>
+        <a:font script="Hans" typeface="宋体"/>
+        <a:font script="Hant" typeface="新細明體"/>
+        <a:font script="Arab" typeface="Times New Roman"/>
+        <a:font script="Hebr" typeface="Times New Roman"/>
+        <a:font script="Thai" typeface="Angsana New"/>
+        <a:font script="Ethi" typeface="Nyala"/>
+        <a:font script="Beng" typeface="Vrinda"/>
+        <a:font script="Gujr" typeface="Shruti"/>
+        <a:font script="Khmr" typeface="MoolBoran"/>
+        <a:font script="Knda" typeface="Tunga"/>
+        <a:font script="Guru" typeface="Raavi"/>
+        <a:font script="Cans" typeface="Euphemia"/>
+        <a:font script="Cher" typeface="Plantagenet Cherokee"/>
+        <a:font script="Yiii" typeface="Microsoft Yi Baiti"/>
+        <a:font script="Tibt" typeface="Microsoft Himalaya"/>
+        <a:font script="Thaa" typeface="MV Boli"/>
+        <a:font script="Deva" typeface="Mangal"/>
+        <a:font script="Telu" typeface="Gautami"/>
+        <a:font script="Taml" typeface="Latha"/>
+        <a:font script="Syrc" typeface="Estrangelo Edessa"/>
+        <a:font script="Orya" typeface="Kalinga"/>
+        <a:font script="Mlym" typeface="Kartika"/>
+        <a:font script="Laoo" typeface="DokChampa"/>
+        <a:font script="Sinh" typeface="Iskoola Pota"/>
+        <a:font script="Mong" typeface="Mongolian Baiti"/>
+        <a:font script="Viet" typeface="Times New Roman"/>
+        <a:font script="Uigh" typeface="Microsoft Uighur"/>
+        <a:font script="Geor" typeface="Sylfaen"/>
+      </a:majorFont>
+      <a:minorFont>
+        <a:latin typeface="Calibri"/>
+        <a:ea typeface=""/>
+        <a:cs typeface=""/>
+        <a:font script="Jpan" typeface="ＭＳ Ｐゴシック"/>
+        <a:font script="Hang" typeface="맑은 고딕"/>
+        <a:font script="Hans" typeface="宋体"/>
+        <a:font script="Hant" typeface="新細明體"/>
+        <a:font script="Arab" typeface="Arial"/>
+        <a:font script="Hebr" typeface="Arial"/>
+        <a:font script="Thai" typeface="Cordia New"/>
+        <a:font script="Ethi" typeface="Nyala"/>
+        <a:font script="Beng" typeface="Vrinda"/>
+        <a:font script="Gujr" typeface="Shruti"/>
+        <a:font script="Khmr" typeface="DaunPenh"/>
+        <a:font script="Knda" typeface="Tunga"/>
+        <a:font script="Guru" typeface="Raavi"/>
+        <a:font script="Cans" typeface="Euphemia"/>
+        <a:font script="Cher" typeface="Plantagenet Cherokee"/>
+        <a:font script="Yiii" typeface="Microsoft Yi Baiti"/>
+        <a:font script="Tibt" typeface="Microsoft Himalaya"/>
+        <a:font script="Thaa" typeface="MV Boli"/>
+        <a:font script="Deva" typeface="Mangal"/>
+        <a:font script="Telu" typeface="Gautami"/>
+        <a:font script="Taml" typeface="Latha"/>
+        <a:font script="Syrc" typeface="Estrangelo Edessa"/>
+        <a:font script="Orya" typeface="Kalinga"/>
+        <a:font script="Mlym" typeface="Kartika"/>
+        <a:font script="Laoo" typeface="DokChampa"/>
+        <a:font script="Sinh" typeface="Iskoola Pota"/>
+        <a:font script="Mong" typeface="Mongolian Baiti"/>
+        <a:font script="Viet" typeface="Arial"/>
+        <a:font script="Uigh" typeface="Microsoft Uighur"/>
+        <a:font script="Geor" typeface="Sylfaen"/>
+      </a:minorFont>
+    </a:fontScheme>
+    <a:fmtScheme name="Office">
+      <a:fillStyleLst>
+        <a:solidFill>
+          <a:schemeClr val="phClr"/>
+        </a:solidFill>
+        <a:gradFill rotWithShape="1">
+          <a:gsLst>
+            <a:gs pos="0">
+              <a:schemeClr val="phClr">
+                <a:lumMod val="110000"/>
+                <a:satMod val="105000"/>
+                <a:tint val="67000"/>
+              </a:schemeClr>
+            </a:gs>
+            <a:gs pos="50000">
+              <a:schemeClr val="phClr">
+                <a:lumMod val="105000"/>
+                <a:satMod val="103000"/>
+                <a:tint val="73000"/>
+              </a:schemeClr>
+            </a:gs>
+            <a:gs pos="100000">
+              <a:schemeClr val="phClr">
+                <a:lumMod val="105000"/>
+                <a:satMod val="109000"/>
+                <a:tint val="81000"/>
+              </a:schemeClr>
+            </a:gs>
+          </a:gsLst>
+          <a:lin ang="5400000" scaled="0"/>
+        </a:gradFill>
+        <a:gradFill rotWithShape="1">
+          <a:gsLst>
+            <a:gs pos="0">
+              <a:schemeClr val="phClr">
+                <a:satMod val="103000"/>
+                <a:lumMod val="102000"/>
+                <a:tint val="94000"/>
+              </a:schemeClr>
+            </a:gs>
+            <a:gs pos="50000">
+              <a:schemeClr val="phClr">
+                <a:satMod val="110000"/>
+                <a:lumMod val="100000"/>
+                <a:shade val="100000"/>
+              </a:schemeClr>
+            </a:gs>
+            <a:gs pos="100000">
+              <a:schemeClr val="phClr">
+                <a:lumMod val="99000"/>
+                <a:satMod val="120000"/>
+                <a:shade val="78000"/>
+              </a:schemeClr>
+            </a:gs>
+          </a:gsLst>
+          <a:lin ang="5400000" scaled="0"/>
+        </a:gradFill>
+      </a:fillStyleLst>
+      <a:lnStyleLst>
+        <a:ln w="6350" cap="flat" cmpd="sng" algn="ctr">
+          <a:solidFill>
+            <a:schemeClr val="phClr"/>
+          </a:solidFill>
+          <a:prstDash val="solid"/>
+          <a:miter lim="800000"/>
+        </a:ln>
+        <a:ln w="12700" cap="flat" cmpd="sng" algn="ctr">
+          <a:solidFill>
+            <a:schemeClr val="phClr"/>
+          </a:solidFill>
+          <a:prstDash val="solid"/>
+          <a:miter lim="800000"/>
+        </a:ln>
+        <a:ln w="19050" cap="flat" cmpd="sng" algn="ctr">
+          <a:solidFill>
+            <a:schemeClr val="phClr"/>
+          </a:solidFill>
+          <a:prstDash val="solid"/>
+          <a:miter lim="800000"/>
+        </a:ln>
+      </a:lnStyleLst>
+      <a:effectStyleLst>
+        <a:effectStyle>
+          <a:effectLst/>
+        </a:effectStyle>
+        <a:effectStyle>
+          <a:effectLst/>
+        </a:effectStyle>
+        <a:effectStyle>
+          <a:effectLst>
+            <a:outerShdw blurRad="57150" dist="19050" dir="5400000" algn="ctr" rotWithShape="0">
+              <a:srgbClr val="000000">
+                <a:alpha val="63000"/>
+              </a:srgbClr>
+            </a:outerShdw>
+          </a:effectLst>
+        </a:effectStyle>
+      </a:effectStyleLst>
+      <a:bgFillStyleLst>
+        <a:solidFill>
+          <a:schemeClr val="phClr"/>
+        </a:solidFill>
+        <a:solidFill>
+          <a:schemeClr val="phClr">
+            <a:tint val="95000"/>
+            <a:satMod val="170000"/>
+          </a:schemeClr>
+        </a:solidFill>
+        <a:gradFill rotWithShape="1">
+          <a:gsLst>
+            <a:gs pos="0">
+              <a:schemeClr val="phClr">
+                <a:tint val="93000"/>
+                <a:satMod val="150000"/>
+                <a:shade val="98000"/>
+                <a:lumMod val="102000"/>
+              </a:schemeClr>
+            </a:gs>
+            <a:gs pos="50000">
+              <a:schemeClr val="phClr">
+                <a:tint val="98000"/>
+                <a:satMod val="130000"/>
+                <a:shade val="90000"/>
+                <a:lumMod val="103000"/>
+              </a:schemeClr>
+            </a:gs>
+            <a:gs pos="100000">
+              <a:schemeClr val="phClr">
+                <a:shade val="63000"/>
+                <a:satMod val="120000"/>
+              </a:schemeClr>
+            </a:gs>
+          </a:gsLst>
+          <a:lin ang="5400000" scaled="0"/>
+        </a:gradFill>
+      </a:bgFillStyleLst>
+    </a:fmtScheme>
+  </a:themeElements>
+  <a:extLst>
+    <a:ext uri="{05A4C25C-085E-4340-85A3-A5531E510DB2}">
+      <thm15:themeFamily xmlns:thm15="http://schemas.microsoft.com/office/thememl/2012/main" name="Office Theme" id="{62F939B6-93AF-4DB8-9C6B-D6C7DFDC589F}" vid="{4A3C46E8-61CC-4603-A589-7422A47A8E4A}"/>
+    </a:ext>
+  </a:extLst>
+</a:theme>
 </file>
--- a/pic/模型图.pptx
+++ b/pic/模型图.pptx
@@ -11173,7 +11173,7 @@
                 <a:latin typeface="Microsoft YaHei" panose="020B0503020204020204" pitchFamily="34" charset="-122"/>
                 <a:ea typeface="Microsoft YaHei" panose="020B0503020204020204" pitchFamily="34" charset="-122"/>
               </a:rPr>
-              <a:t>高纬特征图</a:t>
+              <a:t>高维特征图</a:t>
             </a:r>
             <a:endParaRPr lang="zh-CN" altLang="en-GB" sz="1600" dirty="0">
               <a:solidFill>
